--- a/clases/Cap02_Geometria/presentaciones/CV02_EpipolarGeometry.pptx
+++ b/clases/Cap02_Geometria/presentaciones/CV02_EpipolarGeometry.pptx
@@ -5,7 +5,7 @@
     <p:sldMasterId id="2147483648" r:id="rId1"/>
   </p:sldMasterIdLst>
   <p:notesMasterIdLst>
-    <p:notesMasterId r:id="rId18"/>
+    <p:notesMasterId r:id="rId19"/>
   </p:notesMasterIdLst>
   <p:sldIdLst>
     <p:sldId id="263" r:id="rId2"/>
@@ -15,15 +15,16 @@
     <p:sldId id="261" r:id="rId6"/>
     <p:sldId id="273" r:id="rId7"/>
     <p:sldId id="264" r:id="rId8"/>
-    <p:sldId id="268" r:id="rId9"/>
-    <p:sldId id="269" r:id="rId10"/>
-    <p:sldId id="270" r:id="rId11"/>
-    <p:sldId id="271" r:id="rId12"/>
-    <p:sldId id="272" r:id="rId13"/>
-    <p:sldId id="274" r:id="rId14"/>
-    <p:sldId id="275" r:id="rId15"/>
-    <p:sldId id="266" r:id="rId16"/>
-    <p:sldId id="267" r:id="rId17"/>
+    <p:sldId id="276" r:id="rId9"/>
+    <p:sldId id="268" r:id="rId10"/>
+    <p:sldId id="269" r:id="rId11"/>
+    <p:sldId id="270" r:id="rId12"/>
+    <p:sldId id="271" r:id="rId13"/>
+    <p:sldId id="272" r:id="rId14"/>
+    <p:sldId id="274" r:id="rId15"/>
+    <p:sldId id="275" r:id="rId16"/>
+    <p:sldId id="266" r:id="rId17"/>
+    <p:sldId id="267" r:id="rId18"/>
   </p:sldIdLst>
   <p:sldSz cx="9144000" cy="6858000" type="screen4x3"/>
   <p:notesSz cx="6858000" cy="9144000"/>
@@ -223,7 +224,7 @@
           <a:p>
             <a:fld id="{08FA71BF-89FD-A341-9C04-DF74749A48F6}" type="datetimeFigureOut">
               <a:rPr lang="en-US" smtClean="0"/>
-              <a:t>7/26/19</a:t>
+              <a:t>9/13/21</a:t>
             </a:fld>
             <a:endParaRPr lang="en-US"/>
           </a:p>
@@ -757,7 +758,7 @@
           <a:p>
             <a:fld id="{E49082AB-9DE3-2C45-84C6-FCE2D62D89C5}" type="datetimeFigureOut">
               <a:rPr lang="en-US" smtClean="0"/>
-              <a:t>7/26/19</a:t>
+              <a:t>9/13/21</a:t>
             </a:fld>
             <a:endParaRPr lang="en-US"/>
           </a:p>
@@ -925,7 +926,7 @@
           <a:p>
             <a:fld id="{E49082AB-9DE3-2C45-84C6-FCE2D62D89C5}" type="datetimeFigureOut">
               <a:rPr lang="en-US" smtClean="0"/>
-              <a:t>7/26/19</a:t>
+              <a:t>9/13/21</a:t>
             </a:fld>
             <a:endParaRPr lang="en-US"/>
           </a:p>
@@ -1103,7 +1104,7 @@
           <a:p>
             <a:fld id="{E49082AB-9DE3-2C45-84C6-FCE2D62D89C5}" type="datetimeFigureOut">
               <a:rPr lang="en-US" smtClean="0"/>
-              <a:t>7/26/19</a:t>
+              <a:t>9/13/21</a:t>
             </a:fld>
             <a:endParaRPr lang="en-US"/>
           </a:p>
@@ -1271,7 +1272,7 @@
           <a:p>
             <a:fld id="{E49082AB-9DE3-2C45-84C6-FCE2D62D89C5}" type="datetimeFigureOut">
               <a:rPr lang="en-US" smtClean="0"/>
-              <a:t>7/26/19</a:t>
+              <a:t>9/13/21</a:t>
             </a:fld>
             <a:endParaRPr lang="en-US"/>
           </a:p>
@@ -1516,7 +1517,7 @@
           <a:p>
             <a:fld id="{E49082AB-9DE3-2C45-84C6-FCE2D62D89C5}" type="datetimeFigureOut">
               <a:rPr lang="en-US" smtClean="0"/>
-              <a:t>7/26/19</a:t>
+              <a:t>9/13/21</a:t>
             </a:fld>
             <a:endParaRPr lang="en-US"/>
           </a:p>
@@ -1801,7 +1802,7 @@
           <a:p>
             <a:fld id="{E49082AB-9DE3-2C45-84C6-FCE2D62D89C5}" type="datetimeFigureOut">
               <a:rPr lang="en-US" smtClean="0"/>
-              <a:t>7/26/19</a:t>
+              <a:t>9/13/21</a:t>
             </a:fld>
             <a:endParaRPr lang="en-US"/>
           </a:p>
@@ -2220,7 +2221,7 @@
           <a:p>
             <a:fld id="{E49082AB-9DE3-2C45-84C6-FCE2D62D89C5}" type="datetimeFigureOut">
               <a:rPr lang="en-US" smtClean="0"/>
-              <a:t>7/26/19</a:t>
+              <a:t>9/13/21</a:t>
             </a:fld>
             <a:endParaRPr lang="en-US"/>
           </a:p>
@@ -2337,7 +2338,7 @@
           <a:p>
             <a:fld id="{E49082AB-9DE3-2C45-84C6-FCE2D62D89C5}" type="datetimeFigureOut">
               <a:rPr lang="en-US" smtClean="0"/>
-              <a:t>7/26/19</a:t>
+              <a:t>9/13/21</a:t>
             </a:fld>
             <a:endParaRPr lang="en-US"/>
           </a:p>
@@ -2432,7 +2433,7 @@
           <a:p>
             <a:fld id="{E49082AB-9DE3-2C45-84C6-FCE2D62D89C5}" type="datetimeFigureOut">
               <a:rPr lang="en-US" smtClean="0"/>
-              <a:t>7/26/19</a:t>
+              <a:t>9/13/21</a:t>
             </a:fld>
             <a:endParaRPr lang="en-US"/>
           </a:p>
@@ -2707,7 +2708,7 @@
           <a:p>
             <a:fld id="{E49082AB-9DE3-2C45-84C6-FCE2D62D89C5}" type="datetimeFigureOut">
               <a:rPr lang="en-US" smtClean="0"/>
-              <a:t>7/26/19</a:t>
+              <a:t>9/13/21</a:t>
             </a:fld>
             <a:endParaRPr lang="en-US"/>
           </a:p>
@@ -2959,7 +2960,7 @@
           <a:p>
             <a:fld id="{E49082AB-9DE3-2C45-84C6-FCE2D62D89C5}" type="datetimeFigureOut">
               <a:rPr lang="en-US" smtClean="0"/>
-              <a:t>7/26/19</a:t>
+              <a:t>9/13/21</a:t>
             </a:fld>
             <a:endParaRPr lang="en-US"/>
           </a:p>
@@ -3170,7 +3171,7 @@
           <a:p>
             <a:fld id="{E49082AB-9DE3-2C45-84C6-FCE2D62D89C5}" type="datetimeFigureOut">
               <a:rPr lang="en-US" smtClean="0"/>
-              <a:t>7/26/19</a:t>
+              <a:t>9/13/21</a:t>
             </a:fld>
             <a:endParaRPr lang="en-US"/>
           </a:p>
@@ -4739,6 +4740,2797 @@
           <a:chExt cx="0" cy="0"/>
         </a:xfrm>
       </p:grpSpPr>
+      <p:grpSp>
+        <p:nvGrpSpPr>
+          <p:cNvPr id="40" name="Group 39"/>
+          <p:cNvGrpSpPr/>
+          <p:nvPr/>
+        </p:nvGrpSpPr>
+        <p:grpSpPr>
+          <a:xfrm>
+            <a:off x="803707" y="3748755"/>
+            <a:ext cx="7610317" cy="2603560"/>
+            <a:chOff x="803707" y="3748755"/>
+            <a:chExt cx="7610317" cy="2603560"/>
+          </a:xfrm>
+        </p:grpSpPr>
+        <p:pic>
+          <p:nvPicPr>
+            <p:cNvPr id="27" name="Picture 26"/>
+            <p:cNvPicPr>
+              <a:picLocks noChangeAspect="1"/>
+            </p:cNvPicPr>
+            <p:nvPr/>
+          </p:nvPicPr>
+          <p:blipFill>
+            <a:blip r:embed="rId2">
+              <a:extLst>
+                <a:ext uri="{28A0092B-C50C-407E-A947-70E740481C1C}">
+                  <a14:useLocalDpi xmlns:a14="http://schemas.microsoft.com/office/drawing/2010/main" val="0"/>
+                </a:ext>
+              </a:extLst>
+            </a:blip>
+            <a:stretch>
+              <a:fillRect/>
+            </a:stretch>
+          </p:blipFill>
+          <p:spPr>
+            <a:xfrm>
+              <a:off x="803707" y="3748755"/>
+              <a:ext cx="3471413" cy="2603560"/>
+            </a:xfrm>
+            <a:prstGeom prst="rect">
+              <a:avLst/>
+            </a:prstGeom>
+          </p:spPr>
+        </p:pic>
+        <p:pic>
+          <p:nvPicPr>
+            <p:cNvPr id="28" name="Picture 27"/>
+            <p:cNvPicPr>
+              <a:picLocks noChangeAspect="1"/>
+            </p:cNvPicPr>
+            <p:nvPr/>
+          </p:nvPicPr>
+          <p:blipFill>
+            <a:blip r:embed="rId3">
+              <a:extLst>
+                <a:ext uri="{28A0092B-C50C-407E-A947-70E740481C1C}">
+                  <a14:useLocalDpi xmlns:a14="http://schemas.microsoft.com/office/drawing/2010/main" val="0"/>
+                </a:ext>
+              </a:extLst>
+            </a:blip>
+            <a:stretch>
+              <a:fillRect/>
+            </a:stretch>
+          </p:blipFill>
+          <p:spPr>
+            <a:xfrm>
+              <a:off x="4942611" y="3748755"/>
+              <a:ext cx="3471413" cy="2603560"/>
+            </a:xfrm>
+            <a:prstGeom prst="rect">
+              <a:avLst/>
+            </a:prstGeom>
+          </p:spPr>
+        </p:pic>
+        <p:sp>
+          <p:nvSpPr>
+            <p:cNvPr id="38" name="TextBox 37"/>
+            <p:cNvSpPr txBox="1"/>
+            <p:nvPr/>
+          </p:nvSpPr>
+          <p:spPr>
+            <a:xfrm>
+              <a:off x="3736058" y="5655675"/>
+              <a:ext cx="458111" cy="584776"/>
+            </a:xfrm>
+            <a:prstGeom prst="rect">
+              <a:avLst/>
+            </a:prstGeom>
+            <a:noFill/>
+          </p:spPr>
+          <p:txBody>
+            <a:bodyPr wrap="none" rtlCol="0">
+              <a:spAutoFit/>
+            </a:bodyPr>
+            <a:lstStyle/>
+            <a:p>
+              <a:r>
+                <a:rPr lang="en-US" sz="3200" dirty="0">
+                  <a:solidFill>
+                    <a:srgbClr val="FFFFFF"/>
+                  </a:solidFill>
+                  <a:latin typeface="Times"/>
+                  <a:cs typeface="Times"/>
+                </a:rPr>
+                <a:t>I</a:t>
+              </a:r>
+              <a:r>
+                <a:rPr lang="en-US" sz="3200" baseline="-25000" dirty="0">
+                  <a:solidFill>
+                    <a:srgbClr val="FFFFFF"/>
+                  </a:solidFill>
+                  <a:latin typeface="Times"/>
+                  <a:cs typeface="Times"/>
+                </a:rPr>
+                <a:t>1</a:t>
+              </a:r>
+            </a:p>
+          </p:txBody>
+        </p:sp>
+        <p:sp>
+          <p:nvSpPr>
+            <p:cNvPr id="39" name="TextBox 38"/>
+            <p:cNvSpPr txBox="1"/>
+            <p:nvPr/>
+          </p:nvSpPr>
+          <p:spPr>
+            <a:xfrm>
+              <a:off x="7901605" y="5640543"/>
+              <a:ext cx="458111" cy="584776"/>
+            </a:xfrm>
+            <a:prstGeom prst="rect">
+              <a:avLst/>
+            </a:prstGeom>
+            <a:noFill/>
+          </p:spPr>
+          <p:txBody>
+            <a:bodyPr wrap="none" rtlCol="0">
+              <a:spAutoFit/>
+            </a:bodyPr>
+            <a:lstStyle/>
+            <a:p>
+              <a:r>
+                <a:rPr lang="en-US" sz="3200" dirty="0">
+                  <a:solidFill>
+                    <a:srgbClr val="FFFFFF"/>
+                  </a:solidFill>
+                  <a:latin typeface="Times"/>
+                  <a:cs typeface="Times"/>
+                </a:rPr>
+                <a:t>I</a:t>
+              </a:r>
+              <a:r>
+                <a:rPr lang="en-US" sz="3200" baseline="-25000" dirty="0">
+                  <a:solidFill>
+                    <a:srgbClr val="FFFFFF"/>
+                  </a:solidFill>
+                  <a:latin typeface="Times"/>
+                  <a:cs typeface="Times"/>
+                </a:rPr>
+                <a:t>2</a:t>
+              </a:r>
+            </a:p>
+          </p:txBody>
+        </p:sp>
+      </p:grpSp>
+      <p:cxnSp>
+        <p:nvCxnSpPr>
+          <p:cNvPr id="8" name="Straight Arrow Connector 7"/>
+          <p:cNvCxnSpPr>
+            <a:endCxn id="6" idx="1"/>
+          </p:cNvCxnSpPr>
+          <p:nvPr/>
+        </p:nvCxnSpPr>
+        <p:spPr>
+          <a:xfrm>
+            <a:off x="3046089" y="2721058"/>
+            <a:ext cx="632862" cy="0"/>
+          </a:xfrm>
+          <a:prstGeom prst="straightConnector1">
+            <a:avLst/>
+          </a:prstGeom>
+          <a:ln>
+            <a:tailEnd type="arrow"/>
+          </a:ln>
+        </p:spPr>
+        <p:style>
+          <a:lnRef idx="2">
+            <a:schemeClr val="accent1"/>
+          </a:lnRef>
+          <a:fillRef idx="0">
+            <a:schemeClr val="accent1"/>
+          </a:fillRef>
+          <a:effectRef idx="1">
+            <a:schemeClr val="accent1"/>
+          </a:effectRef>
+          <a:fontRef idx="minor">
+            <a:schemeClr val="tx1"/>
+          </a:fontRef>
+        </p:style>
+      </p:cxnSp>
+      <p:cxnSp>
+        <p:nvCxnSpPr>
+          <p:cNvPr id="9" name="Straight Arrow Connector 8"/>
+          <p:cNvCxnSpPr>
+            <a:stCxn id="6" idx="3"/>
+          </p:cNvCxnSpPr>
+          <p:nvPr/>
+        </p:nvCxnSpPr>
+        <p:spPr>
+          <a:xfrm>
+            <a:off x="5351204" y="2721058"/>
+            <a:ext cx="596017" cy="0"/>
+          </a:xfrm>
+          <a:prstGeom prst="straightConnector1">
+            <a:avLst/>
+          </a:prstGeom>
+          <a:ln>
+            <a:tailEnd type="arrow"/>
+          </a:ln>
+        </p:spPr>
+        <p:style>
+          <a:lnRef idx="2">
+            <a:schemeClr val="accent1"/>
+          </a:lnRef>
+          <a:fillRef idx="0">
+            <a:schemeClr val="accent1"/>
+          </a:fillRef>
+          <a:effectRef idx="1">
+            <a:schemeClr val="accent1"/>
+          </a:effectRef>
+          <a:fontRef idx="minor">
+            <a:schemeClr val="tx1"/>
+          </a:fontRef>
+        </p:style>
+      </p:cxnSp>
+      <p:sp>
+        <p:nvSpPr>
+          <p:cNvPr id="2" name="TextBox 1"/>
+          <p:cNvSpPr txBox="1"/>
+          <p:nvPr/>
+        </p:nvSpPr>
+        <p:spPr>
+          <a:xfrm>
+            <a:off x="410779" y="275231"/>
+            <a:ext cx="3994553" cy="1015663"/>
+          </a:xfrm>
+          <a:prstGeom prst="rect">
+            <a:avLst/>
+          </a:prstGeom>
+          <a:noFill/>
+        </p:spPr>
+        <p:txBody>
+          <a:bodyPr wrap="none" rtlCol="0">
+            <a:spAutoFit/>
+          </a:bodyPr>
+          <a:lstStyle/>
+          <a:p>
+            <a:r>
+              <a:rPr lang="en-US" sz="3200" b="1" dirty="0" err="1">
+                <a:latin typeface="Trebuchet MS"/>
+                <a:cs typeface="Trebuchet MS"/>
+              </a:rPr>
+              <a:t>Uncalibrated</a:t>
+            </a:r>
+            <a:r>
+              <a:rPr lang="en-US" sz="3200" b="1" dirty="0">
+                <a:latin typeface="Trebuchet MS"/>
+                <a:cs typeface="Trebuchet MS"/>
+              </a:rPr>
+              <a:t> Views</a:t>
+            </a:r>
+          </a:p>
+          <a:p>
+            <a:r>
+              <a:rPr lang="en-US" sz="2800" b="1" dirty="0">
+                <a:latin typeface="Trebuchet MS"/>
+                <a:cs typeface="Trebuchet MS"/>
+              </a:rPr>
+              <a:t>(A and B are unknown)</a:t>
+            </a:r>
+          </a:p>
+        </p:txBody>
+      </p:sp>
+      <p:grpSp>
+        <p:nvGrpSpPr>
+          <p:cNvPr id="24" name="Group 23"/>
+          <p:cNvGrpSpPr/>
+          <p:nvPr/>
+        </p:nvGrpSpPr>
+        <p:grpSpPr>
+          <a:xfrm>
+            <a:off x="520525" y="2105062"/>
+            <a:ext cx="8135386" cy="1210236"/>
+            <a:chOff x="410779" y="2293222"/>
+            <a:chExt cx="8135386" cy="1210236"/>
+          </a:xfrm>
+        </p:grpSpPr>
+        <p:sp>
+          <p:nvSpPr>
+            <p:cNvPr id="12" name="Rectangle 11"/>
+            <p:cNvSpPr/>
+            <p:nvPr/>
+          </p:nvSpPr>
+          <p:spPr>
+            <a:xfrm>
+              <a:off x="3569205" y="2293222"/>
+              <a:ext cx="1672253" cy="1210236"/>
+            </a:xfrm>
+            <a:prstGeom prst="rect">
+              <a:avLst/>
+            </a:prstGeom>
+          </p:spPr>
+          <p:style>
+            <a:lnRef idx="1">
+              <a:schemeClr val="accent1"/>
+            </a:lnRef>
+            <a:fillRef idx="3">
+              <a:schemeClr val="accent1"/>
+            </a:fillRef>
+            <a:effectRef idx="2">
+              <a:schemeClr val="accent1"/>
+            </a:effectRef>
+            <a:fontRef idx="minor">
+              <a:schemeClr val="lt1"/>
+            </a:fontRef>
+          </p:style>
+          <p:txBody>
+            <a:bodyPr rtlCol="0" anchor="ctr"/>
+            <a:lstStyle/>
+            <a:p>
+              <a:pPr algn="ctr"/>
+              <a:endParaRPr lang="en-US"/>
+            </a:p>
+          </p:txBody>
+        </p:sp>
+        <p:sp>
+          <p:nvSpPr>
+            <p:cNvPr id="6" name="TextBox 5"/>
+            <p:cNvSpPr txBox="1"/>
+            <p:nvPr/>
+          </p:nvSpPr>
+          <p:spPr>
+            <a:xfrm>
+              <a:off x="3569205" y="2586052"/>
+              <a:ext cx="1672253" cy="646331"/>
+            </a:xfrm>
+            <a:prstGeom prst="rect">
+              <a:avLst/>
+            </a:prstGeom>
+            <a:noFill/>
+          </p:spPr>
+          <p:txBody>
+            <a:bodyPr wrap="none" rtlCol="0">
+              <a:spAutoFit/>
+            </a:bodyPr>
+            <a:lstStyle/>
+            <a:p>
+              <a:pPr algn="ctr"/>
+              <a:r>
+                <a:rPr lang="en-US" dirty="0">
+                  <a:latin typeface="Trebuchet MS"/>
+                  <a:cs typeface="Trebuchet MS"/>
+                </a:rPr>
+                <a:t>FUNDAMENTAL </a:t>
+              </a:r>
+            </a:p>
+            <a:p>
+              <a:pPr algn="ctr"/>
+              <a:r>
+                <a:rPr lang="en-US" dirty="0">
+                  <a:latin typeface="Trebuchet MS"/>
+                  <a:cs typeface="Trebuchet MS"/>
+                </a:rPr>
+                <a:t>MATRIX</a:t>
+              </a:r>
+            </a:p>
+          </p:txBody>
+        </p:sp>
+        <p:sp>
+          <p:nvSpPr>
+            <p:cNvPr id="7" name="TextBox 6"/>
+            <p:cNvSpPr txBox="1"/>
+            <p:nvPr/>
+          </p:nvSpPr>
+          <p:spPr>
+            <a:xfrm>
+              <a:off x="410779" y="2442312"/>
+              <a:ext cx="2480241" cy="954107"/>
+            </a:xfrm>
+            <a:prstGeom prst="rect">
+              <a:avLst/>
+            </a:prstGeom>
+            <a:noFill/>
+          </p:spPr>
+          <p:txBody>
+            <a:bodyPr wrap="none" rtlCol="0">
+              <a:spAutoFit/>
+            </a:bodyPr>
+            <a:lstStyle/>
+            <a:p>
+              <a:pPr algn="ctr"/>
+              <a:r>
+                <a:rPr lang="en-US" sz="2800" dirty="0">
+                  <a:latin typeface="Trebuchet MS"/>
+                  <a:cs typeface="Trebuchet MS"/>
+                </a:rPr>
+                <a:t>Corresponding </a:t>
+              </a:r>
+            </a:p>
+            <a:p>
+              <a:pPr algn="ctr"/>
+              <a:r>
+                <a:rPr lang="en-US" sz="2800" dirty="0">
+                  <a:latin typeface="Trebuchet MS"/>
+                  <a:cs typeface="Trebuchet MS"/>
+                </a:rPr>
+                <a:t>points </a:t>
+              </a:r>
+            </a:p>
+          </p:txBody>
+        </p:sp>
+        <p:sp>
+          <p:nvSpPr>
+            <p:cNvPr id="25" name="TextBox 24"/>
+            <p:cNvSpPr txBox="1"/>
+            <p:nvPr/>
+          </p:nvSpPr>
+          <p:spPr>
+            <a:xfrm>
+              <a:off x="5924935" y="2646695"/>
+              <a:ext cx="2621230" cy="523220"/>
+            </a:xfrm>
+            <a:prstGeom prst="rect">
+              <a:avLst/>
+            </a:prstGeom>
+            <a:noFill/>
+          </p:spPr>
+          <p:txBody>
+            <a:bodyPr wrap="none" rtlCol="0">
+              <a:spAutoFit/>
+            </a:bodyPr>
+            <a:lstStyle/>
+            <a:p>
+              <a:r>
+                <a:rPr lang="en-US" sz="2800" dirty="0">
+                  <a:latin typeface="Trebuchet MS"/>
+                  <a:cs typeface="Trebuchet MS"/>
+                </a:rPr>
+                <a:t>Estimation of F</a:t>
+              </a:r>
+            </a:p>
+          </p:txBody>
+        </p:sp>
+      </p:grpSp>
+      <p:grpSp>
+        <p:nvGrpSpPr>
+          <p:cNvPr id="41" name="Group 40"/>
+          <p:cNvGrpSpPr/>
+          <p:nvPr/>
+        </p:nvGrpSpPr>
+        <p:grpSpPr>
+          <a:xfrm>
+            <a:off x="2257310" y="4019022"/>
+            <a:ext cx="3896575" cy="533392"/>
+            <a:chOff x="2257310" y="4019022"/>
+            <a:chExt cx="3896575" cy="533392"/>
+          </a:xfrm>
+        </p:grpSpPr>
+        <p:grpSp>
+          <p:nvGrpSpPr>
+            <p:cNvPr id="32" name="Group 31"/>
+            <p:cNvGrpSpPr/>
+            <p:nvPr/>
+          </p:nvGrpSpPr>
+          <p:grpSpPr>
+            <a:xfrm>
+              <a:off x="2257310" y="4163813"/>
+              <a:ext cx="301660" cy="388601"/>
+              <a:chOff x="2370557" y="3070069"/>
+              <a:chExt cx="301660" cy="388601"/>
+            </a:xfrm>
+          </p:grpSpPr>
+          <p:sp>
+            <p:nvSpPr>
+              <p:cNvPr id="33" name="Oval 32"/>
+              <p:cNvSpPr/>
+              <p:nvPr/>
+            </p:nvSpPr>
+            <p:spPr>
+              <a:xfrm>
+                <a:off x="2495534" y="3396506"/>
+                <a:ext cx="61377" cy="62164"/>
+              </a:xfrm>
+              <a:prstGeom prst="ellipse">
+                <a:avLst/>
+              </a:prstGeom>
+              <a:solidFill>
+                <a:srgbClr val="FF0000"/>
+              </a:solidFill>
+              <a:ln>
+                <a:solidFill>
+                  <a:srgbClr val="FF0000"/>
+                </a:solidFill>
+              </a:ln>
+            </p:spPr>
+            <p:style>
+              <a:lnRef idx="1">
+                <a:schemeClr val="accent1"/>
+              </a:lnRef>
+              <a:fillRef idx="3">
+                <a:schemeClr val="accent1"/>
+              </a:fillRef>
+              <a:effectRef idx="2">
+                <a:schemeClr val="accent1"/>
+              </a:effectRef>
+              <a:fontRef idx="minor">
+                <a:schemeClr val="lt1"/>
+              </a:fontRef>
+            </p:style>
+            <p:txBody>
+              <a:bodyPr rtlCol="0" anchor="ctr"/>
+              <a:lstStyle/>
+              <a:p>
+                <a:pPr algn="ctr"/>
+                <a:endParaRPr lang="en-US"/>
+              </a:p>
+            </p:txBody>
+          </p:sp>
+          <p:sp>
+            <p:nvSpPr>
+              <p:cNvPr id="34" name="TextBox 33"/>
+              <p:cNvSpPr txBox="1"/>
+              <p:nvPr/>
+            </p:nvSpPr>
+            <p:spPr>
+              <a:xfrm>
+                <a:off x="2370557" y="3070069"/>
+                <a:ext cx="301660" cy="369332"/>
+              </a:xfrm>
+              <a:prstGeom prst="rect">
+                <a:avLst/>
+              </a:prstGeom>
+              <a:noFill/>
+            </p:spPr>
+            <p:txBody>
+              <a:bodyPr wrap="none" rtlCol="0">
+                <a:spAutoFit/>
+              </a:bodyPr>
+              <a:lstStyle/>
+              <a:p>
+                <a:r>
+                  <a:rPr lang="en-US" dirty="0">
+                    <a:solidFill>
+                      <a:schemeClr val="bg1"/>
+                    </a:solidFill>
+                  </a:rPr>
+                  <a:t>1</a:t>
+                </a:r>
+              </a:p>
+            </p:txBody>
+          </p:sp>
+        </p:grpSp>
+        <p:grpSp>
+          <p:nvGrpSpPr>
+            <p:cNvPr id="35" name="Group 34"/>
+            <p:cNvGrpSpPr/>
+            <p:nvPr/>
+          </p:nvGrpSpPr>
+          <p:grpSpPr>
+            <a:xfrm>
+              <a:off x="5852225" y="4019022"/>
+              <a:ext cx="301660" cy="511753"/>
+              <a:chOff x="2370557" y="2931523"/>
+              <a:chExt cx="301660" cy="511753"/>
+            </a:xfrm>
+          </p:grpSpPr>
+          <p:sp>
+            <p:nvSpPr>
+              <p:cNvPr id="36" name="Oval 35"/>
+              <p:cNvSpPr/>
+              <p:nvPr/>
+            </p:nvSpPr>
+            <p:spPr>
+              <a:xfrm>
+                <a:off x="2503231" y="3381112"/>
+                <a:ext cx="61377" cy="62164"/>
+              </a:xfrm>
+              <a:prstGeom prst="ellipse">
+                <a:avLst/>
+              </a:prstGeom>
+              <a:solidFill>
+                <a:srgbClr val="FF0000"/>
+              </a:solidFill>
+              <a:ln>
+                <a:solidFill>
+                  <a:srgbClr val="FF0000"/>
+                </a:solidFill>
+              </a:ln>
+            </p:spPr>
+            <p:style>
+              <a:lnRef idx="1">
+                <a:schemeClr val="accent1"/>
+              </a:lnRef>
+              <a:fillRef idx="3">
+                <a:schemeClr val="accent1"/>
+              </a:fillRef>
+              <a:effectRef idx="2">
+                <a:schemeClr val="accent1"/>
+              </a:effectRef>
+              <a:fontRef idx="minor">
+                <a:schemeClr val="lt1"/>
+              </a:fontRef>
+            </p:style>
+            <p:txBody>
+              <a:bodyPr rtlCol="0" anchor="ctr"/>
+              <a:lstStyle/>
+              <a:p>
+                <a:pPr algn="ctr"/>
+                <a:endParaRPr lang="en-US"/>
+              </a:p>
+            </p:txBody>
+          </p:sp>
+          <p:sp>
+            <p:nvSpPr>
+              <p:cNvPr id="37" name="TextBox 36"/>
+              <p:cNvSpPr txBox="1"/>
+              <p:nvPr/>
+            </p:nvSpPr>
+            <p:spPr>
+              <a:xfrm>
+                <a:off x="2370557" y="2931523"/>
+                <a:ext cx="301660" cy="369332"/>
+              </a:xfrm>
+              <a:prstGeom prst="rect">
+                <a:avLst/>
+              </a:prstGeom>
+              <a:noFill/>
+            </p:spPr>
+            <p:txBody>
+              <a:bodyPr wrap="none" rtlCol="0">
+                <a:spAutoFit/>
+              </a:bodyPr>
+              <a:lstStyle/>
+              <a:p>
+                <a:r>
+                  <a:rPr lang="en-US" dirty="0">
+                    <a:solidFill>
+                      <a:schemeClr val="bg1"/>
+                    </a:solidFill>
+                  </a:rPr>
+                  <a:t>1</a:t>
+                </a:r>
+              </a:p>
+            </p:txBody>
+          </p:sp>
+        </p:grpSp>
+      </p:grpSp>
+      <p:grpSp>
+        <p:nvGrpSpPr>
+          <p:cNvPr id="49" name="Group 48"/>
+          <p:cNvGrpSpPr/>
+          <p:nvPr/>
+        </p:nvGrpSpPr>
+        <p:grpSpPr>
+          <a:xfrm>
+            <a:off x="1070437" y="3750786"/>
+            <a:ext cx="4443062" cy="579574"/>
+            <a:chOff x="1710823" y="4019022"/>
+            <a:chExt cx="4443062" cy="579574"/>
+          </a:xfrm>
+        </p:grpSpPr>
+        <p:grpSp>
+          <p:nvGrpSpPr>
+            <p:cNvPr id="50" name="Group 49"/>
+            <p:cNvGrpSpPr/>
+            <p:nvPr/>
+          </p:nvGrpSpPr>
+          <p:grpSpPr>
+            <a:xfrm>
+              <a:off x="1710823" y="4048358"/>
+              <a:ext cx="301660" cy="550238"/>
+              <a:chOff x="1824070" y="2954614"/>
+              <a:chExt cx="301660" cy="550238"/>
+            </a:xfrm>
+          </p:grpSpPr>
+          <p:sp>
+            <p:nvSpPr>
+              <p:cNvPr id="54" name="Oval 53"/>
+              <p:cNvSpPr/>
+              <p:nvPr/>
+            </p:nvSpPr>
+            <p:spPr>
+              <a:xfrm>
+                <a:off x="1941350" y="3442688"/>
+                <a:ext cx="61377" cy="62164"/>
+              </a:xfrm>
+              <a:prstGeom prst="ellipse">
+                <a:avLst/>
+              </a:prstGeom>
+              <a:solidFill>
+                <a:srgbClr val="FF0000"/>
+              </a:solidFill>
+              <a:ln>
+                <a:solidFill>
+                  <a:srgbClr val="FF0000"/>
+                </a:solidFill>
+              </a:ln>
+            </p:spPr>
+            <p:style>
+              <a:lnRef idx="1">
+                <a:schemeClr val="accent1"/>
+              </a:lnRef>
+              <a:fillRef idx="3">
+                <a:schemeClr val="accent1"/>
+              </a:fillRef>
+              <a:effectRef idx="2">
+                <a:schemeClr val="accent1"/>
+              </a:effectRef>
+              <a:fontRef idx="minor">
+                <a:schemeClr val="lt1"/>
+              </a:fontRef>
+            </p:style>
+            <p:txBody>
+              <a:bodyPr rtlCol="0" anchor="ctr"/>
+              <a:lstStyle/>
+              <a:p>
+                <a:pPr algn="ctr"/>
+                <a:endParaRPr lang="en-US"/>
+              </a:p>
+            </p:txBody>
+          </p:sp>
+          <p:sp>
+            <p:nvSpPr>
+              <p:cNvPr id="55" name="TextBox 54"/>
+              <p:cNvSpPr txBox="1"/>
+              <p:nvPr/>
+            </p:nvSpPr>
+            <p:spPr>
+              <a:xfrm>
+                <a:off x="1824070" y="2954614"/>
+                <a:ext cx="301660" cy="369332"/>
+              </a:xfrm>
+              <a:prstGeom prst="rect">
+                <a:avLst/>
+              </a:prstGeom>
+              <a:noFill/>
+            </p:spPr>
+            <p:txBody>
+              <a:bodyPr wrap="none" rtlCol="0">
+                <a:spAutoFit/>
+              </a:bodyPr>
+              <a:lstStyle/>
+              <a:p>
+                <a:r>
+                  <a:rPr lang="en-US" dirty="0">
+                    <a:solidFill>
+                      <a:schemeClr val="bg1"/>
+                    </a:solidFill>
+                  </a:rPr>
+                  <a:t>2</a:t>
+                </a:r>
+              </a:p>
+            </p:txBody>
+          </p:sp>
+        </p:grpSp>
+        <p:grpSp>
+          <p:nvGrpSpPr>
+            <p:cNvPr id="51" name="Group 50"/>
+            <p:cNvGrpSpPr/>
+            <p:nvPr/>
+          </p:nvGrpSpPr>
+          <p:grpSpPr>
+            <a:xfrm>
+              <a:off x="5852225" y="4019022"/>
+              <a:ext cx="301660" cy="511753"/>
+              <a:chOff x="2370557" y="2931523"/>
+              <a:chExt cx="301660" cy="511753"/>
+            </a:xfrm>
+          </p:grpSpPr>
+          <p:sp>
+            <p:nvSpPr>
+              <p:cNvPr id="52" name="Oval 51"/>
+              <p:cNvSpPr/>
+              <p:nvPr/>
+            </p:nvSpPr>
+            <p:spPr>
+              <a:xfrm>
+                <a:off x="2503231" y="3381112"/>
+                <a:ext cx="61377" cy="62164"/>
+              </a:xfrm>
+              <a:prstGeom prst="ellipse">
+                <a:avLst/>
+              </a:prstGeom>
+              <a:solidFill>
+                <a:srgbClr val="FF0000"/>
+              </a:solidFill>
+              <a:ln>
+                <a:solidFill>
+                  <a:srgbClr val="FF0000"/>
+                </a:solidFill>
+              </a:ln>
+            </p:spPr>
+            <p:style>
+              <a:lnRef idx="1">
+                <a:schemeClr val="accent1"/>
+              </a:lnRef>
+              <a:fillRef idx="3">
+                <a:schemeClr val="accent1"/>
+              </a:fillRef>
+              <a:effectRef idx="2">
+                <a:schemeClr val="accent1"/>
+              </a:effectRef>
+              <a:fontRef idx="minor">
+                <a:schemeClr val="lt1"/>
+              </a:fontRef>
+            </p:style>
+            <p:txBody>
+              <a:bodyPr rtlCol="0" anchor="ctr"/>
+              <a:lstStyle/>
+              <a:p>
+                <a:pPr algn="ctr"/>
+                <a:endParaRPr lang="en-US"/>
+              </a:p>
+            </p:txBody>
+          </p:sp>
+          <p:sp>
+            <p:nvSpPr>
+              <p:cNvPr id="53" name="TextBox 52"/>
+              <p:cNvSpPr txBox="1"/>
+              <p:nvPr/>
+            </p:nvSpPr>
+            <p:spPr>
+              <a:xfrm>
+                <a:off x="2370557" y="2931523"/>
+                <a:ext cx="301660" cy="369332"/>
+              </a:xfrm>
+              <a:prstGeom prst="rect">
+                <a:avLst/>
+              </a:prstGeom>
+              <a:noFill/>
+            </p:spPr>
+            <p:txBody>
+              <a:bodyPr wrap="none" rtlCol="0">
+                <a:spAutoFit/>
+              </a:bodyPr>
+              <a:lstStyle/>
+              <a:p>
+                <a:r>
+                  <a:rPr lang="en-US" dirty="0">
+                    <a:solidFill>
+                      <a:schemeClr val="bg1"/>
+                    </a:solidFill>
+                  </a:rPr>
+                  <a:t>2</a:t>
+                </a:r>
+              </a:p>
+            </p:txBody>
+          </p:sp>
+        </p:grpSp>
+      </p:grpSp>
+      <p:grpSp>
+        <p:nvGrpSpPr>
+          <p:cNvPr id="58" name="Group 57"/>
+          <p:cNvGrpSpPr/>
+          <p:nvPr/>
+        </p:nvGrpSpPr>
+        <p:grpSpPr>
+          <a:xfrm>
+            <a:off x="3458543" y="3699189"/>
+            <a:ext cx="4427668" cy="659448"/>
+            <a:chOff x="1710823" y="4048358"/>
+            <a:chExt cx="4427668" cy="659448"/>
+          </a:xfrm>
+        </p:grpSpPr>
+        <p:grpSp>
+          <p:nvGrpSpPr>
+            <p:cNvPr id="59" name="Group 58"/>
+            <p:cNvGrpSpPr/>
+            <p:nvPr/>
+          </p:nvGrpSpPr>
+          <p:grpSpPr>
+            <a:xfrm>
+              <a:off x="1710823" y="4048358"/>
+              <a:ext cx="301660" cy="550238"/>
+              <a:chOff x="1824070" y="2954614"/>
+              <a:chExt cx="301660" cy="550238"/>
+            </a:xfrm>
+          </p:grpSpPr>
+          <p:sp>
+            <p:nvSpPr>
+              <p:cNvPr id="63" name="Oval 62"/>
+              <p:cNvSpPr/>
+              <p:nvPr/>
+            </p:nvSpPr>
+            <p:spPr>
+              <a:xfrm>
+                <a:off x="1941350" y="3442688"/>
+                <a:ext cx="61377" cy="62164"/>
+              </a:xfrm>
+              <a:prstGeom prst="ellipse">
+                <a:avLst/>
+              </a:prstGeom>
+              <a:solidFill>
+                <a:srgbClr val="FF0000"/>
+              </a:solidFill>
+              <a:ln>
+                <a:solidFill>
+                  <a:srgbClr val="FF0000"/>
+                </a:solidFill>
+              </a:ln>
+            </p:spPr>
+            <p:style>
+              <a:lnRef idx="1">
+                <a:schemeClr val="accent1"/>
+              </a:lnRef>
+              <a:fillRef idx="3">
+                <a:schemeClr val="accent1"/>
+              </a:fillRef>
+              <a:effectRef idx="2">
+                <a:schemeClr val="accent1"/>
+              </a:effectRef>
+              <a:fontRef idx="minor">
+                <a:schemeClr val="lt1"/>
+              </a:fontRef>
+            </p:style>
+            <p:txBody>
+              <a:bodyPr rtlCol="0" anchor="ctr"/>
+              <a:lstStyle/>
+              <a:p>
+                <a:pPr algn="ctr"/>
+                <a:endParaRPr lang="en-US"/>
+              </a:p>
+            </p:txBody>
+          </p:sp>
+          <p:sp>
+            <p:nvSpPr>
+              <p:cNvPr id="64" name="TextBox 63"/>
+              <p:cNvSpPr txBox="1"/>
+              <p:nvPr/>
+            </p:nvSpPr>
+            <p:spPr>
+              <a:xfrm>
+                <a:off x="1824070" y="2954614"/>
+                <a:ext cx="301660" cy="369332"/>
+              </a:xfrm>
+              <a:prstGeom prst="rect">
+                <a:avLst/>
+              </a:prstGeom>
+              <a:noFill/>
+            </p:spPr>
+            <p:txBody>
+              <a:bodyPr wrap="none" rtlCol="0">
+                <a:spAutoFit/>
+              </a:bodyPr>
+              <a:lstStyle/>
+              <a:p>
+                <a:r>
+                  <a:rPr lang="en-US" dirty="0">
+                    <a:solidFill>
+                      <a:schemeClr val="bg1"/>
+                    </a:solidFill>
+                  </a:rPr>
+                  <a:t>3</a:t>
+                </a:r>
+              </a:p>
+            </p:txBody>
+          </p:sp>
+        </p:grpSp>
+        <p:grpSp>
+          <p:nvGrpSpPr>
+            <p:cNvPr id="60" name="Group 59"/>
+            <p:cNvGrpSpPr/>
+            <p:nvPr/>
+          </p:nvGrpSpPr>
+          <p:grpSpPr>
+            <a:xfrm>
+              <a:off x="5836831" y="4196053"/>
+              <a:ext cx="301660" cy="511753"/>
+              <a:chOff x="2355163" y="3108554"/>
+              <a:chExt cx="301660" cy="511753"/>
+            </a:xfrm>
+          </p:grpSpPr>
+          <p:sp>
+            <p:nvSpPr>
+              <p:cNvPr id="61" name="Oval 60"/>
+              <p:cNvSpPr/>
+              <p:nvPr/>
+            </p:nvSpPr>
+            <p:spPr>
+              <a:xfrm>
+                <a:off x="2487837" y="3558143"/>
+                <a:ext cx="61377" cy="62164"/>
+              </a:xfrm>
+              <a:prstGeom prst="ellipse">
+                <a:avLst/>
+              </a:prstGeom>
+              <a:solidFill>
+                <a:srgbClr val="FF0000"/>
+              </a:solidFill>
+              <a:ln>
+                <a:solidFill>
+                  <a:srgbClr val="FF0000"/>
+                </a:solidFill>
+              </a:ln>
+            </p:spPr>
+            <p:style>
+              <a:lnRef idx="1">
+                <a:schemeClr val="accent1"/>
+              </a:lnRef>
+              <a:fillRef idx="3">
+                <a:schemeClr val="accent1"/>
+              </a:fillRef>
+              <a:effectRef idx="2">
+                <a:schemeClr val="accent1"/>
+              </a:effectRef>
+              <a:fontRef idx="minor">
+                <a:schemeClr val="lt1"/>
+              </a:fontRef>
+            </p:style>
+            <p:txBody>
+              <a:bodyPr rtlCol="0" anchor="ctr"/>
+              <a:lstStyle/>
+              <a:p>
+                <a:pPr algn="ctr"/>
+                <a:endParaRPr lang="en-US"/>
+              </a:p>
+            </p:txBody>
+          </p:sp>
+          <p:sp>
+            <p:nvSpPr>
+              <p:cNvPr id="62" name="TextBox 61"/>
+              <p:cNvSpPr txBox="1"/>
+              <p:nvPr/>
+            </p:nvSpPr>
+            <p:spPr>
+              <a:xfrm>
+                <a:off x="2355163" y="3108554"/>
+                <a:ext cx="301660" cy="369332"/>
+              </a:xfrm>
+              <a:prstGeom prst="rect">
+                <a:avLst/>
+              </a:prstGeom>
+              <a:noFill/>
+            </p:spPr>
+            <p:txBody>
+              <a:bodyPr wrap="none" rtlCol="0">
+                <a:spAutoFit/>
+              </a:bodyPr>
+              <a:lstStyle/>
+              <a:p>
+                <a:r>
+                  <a:rPr lang="en-US" dirty="0">
+                    <a:solidFill>
+                      <a:schemeClr val="bg1"/>
+                    </a:solidFill>
+                  </a:rPr>
+                  <a:t>3</a:t>
+                </a:r>
+              </a:p>
+            </p:txBody>
+          </p:sp>
+        </p:grpSp>
+      </p:grpSp>
+      <p:grpSp>
+        <p:nvGrpSpPr>
+          <p:cNvPr id="65" name="Group 64"/>
+          <p:cNvGrpSpPr/>
+          <p:nvPr/>
+        </p:nvGrpSpPr>
+        <p:grpSpPr>
+          <a:xfrm>
+            <a:off x="1281038" y="4194997"/>
+            <a:ext cx="4317601" cy="547824"/>
+            <a:chOff x="1710823" y="4050772"/>
+            <a:chExt cx="4317601" cy="547824"/>
+          </a:xfrm>
+        </p:grpSpPr>
+        <p:grpSp>
+          <p:nvGrpSpPr>
+            <p:cNvPr id="66" name="Group 65"/>
+            <p:cNvGrpSpPr/>
+            <p:nvPr/>
+          </p:nvGrpSpPr>
+          <p:grpSpPr>
+            <a:xfrm>
+              <a:off x="1710823" y="4109934"/>
+              <a:ext cx="301660" cy="488662"/>
+              <a:chOff x="1824070" y="3016190"/>
+              <a:chExt cx="301660" cy="488662"/>
+            </a:xfrm>
+          </p:grpSpPr>
+          <p:sp>
+            <p:nvSpPr>
+              <p:cNvPr id="70" name="Oval 69"/>
+              <p:cNvSpPr/>
+              <p:nvPr/>
+            </p:nvSpPr>
+            <p:spPr>
+              <a:xfrm>
+                <a:off x="1941350" y="3442688"/>
+                <a:ext cx="61377" cy="62164"/>
+              </a:xfrm>
+              <a:prstGeom prst="ellipse">
+                <a:avLst/>
+              </a:prstGeom>
+              <a:solidFill>
+                <a:srgbClr val="FF0000"/>
+              </a:solidFill>
+              <a:ln>
+                <a:solidFill>
+                  <a:srgbClr val="FF0000"/>
+                </a:solidFill>
+              </a:ln>
+            </p:spPr>
+            <p:style>
+              <a:lnRef idx="1">
+                <a:schemeClr val="accent1"/>
+              </a:lnRef>
+              <a:fillRef idx="3">
+                <a:schemeClr val="accent1"/>
+              </a:fillRef>
+              <a:effectRef idx="2">
+                <a:schemeClr val="accent1"/>
+              </a:effectRef>
+              <a:fontRef idx="minor">
+                <a:schemeClr val="lt1"/>
+              </a:fontRef>
+            </p:style>
+            <p:txBody>
+              <a:bodyPr rtlCol="0" anchor="ctr"/>
+              <a:lstStyle/>
+              <a:p>
+                <a:pPr algn="ctr"/>
+                <a:endParaRPr lang="en-US"/>
+              </a:p>
+            </p:txBody>
+          </p:sp>
+          <p:sp>
+            <p:nvSpPr>
+              <p:cNvPr id="71" name="TextBox 70"/>
+              <p:cNvSpPr txBox="1"/>
+              <p:nvPr/>
+            </p:nvSpPr>
+            <p:spPr>
+              <a:xfrm>
+                <a:off x="1824070" y="3016190"/>
+                <a:ext cx="301660" cy="369332"/>
+              </a:xfrm>
+              <a:prstGeom prst="rect">
+                <a:avLst/>
+              </a:prstGeom>
+              <a:noFill/>
+            </p:spPr>
+            <p:txBody>
+              <a:bodyPr wrap="none" rtlCol="0">
+                <a:spAutoFit/>
+              </a:bodyPr>
+              <a:lstStyle/>
+              <a:p>
+                <a:r>
+                  <a:rPr lang="en-US" dirty="0">
+                    <a:solidFill>
+                      <a:schemeClr val="bg1"/>
+                    </a:solidFill>
+                  </a:rPr>
+                  <a:t>4</a:t>
+                </a:r>
+              </a:p>
+            </p:txBody>
+          </p:sp>
+        </p:grpSp>
+        <p:grpSp>
+          <p:nvGrpSpPr>
+            <p:cNvPr id="67" name="Group 66"/>
+            <p:cNvGrpSpPr/>
+            <p:nvPr/>
+          </p:nvGrpSpPr>
+          <p:grpSpPr>
+            <a:xfrm>
+              <a:off x="5726764" y="4050772"/>
+              <a:ext cx="301660" cy="448253"/>
+              <a:chOff x="2245096" y="2963273"/>
+              <a:chExt cx="301660" cy="448253"/>
+            </a:xfrm>
+          </p:grpSpPr>
+          <p:sp>
+            <p:nvSpPr>
+              <p:cNvPr id="68" name="Oval 67"/>
+              <p:cNvSpPr/>
+              <p:nvPr/>
+            </p:nvSpPr>
+            <p:spPr>
+              <a:xfrm>
+                <a:off x="2377770" y="3349362"/>
+                <a:ext cx="61377" cy="62164"/>
+              </a:xfrm>
+              <a:prstGeom prst="ellipse">
+                <a:avLst/>
+              </a:prstGeom>
+              <a:solidFill>
+                <a:srgbClr val="FF0000"/>
+              </a:solidFill>
+              <a:ln>
+                <a:solidFill>
+                  <a:srgbClr val="FF0000"/>
+                </a:solidFill>
+              </a:ln>
+            </p:spPr>
+            <p:style>
+              <a:lnRef idx="1">
+                <a:schemeClr val="accent1"/>
+              </a:lnRef>
+              <a:fillRef idx="3">
+                <a:schemeClr val="accent1"/>
+              </a:fillRef>
+              <a:effectRef idx="2">
+                <a:schemeClr val="accent1"/>
+              </a:effectRef>
+              <a:fontRef idx="minor">
+                <a:schemeClr val="lt1"/>
+              </a:fontRef>
+            </p:style>
+            <p:txBody>
+              <a:bodyPr rtlCol="0" anchor="ctr"/>
+              <a:lstStyle/>
+              <a:p>
+                <a:pPr algn="ctr"/>
+                <a:endParaRPr lang="en-US"/>
+              </a:p>
+            </p:txBody>
+          </p:sp>
+          <p:sp>
+            <p:nvSpPr>
+              <p:cNvPr id="69" name="TextBox 68"/>
+              <p:cNvSpPr txBox="1"/>
+              <p:nvPr/>
+            </p:nvSpPr>
+            <p:spPr>
+              <a:xfrm>
+                <a:off x="2245096" y="2963273"/>
+                <a:ext cx="301660" cy="369332"/>
+              </a:xfrm>
+              <a:prstGeom prst="rect">
+                <a:avLst/>
+              </a:prstGeom>
+              <a:noFill/>
+            </p:spPr>
+            <p:txBody>
+              <a:bodyPr wrap="none" rtlCol="0">
+                <a:spAutoFit/>
+              </a:bodyPr>
+              <a:lstStyle/>
+              <a:p>
+                <a:r>
+                  <a:rPr lang="en-US" dirty="0">
+                    <a:solidFill>
+                      <a:schemeClr val="bg1"/>
+                    </a:solidFill>
+                  </a:rPr>
+                  <a:t>4</a:t>
+                </a:r>
+              </a:p>
+            </p:txBody>
+          </p:sp>
+        </p:grpSp>
+      </p:grpSp>
+      <p:grpSp>
+        <p:nvGrpSpPr>
+          <p:cNvPr id="72" name="Group 71"/>
+          <p:cNvGrpSpPr/>
+          <p:nvPr/>
+        </p:nvGrpSpPr>
+        <p:grpSpPr>
+          <a:xfrm>
+            <a:off x="1517871" y="4723677"/>
+            <a:ext cx="4237473" cy="616118"/>
+            <a:chOff x="1724535" y="3982478"/>
+            <a:chExt cx="4237473" cy="616118"/>
+          </a:xfrm>
+        </p:grpSpPr>
+        <p:grpSp>
+          <p:nvGrpSpPr>
+            <p:cNvPr id="73" name="Group 72"/>
+            <p:cNvGrpSpPr/>
+            <p:nvPr/>
+          </p:nvGrpSpPr>
+          <p:grpSpPr>
+            <a:xfrm>
+              <a:off x="1724535" y="4048358"/>
+              <a:ext cx="301660" cy="550238"/>
+              <a:chOff x="1837782" y="2954614"/>
+              <a:chExt cx="301660" cy="550238"/>
+            </a:xfrm>
+          </p:grpSpPr>
+          <p:sp>
+            <p:nvSpPr>
+              <p:cNvPr id="77" name="Oval 76"/>
+              <p:cNvSpPr/>
+              <p:nvPr/>
+            </p:nvSpPr>
+            <p:spPr>
+              <a:xfrm>
+                <a:off x="1941350" y="3442688"/>
+                <a:ext cx="61377" cy="62164"/>
+              </a:xfrm>
+              <a:prstGeom prst="ellipse">
+                <a:avLst/>
+              </a:prstGeom>
+              <a:solidFill>
+                <a:srgbClr val="FF0000"/>
+              </a:solidFill>
+              <a:ln>
+                <a:solidFill>
+                  <a:srgbClr val="FF0000"/>
+                </a:solidFill>
+              </a:ln>
+            </p:spPr>
+            <p:style>
+              <a:lnRef idx="1">
+                <a:schemeClr val="accent1"/>
+              </a:lnRef>
+              <a:fillRef idx="3">
+                <a:schemeClr val="accent1"/>
+              </a:fillRef>
+              <a:effectRef idx="2">
+                <a:schemeClr val="accent1"/>
+              </a:effectRef>
+              <a:fontRef idx="minor">
+                <a:schemeClr val="lt1"/>
+              </a:fontRef>
+            </p:style>
+            <p:txBody>
+              <a:bodyPr rtlCol="0" anchor="ctr"/>
+              <a:lstStyle/>
+              <a:p>
+                <a:pPr algn="ctr"/>
+                <a:endParaRPr lang="en-US"/>
+              </a:p>
+            </p:txBody>
+          </p:sp>
+          <p:sp>
+            <p:nvSpPr>
+              <p:cNvPr id="78" name="TextBox 77"/>
+              <p:cNvSpPr txBox="1"/>
+              <p:nvPr/>
+            </p:nvSpPr>
+            <p:spPr>
+              <a:xfrm>
+                <a:off x="1837782" y="2954614"/>
+                <a:ext cx="301660" cy="369332"/>
+              </a:xfrm>
+              <a:prstGeom prst="rect">
+                <a:avLst/>
+              </a:prstGeom>
+              <a:noFill/>
+            </p:spPr>
+            <p:txBody>
+              <a:bodyPr wrap="none" rtlCol="0">
+                <a:spAutoFit/>
+              </a:bodyPr>
+              <a:lstStyle/>
+              <a:p>
+                <a:r>
+                  <a:rPr lang="en-US" dirty="0">
+                    <a:solidFill>
+                      <a:schemeClr val="bg1"/>
+                    </a:solidFill>
+                  </a:rPr>
+                  <a:t>5</a:t>
+                </a:r>
+              </a:p>
+            </p:txBody>
+          </p:sp>
+        </p:grpSp>
+        <p:grpSp>
+          <p:nvGrpSpPr>
+            <p:cNvPr id="74" name="Group 73"/>
+            <p:cNvGrpSpPr/>
+            <p:nvPr/>
+          </p:nvGrpSpPr>
+          <p:grpSpPr>
+            <a:xfrm>
+              <a:off x="5660348" y="3982478"/>
+              <a:ext cx="301660" cy="511753"/>
+              <a:chOff x="2178680" y="2894979"/>
+              <a:chExt cx="301660" cy="511753"/>
+            </a:xfrm>
+          </p:grpSpPr>
+          <p:sp>
+            <p:nvSpPr>
+              <p:cNvPr id="75" name="Oval 74"/>
+              <p:cNvSpPr/>
+              <p:nvPr/>
+            </p:nvSpPr>
+            <p:spPr>
+              <a:xfrm>
+                <a:off x="2311354" y="3344568"/>
+                <a:ext cx="61377" cy="62164"/>
+              </a:xfrm>
+              <a:prstGeom prst="ellipse">
+                <a:avLst/>
+              </a:prstGeom>
+              <a:solidFill>
+                <a:srgbClr val="FF0000"/>
+              </a:solidFill>
+              <a:ln>
+                <a:solidFill>
+                  <a:srgbClr val="FF0000"/>
+                </a:solidFill>
+              </a:ln>
+            </p:spPr>
+            <p:style>
+              <a:lnRef idx="1">
+                <a:schemeClr val="accent1"/>
+              </a:lnRef>
+              <a:fillRef idx="3">
+                <a:schemeClr val="accent1"/>
+              </a:fillRef>
+              <a:effectRef idx="2">
+                <a:schemeClr val="accent1"/>
+              </a:effectRef>
+              <a:fontRef idx="minor">
+                <a:schemeClr val="lt1"/>
+              </a:fontRef>
+            </p:style>
+            <p:txBody>
+              <a:bodyPr rtlCol="0" anchor="ctr"/>
+              <a:lstStyle/>
+              <a:p>
+                <a:pPr algn="ctr"/>
+                <a:endParaRPr lang="en-US"/>
+              </a:p>
+            </p:txBody>
+          </p:sp>
+          <p:sp>
+            <p:nvSpPr>
+              <p:cNvPr id="76" name="TextBox 75"/>
+              <p:cNvSpPr txBox="1"/>
+              <p:nvPr/>
+            </p:nvSpPr>
+            <p:spPr>
+              <a:xfrm>
+                <a:off x="2178680" y="2894979"/>
+                <a:ext cx="301660" cy="369332"/>
+              </a:xfrm>
+              <a:prstGeom prst="rect">
+                <a:avLst/>
+              </a:prstGeom>
+              <a:noFill/>
+            </p:spPr>
+            <p:txBody>
+              <a:bodyPr wrap="none" rtlCol="0">
+                <a:spAutoFit/>
+              </a:bodyPr>
+              <a:lstStyle/>
+              <a:p>
+                <a:r>
+                  <a:rPr lang="en-US" dirty="0">
+                    <a:solidFill>
+                      <a:schemeClr val="bg1"/>
+                    </a:solidFill>
+                  </a:rPr>
+                  <a:t>5</a:t>
+                </a:r>
+              </a:p>
+            </p:txBody>
+          </p:sp>
+        </p:grpSp>
+      </p:grpSp>
+      <p:grpSp>
+        <p:nvGrpSpPr>
+          <p:cNvPr id="79" name="Group 78"/>
+          <p:cNvGrpSpPr/>
+          <p:nvPr/>
+        </p:nvGrpSpPr>
+        <p:grpSpPr>
+          <a:xfrm>
+            <a:off x="1070437" y="5456372"/>
+            <a:ext cx="4443062" cy="579574"/>
+            <a:chOff x="1710823" y="4019022"/>
+            <a:chExt cx="4443062" cy="579574"/>
+          </a:xfrm>
+        </p:grpSpPr>
+        <p:grpSp>
+          <p:nvGrpSpPr>
+            <p:cNvPr id="80" name="Group 79"/>
+            <p:cNvGrpSpPr/>
+            <p:nvPr/>
+          </p:nvGrpSpPr>
+          <p:grpSpPr>
+            <a:xfrm>
+              <a:off x="1710823" y="4048358"/>
+              <a:ext cx="301660" cy="550238"/>
+              <a:chOff x="1824070" y="2954614"/>
+              <a:chExt cx="301660" cy="550238"/>
+            </a:xfrm>
+          </p:grpSpPr>
+          <p:sp>
+            <p:nvSpPr>
+              <p:cNvPr id="84" name="Oval 83"/>
+              <p:cNvSpPr/>
+              <p:nvPr/>
+            </p:nvSpPr>
+            <p:spPr>
+              <a:xfrm>
+                <a:off x="1941350" y="3442688"/>
+                <a:ext cx="61377" cy="62164"/>
+              </a:xfrm>
+              <a:prstGeom prst="ellipse">
+                <a:avLst/>
+              </a:prstGeom>
+              <a:solidFill>
+                <a:srgbClr val="FF0000"/>
+              </a:solidFill>
+              <a:ln>
+                <a:solidFill>
+                  <a:srgbClr val="FF0000"/>
+                </a:solidFill>
+              </a:ln>
+            </p:spPr>
+            <p:style>
+              <a:lnRef idx="1">
+                <a:schemeClr val="accent1"/>
+              </a:lnRef>
+              <a:fillRef idx="3">
+                <a:schemeClr val="accent1"/>
+              </a:fillRef>
+              <a:effectRef idx="2">
+                <a:schemeClr val="accent1"/>
+              </a:effectRef>
+              <a:fontRef idx="minor">
+                <a:schemeClr val="lt1"/>
+              </a:fontRef>
+            </p:style>
+            <p:txBody>
+              <a:bodyPr rtlCol="0" anchor="ctr"/>
+              <a:lstStyle/>
+              <a:p>
+                <a:pPr algn="ctr"/>
+                <a:endParaRPr lang="en-US"/>
+              </a:p>
+            </p:txBody>
+          </p:sp>
+          <p:sp>
+            <p:nvSpPr>
+              <p:cNvPr id="85" name="TextBox 84"/>
+              <p:cNvSpPr txBox="1"/>
+              <p:nvPr/>
+            </p:nvSpPr>
+            <p:spPr>
+              <a:xfrm>
+                <a:off x="1824070" y="2954614"/>
+                <a:ext cx="301660" cy="369332"/>
+              </a:xfrm>
+              <a:prstGeom prst="rect">
+                <a:avLst/>
+              </a:prstGeom>
+              <a:noFill/>
+            </p:spPr>
+            <p:txBody>
+              <a:bodyPr wrap="none" rtlCol="0">
+                <a:spAutoFit/>
+              </a:bodyPr>
+              <a:lstStyle/>
+              <a:p>
+                <a:r>
+                  <a:rPr lang="en-US" dirty="0">
+                    <a:solidFill>
+                      <a:schemeClr val="bg1"/>
+                    </a:solidFill>
+                  </a:rPr>
+                  <a:t>6</a:t>
+                </a:r>
+              </a:p>
+            </p:txBody>
+          </p:sp>
+        </p:grpSp>
+        <p:grpSp>
+          <p:nvGrpSpPr>
+            <p:cNvPr id="81" name="Group 80"/>
+            <p:cNvGrpSpPr/>
+            <p:nvPr/>
+          </p:nvGrpSpPr>
+          <p:grpSpPr>
+            <a:xfrm>
+              <a:off x="5852225" y="4019022"/>
+              <a:ext cx="301660" cy="511753"/>
+              <a:chOff x="2370557" y="2931523"/>
+              <a:chExt cx="301660" cy="511753"/>
+            </a:xfrm>
+          </p:grpSpPr>
+          <p:sp>
+            <p:nvSpPr>
+              <p:cNvPr id="82" name="Oval 81"/>
+              <p:cNvSpPr/>
+              <p:nvPr/>
+            </p:nvSpPr>
+            <p:spPr>
+              <a:xfrm>
+                <a:off x="2503231" y="3381112"/>
+                <a:ext cx="61377" cy="62164"/>
+              </a:xfrm>
+              <a:prstGeom prst="ellipse">
+                <a:avLst/>
+              </a:prstGeom>
+              <a:solidFill>
+                <a:srgbClr val="FF0000"/>
+              </a:solidFill>
+              <a:ln>
+                <a:solidFill>
+                  <a:srgbClr val="FF0000"/>
+                </a:solidFill>
+              </a:ln>
+            </p:spPr>
+            <p:style>
+              <a:lnRef idx="1">
+                <a:schemeClr val="accent1"/>
+              </a:lnRef>
+              <a:fillRef idx="3">
+                <a:schemeClr val="accent1"/>
+              </a:fillRef>
+              <a:effectRef idx="2">
+                <a:schemeClr val="accent1"/>
+              </a:effectRef>
+              <a:fontRef idx="minor">
+                <a:schemeClr val="lt1"/>
+              </a:fontRef>
+            </p:style>
+            <p:txBody>
+              <a:bodyPr rtlCol="0" anchor="ctr"/>
+              <a:lstStyle/>
+              <a:p>
+                <a:pPr algn="ctr"/>
+                <a:endParaRPr lang="en-US"/>
+              </a:p>
+            </p:txBody>
+          </p:sp>
+          <p:sp>
+            <p:nvSpPr>
+              <p:cNvPr id="83" name="TextBox 82"/>
+              <p:cNvSpPr txBox="1"/>
+              <p:nvPr/>
+            </p:nvSpPr>
+            <p:spPr>
+              <a:xfrm>
+                <a:off x="2370557" y="2931523"/>
+                <a:ext cx="301660" cy="369332"/>
+              </a:xfrm>
+              <a:prstGeom prst="rect">
+                <a:avLst/>
+              </a:prstGeom>
+              <a:noFill/>
+            </p:spPr>
+            <p:txBody>
+              <a:bodyPr wrap="none" rtlCol="0">
+                <a:spAutoFit/>
+              </a:bodyPr>
+              <a:lstStyle/>
+              <a:p>
+                <a:r>
+                  <a:rPr lang="en-US" dirty="0">
+                    <a:solidFill>
+                      <a:schemeClr val="bg1"/>
+                    </a:solidFill>
+                  </a:rPr>
+                  <a:t>6</a:t>
+                </a:r>
+              </a:p>
+            </p:txBody>
+          </p:sp>
+        </p:grpSp>
+      </p:grpSp>
+      <p:grpSp>
+        <p:nvGrpSpPr>
+          <p:cNvPr id="86" name="Group 85"/>
+          <p:cNvGrpSpPr/>
+          <p:nvPr/>
+        </p:nvGrpSpPr>
+        <p:grpSpPr>
+          <a:xfrm>
+            <a:off x="2257310" y="5685011"/>
+            <a:ext cx="3867431" cy="550238"/>
+            <a:chOff x="1710823" y="4048358"/>
+            <a:chExt cx="3867431" cy="550238"/>
+          </a:xfrm>
+        </p:grpSpPr>
+        <p:grpSp>
+          <p:nvGrpSpPr>
+            <p:cNvPr id="87" name="Group 86"/>
+            <p:cNvGrpSpPr/>
+            <p:nvPr/>
+          </p:nvGrpSpPr>
+          <p:grpSpPr>
+            <a:xfrm>
+              <a:off x="1710823" y="4048358"/>
+              <a:ext cx="301660" cy="550238"/>
+              <a:chOff x="1824070" y="2954614"/>
+              <a:chExt cx="301660" cy="550238"/>
+            </a:xfrm>
+          </p:grpSpPr>
+          <p:sp>
+            <p:nvSpPr>
+              <p:cNvPr id="91" name="Oval 90"/>
+              <p:cNvSpPr/>
+              <p:nvPr/>
+            </p:nvSpPr>
+            <p:spPr>
+              <a:xfrm>
+                <a:off x="1941350" y="3442688"/>
+                <a:ext cx="61377" cy="62164"/>
+              </a:xfrm>
+              <a:prstGeom prst="ellipse">
+                <a:avLst/>
+              </a:prstGeom>
+              <a:solidFill>
+                <a:srgbClr val="FF0000"/>
+              </a:solidFill>
+              <a:ln>
+                <a:solidFill>
+                  <a:srgbClr val="FF0000"/>
+                </a:solidFill>
+              </a:ln>
+            </p:spPr>
+            <p:style>
+              <a:lnRef idx="1">
+                <a:schemeClr val="accent1"/>
+              </a:lnRef>
+              <a:fillRef idx="3">
+                <a:schemeClr val="accent1"/>
+              </a:fillRef>
+              <a:effectRef idx="2">
+                <a:schemeClr val="accent1"/>
+              </a:effectRef>
+              <a:fontRef idx="minor">
+                <a:schemeClr val="lt1"/>
+              </a:fontRef>
+            </p:style>
+            <p:txBody>
+              <a:bodyPr rtlCol="0" anchor="ctr"/>
+              <a:lstStyle/>
+              <a:p>
+                <a:pPr algn="ctr"/>
+                <a:endParaRPr lang="en-US"/>
+              </a:p>
+            </p:txBody>
+          </p:sp>
+          <p:sp>
+            <p:nvSpPr>
+              <p:cNvPr id="92" name="TextBox 91"/>
+              <p:cNvSpPr txBox="1"/>
+              <p:nvPr/>
+            </p:nvSpPr>
+            <p:spPr>
+              <a:xfrm>
+                <a:off x="1824070" y="2954614"/>
+                <a:ext cx="301660" cy="369332"/>
+              </a:xfrm>
+              <a:prstGeom prst="rect">
+                <a:avLst/>
+              </a:prstGeom>
+              <a:noFill/>
+            </p:spPr>
+            <p:txBody>
+              <a:bodyPr wrap="none" rtlCol="0">
+                <a:spAutoFit/>
+              </a:bodyPr>
+              <a:lstStyle/>
+              <a:p>
+                <a:r>
+                  <a:rPr lang="en-US" dirty="0">
+                    <a:solidFill>
+                      <a:schemeClr val="bg1"/>
+                    </a:solidFill>
+                  </a:rPr>
+                  <a:t>7</a:t>
+                </a:r>
+              </a:p>
+            </p:txBody>
+          </p:sp>
+        </p:grpSp>
+        <p:grpSp>
+          <p:nvGrpSpPr>
+            <p:cNvPr id="88" name="Group 87"/>
+            <p:cNvGrpSpPr/>
+            <p:nvPr/>
+          </p:nvGrpSpPr>
+          <p:grpSpPr>
+            <a:xfrm>
+              <a:off x="5276594" y="4055566"/>
+              <a:ext cx="301660" cy="511753"/>
+              <a:chOff x="1794926" y="2968067"/>
+              <a:chExt cx="301660" cy="511753"/>
+            </a:xfrm>
+          </p:grpSpPr>
+          <p:sp>
+            <p:nvSpPr>
+              <p:cNvPr id="89" name="Oval 88"/>
+              <p:cNvSpPr/>
+              <p:nvPr/>
+            </p:nvSpPr>
+            <p:spPr>
+              <a:xfrm>
+                <a:off x="1927600" y="3417656"/>
+                <a:ext cx="61377" cy="62164"/>
+              </a:xfrm>
+              <a:prstGeom prst="ellipse">
+                <a:avLst/>
+              </a:prstGeom>
+              <a:solidFill>
+                <a:srgbClr val="FF0000"/>
+              </a:solidFill>
+              <a:ln>
+                <a:solidFill>
+                  <a:srgbClr val="FF0000"/>
+                </a:solidFill>
+              </a:ln>
+            </p:spPr>
+            <p:style>
+              <a:lnRef idx="1">
+                <a:schemeClr val="accent1"/>
+              </a:lnRef>
+              <a:fillRef idx="3">
+                <a:schemeClr val="accent1"/>
+              </a:fillRef>
+              <a:effectRef idx="2">
+                <a:schemeClr val="accent1"/>
+              </a:effectRef>
+              <a:fontRef idx="minor">
+                <a:schemeClr val="lt1"/>
+              </a:fontRef>
+            </p:style>
+            <p:txBody>
+              <a:bodyPr rtlCol="0" anchor="ctr"/>
+              <a:lstStyle/>
+              <a:p>
+                <a:pPr algn="ctr"/>
+                <a:endParaRPr lang="en-US"/>
+              </a:p>
+            </p:txBody>
+          </p:sp>
+          <p:sp>
+            <p:nvSpPr>
+              <p:cNvPr id="90" name="TextBox 89"/>
+              <p:cNvSpPr txBox="1"/>
+              <p:nvPr/>
+            </p:nvSpPr>
+            <p:spPr>
+              <a:xfrm>
+                <a:off x="1794926" y="2968067"/>
+                <a:ext cx="301660" cy="369332"/>
+              </a:xfrm>
+              <a:prstGeom prst="rect">
+                <a:avLst/>
+              </a:prstGeom>
+              <a:noFill/>
+            </p:spPr>
+            <p:txBody>
+              <a:bodyPr wrap="none" rtlCol="0">
+                <a:spAutoFit/>
+              </a:bodyPr>
+              <a:lstStyle/>
+              <a:p>
+                <a:r>
+                  <a:rPr lang="en-US" dirty="0">
+                    <a:solidFill>
+                      <a:schemeClr val="bg1"/>
+                    </a:solidFill>
+                  </a:rPr>
+                  <a:t>7</a:t>
+                </a:r>
+              </a:p>
+            </p:txBody>
+          </p:sp>
+        </p:grpSp>
+      </p:grpSp>
+      <p:grpSp>
+        <p:nvGrpSpPr>
+          <p:cNvPr id="93" name="Group 92"/>
+          <p:cNvGrpSpPr/>
+          <p:nvPr/>
+        </p:nvGrpSpPr>
+        <p:grpSpPr>
+          <a:xfrm>
+            <a:off x="3426204" y="5395224"/>
+            <a:ext cx="4433925" cy="637729"/>
+            <a:chOff x="1710823" y="4048358"/>
+            <a:chExt cx="4433925" cy="637729"/>
+          </a:xfrm>
+        </p:grpSpPr>
+        <p:grpSp>
+          <p:nvGrpSpPr>
+            <p:cNvPr id="94" name="Group 93"/>
+            <p:cNvGrpSpPr/>
+            <p:nvPr/>
+          </p:nvGrpSpPr>
+          <p:grpSpPr>
+            <a:xfrm>
+              <a:off x="1710823" y="4048358"/>
+              <a:ext cx="301660" cy="550238"/>
+              <a:chOff x="1824070" y="2954614"/>
+              <a:chExt cx="301660" cy="550238"/>
+            </a:xfrm>
+          </p:grpSpPr>
+          <p:sp>
+            <p:nvSpPr>
+              <p:cNvPr id="98" name="Oval 97"/>
+              <p:cNvSpPr/>
+              <p:nvPr/>
+            </p:nvSpPr>
+            <p:spPr>
+              <a:xfrm>
+                <a:off x="1941350" y="3442688"/>
+                <a:ext cx="61377" cy="62164"/>
+              </a:xfrm>
+              <a:prstGeom prst="ellipse">
+                <a:avLst/>
+              </a:prstGeom>
+              <a:solidFill>
+                <a:srgbClr val="FF0000"/>
+              </a:solidFill>
+              <a:ln>
+                <a:solidFill>
+                  <a:srgbClr val="FF0000"/>
+                </a:solidFill>
+              </a:ln>
+            </p:spPr>
+            <p:style>
+              <a:lnRef idx="1">
+                <a:schemeClr val="accent1"/>
+              </a:lnRef>
+              <a:fillRef idx="3">
+                <a:schemeClr val="accent1"/>
+              </a:fillRef>
+              <a:effectRef idx="2">
+                <a:schemeClr val="accent1"/>
+              </a:effectRef>
+              <a:fontRef idx="minor">
+                <a:schemeClr val="lt1"/>
+              </a:fontRef>
+            </p:style>
+            <p:txBody>
+              <a:bodyPr rtlCol="0" anchor="ctr"/>
+              <a:lstStyle/>
+              <a:p>
+                <a:pPr algn="ctr"/>
+                <a:endParaRPr lang="en-US"/>
+              </a:p>
+            </p:txBody>
+          </p:sp>
+          <p:sp>
+            <p:nvSpPr>
+              <p:cNvPr id="99" name="TextBox 98"/>
+              <p:cNvSpPr txBox="1"/>
+              <p:nvPr/>
+            </p:nvSpPr>
+            <p:spPr>
+              <a:xfrm>
+                <a:off x="1824070" y="2954614"/>
+                <a:ext cx="301660" cy="369332"/>
+              </a:xfrm>
+              <a:prstGeom prst="rect">
+                <a:avLst/>
+              </a:prstGeom>
+              <a:noFill/>
+            </p:spPr>
+            <p:txBody>
+              <a:bodyPr wrap="none" rtlCol="0">
+                <a:spAutoFit/>
+              </a:bodyPr>
+              <a:lstStyle/>
+              <a:p>
+                <a:r>
+                  <a:rPr lang="en-US" dirty="0">
+                    <a:solidFill>
+                      <a:schemeClr val="bg1"/>
+                    </a:solidFill>
+                  </a:rPr>
+                  <a:t>8</a:t>
+                </a:r>
+              </a:p>
+            </p:txBody>
+          </p:sp>
+        </p:grpSp>
+        <p:grpSp>
+          <p:nvGrpSpPr>
+            <p:cNvPr id="95" name="Group 94"/>
+            <p:cNvGrpSpPr/>
+            <p:nvPr/>
+          </p:nvGrpSpPr>
+          <p:grpSpPr>
+            <a:xfrm>
+              <a:off x="5843088" y="4174334"/>
+              <a:ext cx="301660" cy="511753"/>
+              <a:chOff x="2361420" y="3086835"/>
+              <a:chExt cx="301660" cy="511753"/>
+            </a:xfrm>
+          </p:grpSpPr>
+          <p:sp>
+            <p:nvSpPr>
+              <p:cNvPr id="96" name="Oval 95"/>
+              <p:cNvSpPr/>
+              <p:nvPr/>
+            </p:nvSpPr>
+            <p:spPr>
+              <a:xfrm>
+                <a:off x="2494094" y="3536424"/>
+                <a:ext cx="61377" cy="62164"/>
+              </a:xfrm>
+              <a:prstGeom prst="ellipse">
+                <a:avLst/>
+              </a:prstGeom>
+              <a:solidFill>
+                <a:srgbClr val="FF0000"/>
+              </a:solidFill>
+              <a:ln>
+                <a:solidFill>
+                  <a:srgbClr val="FF0000"/>
+                </a:solidFill>
+              </a:ln>
+            </p:spPr>
+            <p:style>
+              <a:lnRef idx="1">
+                <a:schemeClr val="accent1"/>
+              </a:lnRef>
+              <a:fillRef idx="3">
+                <a:schemeClr val="accent1"/>
+              </a:fillRef>
+              <a:effectRef idx="2">
+                <a:schemeClr val="accent1"/>
+              </a:effectRef>
+              <a:fontRef idx="minor">
+                <a:schemeClr val="lt1"/>
+              </a:fontRef>
+            </p:style>
+            <p:txBody>
+              <a:bodyPr rtlCol="0" anchor="ctr"/>
+              <a:lstStyle/>
+              <a:p>
+                <a:pPr algn="ctr"/>
+                <a:endParaRPr lang="en-US"/>
+              </a:p>
+            </p:txBody>
+          </p:sp>
+          <p:sp>
+            <p:nvSpPr>
+              <p:cNvPr id="97" name="TextBox 96"/>
+              <p:cNvSpPr txBox="1"/>
+              <p:nvPr/>
+            </p:nvSpPr>
+            <p:spPr>
+              <a:xfrm>
+                <a:off x="2361420" y="3086835"/>
+                <a:ext cx="301660" cy="369332"/>
+              </a:xfrm>
+              <a:prstGeom prst="rect">
+                <a:avLst/>
+              </a:prstGeom>
+              <a:noFill/>
+            </p:spPr>
+            <p:txBody>
+              <a:bodyPr wrap="none" rtlCol="0">
+                <a:spAutoFit/>
+              </a:bodyPr>
+              <a:lstStyle/>
+              <a:p>
+                <a:r>
+                  <a:rPr lang="en-US" dirty="0">
+                    <a:solidFill>
+                      <a:schemeClr val="bg1"/>
+                    </a:solidFill>
+                  </a:rPr>
+                  <a:t>8</a:t>
+                </a:r>
+              </a:p>
+            </p:txBody>
+          </p:sp>
+        </p:grpSp>
+      </p:grpSp>
+      <p:grpSp>
+        <p:nvGrpSpPr>
+          <p:cNvPr id="100" name="Group 99"/>
+          <p:cNvGrpSpPr/>
+          <p:nvPr/>
+        </p:nvGrpSpPr>
+        <p:grpSpPr>
+          <a:xfrm>
+            <a:off x="2858387" y="4818893"/>
+            <a:ext cx="4114130" cy="550238"/>
+            <a:chOff x="1710823" y="4048358"/>
+            <a:chExt cx="4114130" cy="550238"/>
+          </a:xfrm>
+        </p:grpSpPr>
+        <p:grpSp>
+          <p:nvGrpSpPr>
+            <p:cNvPr id="101" name="Group 100"/>
+            <p:cNvGrpSpPr/>
+            <p:nvPr/>
+          </p:nvGrpSpPr>
+          <p:grpSpPr>
+            <a:xfrm>
+              <a:off x="1710823" y="4048358"/>
+              <a:ext cx="301660" cy="550238"/>
+              <a:chOff x="1824070" y="2954614"/>
+              <a:chExt cx="301660" cy="550238"/>
+            </a:xfrm>
+          </p:grpSpPr>
+          <p:sp>
+            <p:nvSpPr>
+              <p:cNvPr id="105" name="Oval 104"/>
+              <p:cNvSpPr/>
+              <p:nvPr/>
+            </p:nvSpPr>
+            <p:spPr>
+              <a:xfrm>
+                <a:off x="1941350" y="3442688"/>
+                <a:ext cx="61377" cy="62164"/>
+              </a:xfrm>
+              <a:prstGeom prst="ellipse">
+                <a:avLst/>
+              </a:prstGeom>
+              <a:solidFill>
+                <a:srgbClr val="FF0000"/>
+              </a:solidFill>
+              <a:ln>
+                <a:solidFill>
+                  <a:srgbClr val="FF0000"/>
+                </a:solidFill>
+              </a:ln>
+            </p:spPr>
+            <p:style>
+              <a:lnRef idx="1">
+                <a:schemeClr val="accent1"/>
+              </a:lnRef>
+              <a:fillRef idx="3">
+                <a:schemeClr val="accent1"/>
+              </a:fillRef>
+              <a:effectRef idx="2">
+                <a:schemeClr val="accent1"/>
+              </a:effectRef>
+              <a:fontRef idx="minor">
+                <a:schemeClr val="lt1"/>
+              </a:fontRef>
+            </p:style>
+            <p:txBody>
+              <a:bodyPr rtlCol="0" anchor="ctr"/>
+              <a:lstStyle/>
+              <a:p>
+                <a:pPr algn="ctr"/>
+                <a:endParaRPr lang="en-US"/>
+              </a:p>
+            </p:txBody>
+          </p:sp>
+          <p:sp>
+            <p:nvSpPr>
+              <p:cNvPr id="106" name="TextBox 105"/>
+              <p:cNvSpPr txBox="1"/>
+              <p:nvPr/>
+            </p:nvSpPr>
+            <p:spPr>
+              <a:xfrm>
+                <a:off x="1824070" y="2954614"/>
+                <a:ext cx="301660" cy="369332"/>
+              </a:xfrm>
+              <a:prstGeom prst="rect">
+                <a:avLst/>
+              </a:prstGeom>
+              <a:noFill/>
+            </p:spPr>
+            <p:txBody>
+              <a:bodyPr wrap="none" rtlCol="0">
+                <a:spAutoFit/>
+              </a:bodyPr>
+              <a:lstStyle/>
+              <a:p>
+                <a:r>
+                  <a:rPr lang="en-US" dirty="0">
+                    <a:solidFill>
+                      <a:schemeClr val="bg1"/>
+                    </a:solidFill>
+                  </a:rPr>
+                  <a:t>9</a:t>
+                </a:r>
+              </a:p>
+            </p:txBody>
+          </p:sp>
+        </p:grpSp>
+        <p:grpSp>
+          <p:nvGrpSpPr>
+            <p:cNvPr id="102" name="Group 101"/>
+            <p:cNvGrpSpPr/>
+            <p:nvPr/>
+          </p:nvGrpSpPr>
+          <p:grpSpPr>
+            <a:xfrm>
+              <a:off x="5523293" y="4082974"/>
+              <a:ext cx="301660" cy="511753"/>
+              <a:chOff x="2041625" y="2995475"/>
+              <a:chExt cx="301660" cy="511753"/>
+            </a:xfrm>
+          </p:grpSpPr>
+          <p:sp>
+            <p:nvSpPr>
+              <p:cNvPr id="103" name="Oval 102"/>
+              <p:cNvSpPr/>
+              <p:nvPr/>
+            </p:nvSpPr>
+            <p:spPr>
+              <a:xfrm>
+                <a:off x="2174299" y="3445064"/>
+                <a:ext cx="61377" cy="62164"/>
+              </a:xfrm>
+              <a:prstGeom prst="ellipse">
+                <a:avLst/>
+              </a:prstGeom>
+              <a:solidFill>
+                <a:srgbClr val="FF0000"/>
+              </a:solidFill>
+              <a:ln>
+                <a:solidFill>
+                  <a:srgbClr val="FF0000"/>
+                </a:solidFill>
+              </a:ln>
+            </p:spPr>
+            <p:style>
+              <a:lnRef idx="1">
+                <a:schemeClr val="accent1"/>
+              </a:lnRef>
+              <a:fillRef idx="3">
+                <a:schemeClr val="accent1"/>
+              </a:fillRef>
+              <a:effectRef idx="2">
+                <a:schemeClr val="accent1"/>
+              </a:effectRef>
+              <a:fontRef idx="minor">
+                <a:schemeClr val="lt1"/>
+              </a:fontRef>
+            </p:style>
+            <p:txBody>
+              <a:bodyPr rtlCol="0" anchor="ctr"/>
+              <a:lstStyle/>
+              <a:p>
+                <a:pPr algn="ctr"/>
+                <a:endParaRPr lang="en-US"/>
+              </a:p>
+            </p:txBody>
+          </p:sp>
+          <p:sp>
+            <p:nvSpPr>
+              <p:cNvPr id="104" name="TextBox 103"/>
+              <p:cNvSpPr txBox="1"/>
+              <p:nvPr/>
+            </p:nvSpPr>
+            <p:spPr>
+              <a:xfrm>
+                <a:off x="2041625" y="2995475"/>
+                <a:ext cx="301660" cy="369332"/>
+              </a:xfrm>
+              <a:prstGeom prst="rect">
+                <a:avLst/>
+              </a:prstGeom>
+              <a:noFill/>
+            </p:spPr>
+            <p:txBody>
+              <a:bodyPr wrap="none" rtlCol="0">
+                <a:spAutoFit/>
+              </a:bodyPr>
+              <a:lstStyle/>
+              <a:p>
+                <a:r>
+                  <a:rPr lang="en-US" dirty="0">
+                    <a:solidFill>
+                      <a:schemeClr val="bg1"/>
+                    </a:solidFill>
+                  </a:rPr>
+                  <a:t>9</a:t>
+                </a:r>
+              </a:p>
+            </p:txBody>
+          </p:sp>
+        </p:grpSp>
+      </p:grpSp>
+    </p:spTree>
+    <p:extLst>
+      <p:ext uri="{BB962C8B-B14F-4D97-AF65-F5344CB8AC3E}">
+        <p14:creationId xmlns:p14="http://schemas.microsoft.com/office/powerpoint/2010/main" val="29341850"/>
+      </p:ext>
+    </p:extLst>
+  </p:cSld>
+  <p:clrMapOvr>
+    <a:masterClrMapping/>
+  </p:clrMapOvr>
+  <p:timing>
+    <p:tnLst>
+      <p:par>
+        <p:cTn id="1" dur="indefinite" restart="never" nodeType="tmRoot">
+          <p:childTnLst>
+            <p:seq concurrent="1" nextAc="seek">
+              <p:cTn id="2" dur="indefinite" nodeType="mainSeq">
+                <p:childTnLst>
+                  <p:par>
+                    <p:cTn id="3" fill="hold">
+                      <p:stCondLst>
+                        <p:cond delay="indefinite"/>
+                      </p:stCondLst>
+                      <p:childTnLst>
+                        <p:par>
+                          <p:cTn id="4" fill="hold">
+                            <p:stCondLst>
+                              <p:cond delay="0"/>
+                            </p:stCondLst>
+                            <p:childTnLst>
+                              <p:par>
+                                <p:cTn id="5" presetID="1" presetClass="entr" presetSubtype="0" fill="hold" nodeType="clickEffect">
+                                  <p:stCondLst>
+                                    <p:cond delay="0"/>
+                                  </p:stCondLst>
+                                  <p:childTnLst>
+                                    <p:set>
+                                      <p:cBhvr>
+                                        <p:cTn id="6" dur="1" fill="hold">
+                                          <p:stCondLst>
+                                            <p:cond delay="0"/>
+                                          </p:stCondLst>
+                                        </p:cTn>
+                                        <p:tgtEl>
+                                          <p:spTgt spid="40"/>
+                                        </p:tgtEl>
+                                        <p:attrNameLst>
+                                          <p:attrName>style.visibility</p:attrName>
+                                        </p:attrNameLst>
+                                      </p:cBhvr>
+                                      <p:to>
+                                        <p:strVal val="visible"/>
+                                      </p:to>
+                                    </p:set>
+                                  </p:childTnLst>
+                                </p:cTn>
+                              </p:par>
+                            </p:childTnLst>
+                          </p:cTn>
+                        </p:par>
+                      </p:childTnLst>
+                    </p:cTn>
+                  </p:par>
+                  <p:par>
+                    <p:cTn id="7" fill="hold">
+                      <p:stCondLst>
+                        <p:cond delay="indefinite"/>
+                      </p:stCondLst>
+                      <p:childTnLst>
+                        <p:par>
+                          <p:cTn id="8" fill="hold">
+                            <p:stCondLst>
+                              <p:cond delay="0"/>
+                            </p:stCondLst>
+                            <p:childTnLst>
+                              <p:par>
+                                <p:cTn id="9" presetID="1" presetClass="entr" presetSubtype="0" fill="hold" nodeType="clickEffect">
+                                  <p:stCondLst>
+                                    <p:cond delay="0"/>
+                                  </p:stCondLst>
+                                  <p:childTnLst>
+                                    <p:set>
+                                      <p:cBhvr>
+                                        <p:cTn id="10" dur="1" fill="hold">
+                                          <p:stCondLst>
+                                            <p:cond delay="0"/>
+                                          </p:stCondLst>
+                                        </p:cTn>
+                                        <p:tgtEl>
+                                          <p:spTgt spid="41"/>
+                                        </p:tgtEl>
+                                        <p:attrNameLst>
+                                          <p:attrName>style.visibility</p:attrName>
+                                        </p:attrNameLst>
+                                      </p:cBhvr>
+                                      <p:to>
+                                        <p:strVal val="visible"/>
+                                      </p:to>
+                                    </p:set>
+                                  </p:childTnLst>
+                                </p:cTn>
+                              </p:par>
+                            </p:childTnLst>
+                          </p:cTn>
+                        </p:par>
+                      </p:childTnLst>
+                    </p:cTn>
+                  </p:par>
+                  <p:par>
+                    <p:cTn id="11" fill="hold">
+                      <p:stCondLst>
+                        <p:cond delay="indefinite"/>
+                      </p:stCondLst>
+                      <p:childTnLst>
+                        <p:par>
+                          <p:cTn id="12" fill="hold">
+                            <p:stCondLst>
+                              <p:cond delay="0"/>
+                            </p:stCondLst>
+                            <p:childTnLst>
+                              <p:par>
+                                <p:cTn id="13" presetID="1" presetClass="entr" presetSubtype="0" fill="hold" nodeType="clickEffect">
+                                  <p:stCondLst>
+                                    <p:cond delay="0"/>
+                                  </p:stCondLst>
+                                  <p:childTnLst>
+                                    <p:set>
+                                      <p:cBhvr>
+                                        <p:cTn id="14" dur="1" fill="hold">
+                                          <p:stCondLst>
+                                            <p:cond delay="0"/>
+                                          </p:stCondLst>
+                                        </p:cTn>
+                                        <p:tgtEl>
+                                          <p:spTgt spid="49"/>
+                                        </p:tgtEl>
+                                        <p:attrNameLst>
+                                          <p:attrName>style.visibility</p:attrName>
+                                        </p:attrNameLst>
+                                      </p:cBhvr>
+                                      <p:to>
+                                        <p:strVal val="visible"/>
+                                      </p:to>
+                                    </p:set>
+                                  </p:childTnLst>
+                                </p:cTn>
+                              </p:par>
+                            </p:childTnLst>
+                          </p:cTn>
+                        </p:par>
+                      </p:childTnLst>
+                    </p:cTn>
+                  </p:par>
+                  <p:par>
+                    <p:cTn id="15" fill="hold">
+                      <p:stCondLst>
+                        <p:cond delay="indefinite"/>
+                      </p:stCondLst>
+                      <p:childTnLst>
+                        <p:par>
+                          <p:cTn id="16" fill="hold">
+                            <p:stCondLst>
+                              <p:cond delay="0"/>
+                            </p:stCondLst>
+                            <p:childTnLst>
+                              <p:par>
+                                <p:cTn id="17" presetID="1" presetClass="entr" presetSubtype="0" fill="hold" nodeType="clickEffect">
+                                  <p:stCondLst>
+                                    <p:cond delay="0"/>
+                                  </p:stCondLst>
+                                  <p:childTnLst>
+                                    <p:set>
+                                      <p:cBhvr>
+                                        <p:cTn id="18" dur="1" fill="hold">
+                                          <p:stCondLst>
+                                            <p:cond delay="0"/>
+                                          </p:stCondLst>
+                                        </p:cTn>
+                                        <p:tgtEl>
+                                          <p:spTgt spid="58"/>
+                                        </p:tgtEl>
+                                        <p:attrNameLst>
+                                          <p:attrName>style.visibility</p:attrName>
+                                        </p:attrNameLst>
+                                      </p:cBhvr>
+                                      <p:to>
+                                        <p:strVal val="visible"/>
+                                      </p:to>
+                                    </p:set>
+                                  </p:childTnLst>
+                                </p:cTn>
+                              </p:par>
+                            </p:childTnLst>
+                          </p:cTn>
+                        </p:par>
+                      </p:childTnLst>
+                    </p:cTn>
+                  </p:par>
+                  <p:par>
+                    <p:cTn id="19" fill="hold">
+                      <p:stCondLst>
+                        <p:cond delay="indefinite"/>
+                      </p:stCondLst>
+                      <p:childTnLst>
+                        <p:par>
+                          <p:cTn id="20" fill="hold">
+                            <p:stCondLst>
+                              <p:cond delay="0"/>
+                            </p:stCondLst>
+                            <p:childTnLst>
+                              <p:par>
+                                <p:cTn id="21" presetID="1" presetClass="entr" presetSubtype="0" fill="hold" nodeType="clickEffect">
+                                  <p:stCondLst>
+                                    <p:cond delay="0"/>
+                                  </p:stCondLst>
+                                  <p:childTnLst>
+                                    <p:set>
+                                      <p:cBhvr>
+                                        <p:cTn id="22" dur="1" fill="hold">
+                                          <p:stCondLst>
+                                            <p:cond delay="0"/>
+                                          </p:stCondLst>
+                                        </p:cTn>
+                                        <p:tgtEl>
+                                          <p:spTgt spid="65"/>
+                                        </p:tgtEl>
+                                        <p:attrNameLst>
+                                          <p:attrName>style.visibility</p:attrName>
+                                        </p:attrNameLst>
+                                      </p:cBhvr>
+                                      <p:to>
+                                        <p:strVal val="visible"/>
+                                      </p:to>
+                                    </p:set>
+                                  </p:childTnLst>
+                                </p:cTn>
+                              </p:par>
+                            </p:childTnLst>
+                          </p:cTn>
+                        </p:par>
+                      </p:childTnLst>
+                    </p:cTn>
+                  </p:par>
+                  <p:par>
+                    <p:cTn id="23" fill="hold">
+                      <p:stCondLst>
+                        <p:cond delay="indefinite"/>
+                      </p:stCondLst>
+                      <p:childTnLst>
+                        <p:par>
+                          <p:cTn id="24" fill="hold">
+                            <p:stCondLst>
+                              <p:cond delay="0"/>
+                            </p:stCondLst>
+                            <p:childTnLst>
+                              <p:par>
+                                <p:cTn id="25" presetID="1" presetClass="entr" presetSubtype="0" fill="hold" nodeType="clickEffect">
+                                  <p:stCondLst>
+                                    <p:cond delay="0"/>
+                                  </p:stCondLst>
+                                  <p:childTnLst>
+                                    <p:set>
+                                      <p:cBhvr>
+                                        <p:cTn id="26" dur="1" fill="hold">
+                                          <p:stCondLst>
+                                            <p:cond delay="0"/>
+                                          </p:stCondLst>
+                                        </p:cTn>
+                                        <p:tgtEl>
+                                          <p:spTgt spid="72"/>
+                                        </p:tgtEl>
+                                        <p:attrNameLst>
+                                          <p:attrName>style.visibility</p:attrName>
+                                        </p:attrNameLst>
+                                      </p:cBhvr>
+                                      <p:to>
+                                        <p:strVal val="visible"/>
+                                      </p:to>
+                                    </p:set>
+                                  </p:childTnLst>
+                                </p:cTn>
+                              </p:par>
+                            </p:childTnLst>
+                          </p:cTn>
+                        </p:par>
+                      </p:childTnLst>
+                    </p:cTn>
+                  </p:par>
+                  <p:par>
+                    <p:cTn id="27" fill="hold">
+                      <p:stCondLst>
+                        <p:cond delay="indefinite"/>
+                      </p:stCondLst>
+                      <p:childTnLst>
+                        <p:par>
+                          <p:cTn id="28" fill="hold">
+                            <p:stCondLst>
+                              <p:cond delay="0"/>
+                            </p:stCondLst>
+                            <p:childTnLst>
+                              <p:par>
+                                <p:cTn id="29" presetID="1" presetClass="entr" presetSubtype="0" fill="hold" nodeType="clickEffect">
+                                  <p:stCondLst>
+                                    <p:cond delay="0"/>
+                                  </p:stCondLst>
+                                  <p:childTnLst>
+                                    <p:set>
+                                      <p:cBhvr>
+                                        <p:cTn id="30" dur="1" fill="hold">
+                                          <p:stCondLst>
+                                            <p:cond delay="0"/>
+                                          </p:stCondLst>
+                                        </p:cTn>
+                                        <p:tgtEl>
+                                          <p:spTgt spid="79"/>
+                                        </p:tgtEl>
+                                        <p:attrNameLst>
+                                          <p:attrName>style.visibility</p:attrName>
+                                        </p:attrNameLst>
+                                      </p:cBhvr>
+                                      <p:to>
+                                        <p:strVal val="visible"/>
+                                      </p:to>
+                                    </p:set>
+                                  </p:childTnLst>
+                                </p:cTn>
+                              </p:par>
+                            </p:childTnLst>
+                          </p:cTn>
+                        </p:par>
+                      </p:childTnLst>
+                    </p:cTn>
+                  </p:par>
+                  <p:par>
+                    <p:cTn id="31" fill="hold">
+                      <p:stCondLst>
+                        <p:cond delay="indefinite"/>
+                      </p:stCondLst>
+                      <p:childTnLst>
+                        <p:par>
+                          <p:cTn id="32" fill="hold">
+                            <p:stCondLst>
+                              <p:cond delay="0"/>
+                            </p:stCondLst>
+                            <p:childTnLst>
+                              <p:par>
+                                <p:cTn id="33" presetID="1" presetClass="entr" presetSubtype="0" fill="hold" nodeType="clickEffect">
+                                  <p:stCondLst>
+                                    <p:cond delay="0"/>
+                                  </p:stCondLst>
+                                  <p:childTnLst>
+                                    <p:set>
+                                      <p:cBhvr>
+                                        <p:cTn id="34" dur="1" fill="hold">
+                                          <p:stCondLst>
+                                            <p:cond delay="0"/>
+                                          </p:stCondLst>
+                                        </p:cTn>
+                                        <p:tgtEl>
+                                          <p:spTgt spid="86"/>
+                                        </p:tgtEl>
+                                        <p:attrNameLst>
+                                          <p:attrName>style.visibility</p:attrName>
+                                        </p:attrNameLst>
+                                      </p:cBhvr>
+                                      <p:to>
+                                        <p:strVal val="visible"/>
+                                      </p:to>
+                                    </p:set>
+                                  </p:childTnLst>
+                                </p:cTn>
+                              </p:par>
+                            </p:childTnLst>
+                          </p:cTn>
+                        </p:par>
+                      </p:childTnLst>
+                    </p:cTn>
+                  </p:par>
+                  <p:par>
+                    <p:cTn id="35" fill="hold">
+                      <p:stCondLst>
+                        <p:cond delay="indefinite"/>
+                      </p:stCondLst>
+                      <p:childTnLst>
+                        <p:par>
+                          <p:cTn id="36" fill="hold">
+                            <p:stCondLst>
+                              <p:cond delay="0"/>
+                            </p:stCondLst>
+                            <p:childTnLst>
+                              <p:par>
+                                <p:cTn id="37" presetID="1" presetClass="entr" presetSubtype="0" fill="hold" nodeType="clickEffect">
+                                  <p:stCondLst>
+                                    <p:cond delay="0"/>
+                                  </p:stCondLst>
+                                  <p:childTnLst>
+                                    <p:set>
+                                      <p:cBhvr>
+                                        <p:cTn id="38" dur="1" fill="hold">
+                                          <p:stCondLst>
+                                            <p:cond delay="0"/>
+                                          </p:stCondLst>
+                                        </p:cTn>
+                                        <p:tgtEl>
+                                          <p:spTgt spid="93"/>
+                                        </p:tgtEl>
+                                        <p:attrNameLst>
+                                          <p:attrName>style.visibility</p:attrName>
+                                        </p:attrNameLst>
+                                      </p:cBhvr>
+                                      <p:to>
+                                        <p:strVal val="visible"/>
+                                      </p:to>
+                                    </p:set>
+                                  </p:childTnLst>
+                                </p:cTn>
+                              </p:par>
+                            </p:childTnLst>
+                          </p:cTn>
+                        </p:par>
+                      </p:childTnLst>
+                    </p:cTn>
+                  </p:par>
+                  <p:par>
+                    <p:cTn id="39" fill="hold">
+                      <p:stCondLst>
+                        <p:cond delay="indefinite"/>
+                      </p:stCondLst>
+                      <p:childTnLst>
+                        <p:par>
+                          <p:cTn id="40" fill="hold">
+                            <p:stCondLst>
+                              <p:cond delay="0"/>
+                            </p:stCondLst>
+                            <p:childTnLst>
+                              <p:par>
+                                <p:cTn id="41" presetID="1" presetClass="entr" presetSubtype="0" fill="hold" nodeType="clickEffect">
+                                  <p:stCondLst>
+                                    <p:cond delay="0"/>
+                                  </p:stCondLst>
+                                  <p:childTnLst>
+                                    <p:set>
+                                      <p:cBhvr>
+                                        <p:cTn id="42" dur="1" fill="hold">
+                                          <p:stCondLst>
+                                            <p:cond delay="0"/>
+                                          </p:stCondLst>
+                                        </p:cTn>
+                                        <p:tgtEl>
+                                          <p:spTgt spid="100"/>
+                                        </p:tgtEl>
+                                        <p:attrNameLst>
+                                          <p:attrName>style.visibility</p:attrName>
+                                        </p:attrNameLst>
+                                      </p:cBhvr>
+                                      <p:to>
+                                        <p:strVal val="visible"/>
+                                      </p:to>
+                                    </p:set>
+                                  </p:childTnLst>
+                                </p:cTn>
+                              </p:par>
+                            </p:childTnLst>
+                          </p:cTn>
+                        </p:par>
+                      </p:childTnLst>
+                    </p:cTn>
+                  </p:par>
+                </p:childTnLst>
+              </p:cTn>
+              <p:prevCondLst>
+                <p:cond evt="onPrev" delay="0">
+                  <p:tgtEl>
+                    <p:sldTgt/>
+                  </p:tgtEl>
+                </p:cond>
+              </p:prevCondLst>
+              <p:nextCondLst>
+                <p:cond evt="onNext" delay="0">
+                  <p:tgtEl>
+                    <p:sldTgt/>
+                  </p:tgtEl>
+                </p:cond>
+              </p:nextCondLst>
+            </p:seq>
+          </p:childTnLst>
+        </p:cTn>
+      </p:par>
+    </p:tnLst>
+  </p:timing>
+</p:sld>
+</file>
+
+<file path=ppt/slides/slide11.xml><?xml version="1.0" encoding="utf-8"?>
+<p:sld xmlns:a="http://schemas.openxmlformats.org/drawingml/2006/main" xmlns:r="http://schemas.openxmlformats.org/officeDocument/2006/relationships" xmlns:p="http://schemas.openxmlformats.org/presentationml/2006/main">
+  <p:cSld>
+    <p:spTree>
+      <p:nvGrpSpPr>
+        <p:cNvPr id="1" name=""/>
+        <p:cNvGrpSpPr/>
+        <p:nvPr/>
+      </p:nvGrpSpPr>
+      <p:grpSpPr>
+        <a:xfrm>
+          <a:off x="0" y="0"/>
+          <a:ext cx="0" cy="0"/>
+          <a:chOff x="0" y="0"/>
+          <a:chExt cx="0" cy="0"/>
+        </a:xfrm>
+      </p:grpSpPr>
       <p:pic>
         <p:nvPicPr>
           <p:cNvPr id="3" name="Picture 2"/>
@@ -5236,7 +8028,7 @@
 </p:sld>
 </file>
 
-<file path=ppt/slides/slide11.xml><?xml version="1.0" encoding="utf-8"?>
+<file path=ppt/slides/slide12.xml><?xml version="1.0" encoding="utf-8"?>
 <p:sld xmlns:a="http://schemas.openxmlformats.org/drawingml/2006/main" xmlns:r="http://schemas.openxmlformats.org/officeDocument/2006/relationships" xmlns:p="http://schemas.openxmlformats.org/presentationml/2006/main">
   <p:cSld>
     <p:spTree>
@@ -5609,7 +8401,7 @@
 </p:sld>
 </file>
 
-<file path=ppt/slides/slide12.xml><?xml version="1.0" encoding="utf-8"?>
+<file path=ppt/slides/slide13.xml><?xml version="1.0" encoding="utf-8"?>
 <p:sld xmlns:a="http://schemas.openxmlformats.org/drawingml/2006/main" xmlns:r="http://schemas.openxmlformats.org/officeDocument/2006/relationships" xmlns:p="http://schemas.openxmlformats.org/presentationml/2006/main">
   <p:cSld>
     <p:spTree>
@@ -6019,7 +8811,7 @@
 </p:sld>
 </file>
 
-<file path=ppt/slides/slide13.xml><?xml version="1.0" encoding="utf-8"?>
+<file path=ppt/slides/slide14.xml><?xml version="1.0" encoding="utf-8"?>
 <p:sld xmlns:a="http://schemas.openxmlformats.org/drawingml/2006/main" xmlns:r="http://schemas.openxmlformats.org/officeDocument/2006/relationships" xmlns:p="http://schemas.openxmlformats.org/presentationml/2006/main">
   <p:cSld>
     <p:spTree>
@@ -6690,8 +9482,8 @@
 </p:sld>
 </file>
 
-<file path=ppt/slides/slide14.xml><?xml version="1.0" encoding="utf-8"?>
-<p:sld xmlns:a="http://schemas.openxmlformats.org/drawingml/2006/main" xmlns:r="http://schemas.openxmlformats.org/officeDocument/2006/relationships" xmlns:p="http://schemas.openxmlformats.org/presentationml/2006/main">
+<file path=ppt/slides/slide15.xml><?xml version="1.0" encoding="utf-8"?>
+<p:sld xmlns:a="http://schemas.openxmlformats.org/drawingml/2006/main" xmlns:r="http://schemas.openxmlformats.org/officeDocument/2006/relationships" xmlns:p="http://schemas.openxmlformats.org/presentationml/2006/main" show="0">
   <p:cSld>
     <p:spTree>
       <p:nvGrpSpPr>
@@ -6784,7 +9576,7 @@
 </p:sld>
 </file>
 
-<file path=ppt/slides/slide15.xml><?xml version="1.0" encoding="utf-8"?>
+<file path=ppt/slides/slide16.xml><?xml version="1.0" encoding="utf-8"?>
 <p:sld xmlns:a="http://schemas.openxmlformats.org/drawingml/2006/main" xmlns:r="http://schemas.openxmlformats.org/officeDocument/2006/relationships" xmlns:p="http://schemas.openxmlformats.org/presentationml/2006/main" showMasterPhAnim="0">
   <p:cSld>
     <p:spTree>
@@ -10077,7 +12869,7 @@
 </p:sld>
 </file>
 
-<file path=ppt/slides/slide16.xml><?xml version="1.0" encoding="utf-8"?>
+<file path=ppt/slides/slide17.xml><?xml version="1.0" encoding="utf-8"?>
 <p:sld xmlns:a="http://schemas.openxmlformats.org/drawingml/2006/main" xmlns:r="http://schemas.openxmlformats.org/officeDocument/2006/relationships" xmlns:p="http://schemas.openxmlformats.org/presentationml/2006/main" showMasterPhAnim="0">
   <p:cSld>
     <p:spTree>
@@ -20943,64 +23735,6 @@
           </a:p>
         </p:txBody>
       </p:sp>
-      <p:sp>
-        <p:nvSpPr>
-          <p:cNvPr id="19" name="TextBox 18"/>
-          <p:cNvSpPr txBox="1"/>
-          <p:nvPr/>
-        </p:nvSpPr>
-        <p:spPr>
-          <a:xfrm>
-            <a:off x="4346370" y="6337029"/>
-            <a:ext cx="4718534" cy="400110"/>
-          </a:xfrm>
-          <a:prstGeom prst="rect">
-            <a:avLst/>
-          </a:prstGeom>
-          <a:noFill/>
-        </p:spPr>
-        <p:txBody>
-          <a:bodyPr wrap="none" rtlCol="0">
-            <a:spAutoFit/>
-          </a:bodyPr>
-          <a:lstStyle/>
-          <a:p>
-            <a:r>
-              <a:rPr lang="en-US" sz="2000" dirty="0"/>
-              <a:t>In </a:t>
-            </a:r>
-            <a:r>
-              <a:rPr lang="en-US" sz="2000" dirty="0" err="1"/>
-              <a:t>Balu</a:t>
-            </a:r>
-            <a:r>
-              <a:rPr lang="en-US" sz="2000" dirty="0"/>
-              <a:t>: </a:t>
-            </a:r>
-            <a:r>
-              <a:rPr lang="en-US" sz="2000" dirty="0">
-                <a:latin typeface="Courier"/>
-                <a:cs typeface="Courier"/>
-              </a:rPr>
-              <a:t>F = </a:t>
-            </a:r>
-            <a:r>
-              <a:rPr lang="en-US" sz="2000" dirty="0" err="1">
-                <a:latin typeface="Courier"/>
-                <a:cs typeface="Courier"/>
-              </a:rPr>
-              <a:t>Bmv_fundamental</a:t>
-            </a:r>
-            <a:r>
-              <a:rPr lang="en-US" sz="2000" dirty="0">
-                <a:latin typeface="Courier"/>
-                <a:cs typeface="Courier"/>
-              </a:rPr>
-              <a:t>(A,B)</a:t>
-            </a:r>
-          </a:p>
-        </p:txBody>
-      </p:sp>
       <p:grpSp>
         <p:nvGrpSpPr>
           <p:cNvPr id="26" name="Group 25"/>
@@ -21405,51 +24139,6 @@
                       </p:childTnLst>
                     </p:cTn>
                   </p:par>
-                  <p:par>
-                    <p:cTn id="27" fill="hold">
-                      <p:stCondLst>
-                        <p:cond delay="indefinite"/>
-                      </p:stCondLst>
-                      <p:childTnLst>
-                        <p:par>
-                          <p:cTn id="28" fill="hold">
-                            <p:stCondLst>
-                              <p:cond delay="0"/>
-                            </p:stCondLst>
-                            <p:childTnLst>
-                              <p:par>
-                                <p:cTn id="29" presetID="1" presetClass="entr" presetSubtype="0" fill="hold" grpId="0" nodeType="clickEffect">
-                                  <p:stCondLst>
-                                    <p:cond delay="0"/>
-                                  </p:stCondLst>
-                                  <p:childTnLst>
-                                    <p:set>
-                                      <p:cBhvr>
-                                        <p:cTn id="30" dur="1" fill="hold">
-                                          <p:stCondLst>
-                                            <p:cond delay="0"/>
-                                          </p:stCondLst>
-                                        </p:cTn>
-                                        <p:tgtEl>
-                                          <p:spTgt spid="19"/>
-                                        </p:tgtEl>
-                                        <p:attrNameLst>
-                                          <p:attrName>style.visibility</p:attrName>
-                                        </p:attrNameLst>
-                                      </p:cBhvr>
-                                      <p:to>
-                                        <p:strVal val="visible"/>
-                                      </p:to>
-                                    </p:set>
-                                  </p:childTnLst>
-                                </p:cTn>
-                              </p:par>
-                            </p:childTnLst>
-                          </p:cTn>
-                        </p:par>
-                      </p:childTnLst>
-                    </p:cTn>
-                  </p:par>
                 </p:childTnLst>
               </p:cTn>
               <p:prevCondLst>
@@ -21471,14 +24160,631 @@
         </p:cTn>
       </p:par>
     </p:tnLst>
-    <p:bldLst>
-      <p:bldP spid="19" grpId="0"/>
-    </p:bldLst>
   </p:timing>
 </p:sld>
 </file>
 
 <file path=ppt/slides/slide8.xml><?xml version="1.0" encoding="utf-8"?>
+<p:sld xmlns:a="http://schemas.openxmlformats.org/drawingml/2006/main" xmlns:r="http://schemas.openxmlformats.org/officeDocument/2006/relationships" xmlns:p="http://schemas.openxmlformats.org/presentationml/2006/main">
+  <p:cSld>
+    <p:bg>
+      <p:bgPr>
+        <a:solidFill>
+          <a:schemeClr val="bg1"/>
+        </a:solidFill>
+        <a:effectLst/>
+      </p:bgPr>
+    </p:bg>
+    <p:spTree>
+      <p:nvGrpSpPr>
+        <p:cNvPr id="1" name=""/>
+        <p:cNvGrpSpPr/>
+        <p:nvPr/>
+      </p:nvGrpSpPr>
+      <p:grpSpPr>
+        <a:xfrm>
+          <a:off x="0" y="0"/>
+          <a:ext cx="0" cy="0"/>
+          <a:chOff x="0" y="0"/>
+          <a:chExt cx="0" cy="0"/>
+        </a:xfrm>
+      </p:grpSpPr>
+      <p:sp>
+        <p:nvSpPr>
+          <p:cNvPr id="8" name="Rectangle 7">
+            <a:extLst>
+              <a:ext uri="{FF2B5EF4-FFF2-40B4-BE49-F238E27FC236}">
+                <a16:creationId xmlns:a16="http://schemas.microsoft.com/office/drawing/2014/main" id="{F3060C83-F051-4F0E-ABAD-AA0DFC48B218}"/>
+              </a:ext>
+              <a:ext uri="{C183D7F6-B498-43B3-948B-1728B52AA6E4}">
+                <adec:decorative xmlns:adec="http://schemas.microsoft.com/office/drawing/2017/decorative" val="1"/>
+              </a:ext>
+            </a:extLst>
+          </p:cNvPr>
+          <p:cNvSpPr>
+            <a:spLocks noGrp="1" noRot="1" noChangeAspect="1" noMove="1" noResize="1" noEditPoints="1" noAdjustHandles="1" noChangeArrowheads="1" noChangeShapeType="1" noTextEdit="1"/>
+          </p:cNvSpPr>
+          <p:nvPr>
+            <p:extLst>
+              <p:ext uri="{386F3935-93C4-4BCD-93E2-E3B085C9AB24}">
+                <p16:designElem xmlns:p16="http://schemas.microsoft.com/office/powerpoint/2015/main" val="1"/>
+              </p:ext>
+            </p:extLst>
+          </p:nvPr>
+        </p:nvSpPr>
+        <p:spPr>
+          <a:xfrm>
+            <a:off x="0" y="0"/>
+            <a:ext cx="9144000" cy="6858000"/>
+          </a:xfrm>
+          <a:prstGeom prst="rect">
+            <a:avLst/>
+          </a:prstGeom>
+          <a:solidFill>
+            <a:schemeClr val="bg1"/>
+          </a:solidFill>
+          <a:ln>
+            <a:noFill/>
+          </a:ln>
+        </p:spPr>
+        <p:style>
+          <a:lnRef idx="2">
+            <a:schemeClr val="accent1">
+              <a:shade val="50000"/>
+            </a:schemeClr>
+          </a:lnRef>
+          <a:fillRef idx="1">
+            <a:schemeClr val="accent1"/>
+          </a:fillRef>
+          <a:effectRef idx="0">
+            <a:schemeClr val="accent1"/>
+          </a:effectRef>
+          <a:fontRef idx="minor">
+            <a:schemeClr val="lt1"/>
+          </a:fontRef>
+        </p:style>
+        <p:txBody>
+          <a:bodyPr rtlCol="0" anchor="ctr"/>
+          <a:lstStyle/>
+          <a:p>
+            <a:pPr algn="ctr"/>
+            <a:endParaRPr lang="en-US" dirty="0"/>
+          </a:p>
+        </p:txBody>
+      </p:sp>
+      <p:sp>
+        <p:nvSpPr>
+          <p:cNvPr id="10" name="Freeform: Shape 9">
+            <a:extLst>
+              <a:ext uri="{FF2B5EF4-FFF2-40B4-BE49-F238E27FC236}">
+                <a16:creationId xmlns:a16="http://schemas.microsoft.com/office/drawing/2014/main" id="{83C98ABE-055B-441F-B07E-44F97F083C39}"/>
+              </a:ext>
+              <a:ext uri="{C183D7F6-B498-43B3-948B-1728B52AA6E4}">
+                <adec:decorative xmlns:adec="http://schemas.microsoft.com/office/drawing/2017/decorative" val="1"/>
+              </a:ext>
+            </a:extLst>
+          </p:cNvPr>
+          <p:cNvSpPr>
+            <a:spLocks noGrp="1" noRot="1" noChangeAspect="1" noMove="1" noResize="1" noEditPoints="1" noAdjustHandles="1" noChangeArrowheads="1" noChangeShapeType="1" noTextEdit="1"/>
+          </p:cNvSpPr>
+          <p:nvPr>
+            <p:extLst>
+              <p:ext uri="{386F3935-93C4-4BCD-93E2-E3B085C9AB24}">
+                <p16:designElem xmlns:p16="http://schemas.microsoft.com/office/powerpoint/2015/main" val="1"/>
+              </p:ext>
+            </p:extLst>
+          </p:nvPr>
+        </p:nvSpPr>
+        <p:spPr>
+          <a:xfrm rot="18900000" flipH="1">
+            <a:off x="-282117" y="-253670"/>
+            <a:ext cx="1370728" cy="1376989"/>
+          </a:xfrm>
+          <a:custGeom>
+            <a:avLst/>
+            <a:gdLst>
+              <a:gd name="connsiteX0" fmla="*/ 0 w 1827638"/>
+              <a:gd name="connsiteY0" fmla="*/ 987379 h 1376989"/>
+              <a:gd name="connsiteX1" fmla="*/ 987379 w 1827638"/>
+              <a:gd name="connsiteY1" fmla="*/ 0 h 1376989"/>
+              <a:gd name="connsiteX2" fmla="*/ 1827638 w 1827638"/>
+              <a:gd name="connsiteY2" fmla="*/ 840260 h 1376989"/>
+              <a:gd name="connsiteX3" fmla="*/ 1827638 w 1827638"/>
+              <a:gd name="connsiteY3" fmla="*/ 1376989 h 1376989"/>
+              <a:gd name="connsiteX4" fmla="*/ 0 w 1827638"/>
+              <a:gd name="connsiteY4" fmla="*/ 1376989 h 1376989"/>
+            </a:gdLst>
+            <a:ahLst/>
+            <a:cxnLst>
+              <a:cxn ang="0">
+                <a:pos x="connsiteX0" y="connsiteY0"/>
+              </a:cxn>
+              <a:cxn ang="0">
+                <a:pos x="connsiteX1" y="connsiteY1"/>
+              </a:cxn>
+              <a:cxn ang="0">
+                <a:pos x="connsiteX2" y="connsiteY2"/>
+              </a:cxn>
+              <a:cxn ang="0">
+                <a:pos x="connsiteX3" y="connsiteY3"/>
+              </a:cxn>
+              <a:cxn ang="0">
+                <a:pos x="connsiteX4" y="connsiteY4"/>
+              </a:cxn>
+            </a:cxnLst>
+            <a:rect l="l" t="t" r="r" b="b"/>
+            <a:pathLst>
+              <a:path w="1827638" h="1376989">
+                <a:moveTo>
+                  <a:pt x="0" y="987379"/>
+                </a:moveTo>
+                <a:lnTo>
+                  <a:pt x="987379" y="0"/>
+                </a:lnTo>
+                <a:lnTo>
+                  <a:pt x="1827638" y="840260"/>
+                </a:lnTo>
+                <a:lnTo>
+                  <a:pt x="1827638" y="1376989"/>
+                </a:lnTo>
+                <a:lnTo>
+                  <a:pt x="0" y="1376989"/>
+                </a:lnTo>
+                <a:close/>
+              </a:path>
+            </a:pathLst>
+          </a:custGeom>
+          <a:solidFill>
+            <a:schemeClr val="accent1">
+              <a:alpha val="30000"/>
+            </a:schemeClr>
+          </a:solidFill>
+          <a:ln>
+            <a:noFill/>
+          </a:ln>
+        </p:spPr>
+        <p:style>
+          <a:lnRef idx="2">
+            <a:schemeClr val="accent1">
+              <a:shade val="50000"/>
+            </a:schemeClr>
+          </a:lnRef>
+          <a:fillRef idx="1">
+            <a:schemeClr val="accent1"/>
+          </a:fillRef>
+          <a:effectRef idx="0">
+            <a:schemeClr val="accent1"/>
+          </a:effectRef>
+          <a:fontRef idx="minor">
+            <a:schemeClr val="lt1"/>
+          </a:fontRef>
+        </p:style>
+        <p:txBody>
+          <a:bodyPr rtlCol="0" anchor="ctr"/>
+          <a:lstStyle/>
+          <a:p>
+            <a:pPr algn="ctr"/>
+            <a:endParaRPr lang="en-US" dirty="0"/>
+          </a:p>
+        </p:txBody>
+      </p:sp>
+      <p:sp>
+        <p:nvSpPr>
+          <p:cNvPr id="12" name="Rectangle 11">
+            <a:extLst>
+              <a:ext uri="{FF2B5EF4-FFF2-40B4-BE49-F238E27FC236}">
+                <a16:creationId xmlns:a16="http://schemas.microsoft.com/office/drawing/2014/main" id="{29FDB030-9B49-4CED-8CCD-4D99382388AC}"/>
+              </a:ext>
+              <a:ext uri="{C183D7F6-B498-43B3-948B-1728B52AA6E4}">
+                <adec:decorative xmlns:adec="http://schemas.microsoft.com/office/drawing/2017/decorative" val="1"/>
+              </a:ext>
+            </a:extLst>
+          </p:cNvPr>
+          <p:cNvSpPr>
+            <a:spLocks noGrp="1" noRot="1" noChangeAspect="1" noMove="1" noResize="1" noEditPoints="1" noAdjustHandles="1" noChangeArrowheads="1" noChangeShapeType="1" noTextEdit="1"/>
+          </p:cNvSpPr>
+          <p:nvPr>
+            <p:extLst>
+              <p:ext uri="{386F3935-93C4-4BCD-93E2-E3B085C9AB24}">
+                <p16:designElem xmlns:p16="http://schemas.microsoft.com/office/powerpoint/2015/main" val="1"/>
+              </p:ext>
+            </p:extLst>
+          </p:nvPr>
+        </p:nvSpPr>
+        <p:spPr>
+          <a:xfrm rot="18900000" flipH="1">
+            <a:off x="668730" y="422146"/>
+            <a:ext cx="484026" cy="645368"/>
+          </a:xfrm>
+          <a:prstGeom prst="rect">
+            <a:avLst/>
+          </a:prstGeom>
+          <a:solidFill>
+            <a:schemeClr val="accent1">
+              <a:alpha val="30000"/>
+            </a:schemeClr>
+          </a:solidFill>
+          <a:ln>
+            <a:noFill/>
+          </a:ln>
+        </p:spPr>
+        <p:style>
+          <a:lnRef idx="2">
+            <a:schemeClr val="accent1">
+              <a:shade val="50000"/>
+            </a:schemeClr>
+          </a:lnRef>
+          <a:fillRef idx="1">
+            <a:schemeClr val="accent1"/>
+          </a:fillRef>
+          <a:effectRef idx="0">
+            <a:schemeClr val="accent1"/>
+          </a:effectRef>
+          <a:fontRef idx="minor">
+            <a:schemeClr val="lt1"/>
+          </a:fontRef>
+        </p:style>
+        <p:txBody>
+          <a:bodyPr rtlCol="0" anchor="ctr"/>
+          <a:lstStyle/>
+          <a:p>
+            <a:pPr algn="ctr"/>
+            <a:endParaRPr lang="en-US"/>
+          </a:p>
+        </p:txBody>
+      </p:sp>
+      <p:sp>
+        <p:nvSpPr>
+          <p:cNvPr id="14" name="Rectangle 13">
+            <a:extLst>
+              <a:ext uri="{FF2B5EF4-FFF2-40B4-BE49-F238E27FC236}">
+                <a16:creationId xmlns:a16="http://schemas.microsoft.com/office/drawing/2014/main" id="{3783CA14-24A1-485C-8B30-D6A5D87987AD}"/>
+              </a:ext>
+              <a:ext uri="{C183D7F6-B498-43B3-948B-1728B52AA6E4}">
+                <adec:decorative xmlns:adec="http://schemas.microsoft.com/office/drawing/2017/decorative" val="1"/>
+              </a:ext>
+            </a:extLst>
+          </p:cNvPr>
+          <p:cNvSpPr>
+            <a:spLocks noGrp="1" noRot="1" noChangeAspect="1" noMove="1" noResize="1" noEditPoints="1" noAdjustHandles="1" noChangeArrowheads="1" noChangeShapeType="1" noTextEdit="1"/>
+          </p:cNvSpPr>
+          <p:nvPr>
+            <p:extLst>
+              <p:ext uri="{386F3935-93C4-4BCD-93E2-E3B085C9AB24}">
+                <p16:designElem xmlns:p16="http://schemas.microsoft.com/office/powerpoint/2015/main" val="1"/>
+              </p:ext>
+            </p:extLst>
+          </p:nvPr>
+        </p:nvSpPr>
+        <p:spPr>
+          <a:xfrm rot="18900000" flipH="1">
+            <a:off x="7532611" y="655140"/>
+            <a:ext cx="515604" cy="687472"/>
+          </a:xfrm>
+          <a:prstGeom prst="rect">
+            <a:avLst/>
+          </a:prstGeom>
+          <a:solidFill>
+            <a:schemeClr val="accent4">
+              <a:alpha val="30000"/>
+            </a:schemeClr>
+          </a:solidFill>
+          <a:ln>
+            <a:noFill/>
+          </a:ln>
+        </p:spPr>
+        <p:style>
+          <a:lnRef idx="2">
+            <a:schemeClr val="accent1">
+              <a:shade val="50000"/>
+            </a:schemeClr>
+          </a:lnRef>
+          <a:fillRef idx="1">
+            <a:schemeClr val="accent1"/>
+          </a:fillRef>
+          <a:effectRef idx="0">
+            <a:schemeClr val="accent1"/>
+          </a:effectRef>
+          <a:fontRef idx="minor">
+            <a:schemeClr val="lt1"/>
+          </a:fontRef>
+        </p:style>
+        <p:txBody>
+          <a:bodyPr rtlCol="0" anchor="ctr"/>
+          <a:lstStyle/>
+          <a:p>
+            <a:pPr algn="ctr"/>
+            <a:endParaRPr lang="en-US"/>
+          </a:p>
+        </p:txBody>
+      </p:sp>
+      <p:sp>
+        <p:nvSpPr>
+          <p:cNvPr id="16" name="Freeform: Shape 15">
+            <a:extLst>
+              <a:ext uri="{FF2B5EF4-FFF2-40B4-BE49-F238E27FC236}">
+                <a16:creationId xmlns:a16="http://schemas.microsoft.com/office/drawing/2014/main" id="{9A97C86A-04D6-40F7-AE84-31AB43E6A846}"/>
+              </a:ext>
+              <a:ext uri="{C183D7F6-B498-43B3-948B-1728B52AA6E4}">
+                <adec:decorative xmlns:adec="http://schemas.microsoft.com/office/drawing/2017/decorative" val="1"/>
+              </a:ext>
+            </a:extLst>
+          </p:cNvPr>
+          <p:cNvSpPr>
+            <a:spLocks noGrp="1" noRot="1" noChangeAspect="1" noMove="1" noResize="1" noEditPoints="1" noAdjustHandles="1" noChangeArrowheads="1" noChangeShapeType="1" noTextEdit="1"/>
+          </p:cNvSpPr>
+          <p:nvPr>
+            <p:extLst>
+              <p:ext uri="{386F3935-93C4-4BCD-93E2-E3B085C9AB24}">
+                <p16:designElem xmlns:p16="http://schemas.microsoft.com/office/powerpoint/2015/main" val="1"/>
+              </p:ext>
+            </p:extLst>
+          </p:nvPr>
+        </p:nvSpPr>
+        <p:spPr>
+          <a:xfrm rot="10800000" flipH="1">
+            <a:off x="7017482" y="0"/>
+            <a:ext cx="2126518" cy="1480837"/>
+          </a:xfrm>
+          <a:custGeom>
+            <a:avLst/>
+            <a:gdLst>
+              <a:gd name="connsiteX0" fmla="*/ 2835357 w 2835357"/>
+              <a:gd name="connsiteY0" fmla="*/ 1480837 h 1480837"/>
+              <a:gd name="connsiteX1" fmla="*/ 0 w 2835357"/>
+              <a:gd name="connsiteY1" fmla="*/ 1480837 h 1480837"/>
+              <a:gd name="connsiteX2" fmla="*/ 1552727 w 2835357"/>
+              <a:gd name="connsiteY2" fmla="*/ 0 h 1480837"/>
+              <a:gd name="connsiteX3" fmla="*/ 2835357 w 2835357"/>
+              <a:gd name="connsiteY3" fmla="*/ 1223245 h 1480837"/>
+            </a:gdLst>
+            <a:ahLst/>
+            <a:cxnLst>
+              <a:cxn ang="0">
+                <a:pos x="connsiteX0" y="connsiteY0"/>
+              </a:cxn>
+              <a:cxn ang="0">
+                <a:pos x="connsiteX1" y="connsiteY1"/>
+              </a:cxn>
+              <a:cxn ang="0">
+                <a:pos x="connsiteX2" y="connsiteY2"/>
+              </a:cxn>
+              <a:cxn ang="0">
+                <a:pos x="connsiteX3" y="connsiteY3"/>
+              </a:cxn>
+            </a:cxnLst>
+            <a:rect l="l" t="t" r="r" b="b"/>
+            <a:pathLst>
+              <a:path w="2835357" h="1480837">
+                <a:moveTo>
+                  <a:pt x="2835357" y="1480837"/>
+                </a:moveTo>
+                <a:lnTo>
+                  <a:pt x="0" y="1480837"/>
+                </a:lnTo>
+                <a:lnTo>
+                  <a:pt x="1552727" y="0"/>
+                </a:lnTo>
+                <a:lnTo>
+                  <a:pt x="2835357" y="1223245"/>
+                </a:lnTo>
+                <a:close/>
+              </a:path>
+            </a:pathLst>
+          </a:custGeom>
+          <a:solidFill>
+            <a:schemeClr val="accent4">
+              <a:alpha val="30000"/>
+            </a:schemeClr>
+          </a:solidFill>
+          <a:ln>
+            <a:noFill/>
+          </a:ln>
+        </p:spPr>
+        <p:style>
+          <a:lnRef idx="2">
+            <a:schemeClr val="accent1">
+              <a:shade val="50000"/>
+            </a:schemeClr>
+          </a:lnRef>
+          <a:fillRef idx="1">
+            <a:schemeClr val="accent1"/>
+          </a:fillRef>
+          <a:effectRef idx="0">
+            <a:schemeClr val="accent1"/>
+          </a:effectRef>
+          <a:fontRef idx="minor">
+            <a:schemeClr val="lt1"/>
+          </a:fontRef>
+        </p:style>
+        <p:txBody>
+          <a:bodyPr wrap="square" rtlCol="0" anchor="ctr">
+            <a:noAutofit/>
+          </a:bodyPr>
+          <a:lstStyle/>
+          <a:p>
+            <a:pPr algn="ctr"/>
+            <a:endParaRPr lang="en-US" dirty="0"/>
+          </a:p>
+        </p:txBody>
+      </p:sp>
+      <p:sp>
+        <p:nvSpPr>
+          <p:cNvPr id="18" name="Isosceles Triangle 17">
+            <a:extLst>
+              <a:ext uri="{FF2B5EF4-FFF2-40B4-BE49-F238E27FC236}">
+                <a16:creationId xmlns:a16="http://schemas.microsoft.com/office/drawing/2014/main" id="{FF9F2414-84E8-453E-B1F3-389FDE8192D9}"/>
+              </a:ext>
+              <a:ext uri="{C183D7F6-B498-43B3-948B-1728B52AA6E4}">
+                <adec:decorative xmlns:adec="http://schemas.microsoft.com/office/drawing/2017/decorative" val="1"/>
+              </a:ext>
+            </a:extLst>
+          </p:cNvPr>
+          <p:cNvSpPr>
+            <a:spLocks noGrp="1" noRot="1" noChangeAspect="1" noMove="1" noResize="1" noEditPoints="1" noAdjustHandles="1" noChangeArrowheads="1" noChangeShapeType="1" noTextEdit="1"/>
+          </p:cNvSpPr>
+          <p:nvPr>
+            <p:extLst>
+              <p:ext uri="{386F3935-93C4-4BCD-93E2-E3B085C9AB24}">
+                <p16:designElem xmlns:p16="http://schemas.microsoft.com/office/powerpoint/2015/main" val="1"/>
+              </p:ext>
+            </p:extLst>
+          </p:nvPr>
+        </p:nvSpPr>
+        <p:spPr>
+          <a:xfrm flipH="1">
+            <a:off x="5982258" y="6115501"/>
+            <a:ext cx="1120884" cy="742499"/>
+          </a:xfrm>
+          <a:prstGeom prst="triangle">
+            <a:avLst/>
+          </a:prstGeom>
+          <a:solidFill>
+            <a:schemeClr val="accent1">
+              <a:alpha val="30000"/>
+            </a:schemeClr>
+          </a:solidFill>
+          <a:ln>
+            <a:noFill/>
+          </a:ln>
+        </p:spPr>
+        <p:style>
+          <a:lnRef idx="2">
+            <a:schemeClr val="accent1">
+              <a:shade val="50000"/>
+            </a:schemeClr>
+          </a:lnRef>
+          <a:fillRef idx="1">
+            <a:schemeClr val="accent1"/>
+          </a:fillRef>
+          <a:effectRef idx="0">
+            <a:schemeClr val="accent1"/>
+          </a:effectRef>
+          <a:fontRef idx="minor">
+            <a:schemeClr val="lt1"/>
+          </a:fontRef>
+        </p:style>
+        <p:txBody>
+          <a:bodyPr rtlCol="0" anchor="ctr"/>
+          <a:lstStyle/>
+          <a:p>
+            <a:pPr algn="ctr"/>
+            <a:endParaRPr lang="en-US"/>
+          </a:p>
+        </p:txBody>
+      </p:sp>
+      <p:pic>
+        <p:nvPicPr>
+          <p:cNvPr id="3" name="Picture 2">
+            <a:extLst>
+              <a:ext uri="{FF2B5EF4-FFF2-40B4-BE49-F238E27FC236}">
+                <a16:creationId xmlns:a16="http://schemas.microsoft.com/office/drawing/2014/main" id="{C960F897-2BDF-8347-82ED-9A7A5E406551}"/>
+              </a:ext>
+            </a:extLst>
+          </p:cNvPr>
+          <p:cNvPicPr>
+            <a:picLocks noChangeAspect="1"/>
+          </p:cNvPicPr>
+          <p:nvPr/>
+        </p:nvPicPr>
+        <p:blipFill>
+          <a:blip r:embed="rId2"/>
+          <a:stretch>
+            <a:fillRect/>
+          </a:stretch>
+        </p:blipFill>
+        <p:spPr>
+          <a:xfrm>
+            <a:off x="482600" y="1967039"/>
+            <a:ext cx="8178799" cy="2923921"/>
+          </a:xfrm>
+          <a:prstGeom prst="rect">
+            <a:avLst/>
+          </a:prstGeom>
+          <a:ln>
+            <a:noFill/>
+          </a:ln>
+        </p:spPr>
+      </p:pic>
+      <p:sp>
+        <p:nvSpPr>
+          <p:cNvPr id="20" name="Isosceles Triangle 19">
+            <a:extLst>
+              <a:ext uri="{FF2B5EF4-FFF2-40B4-BE49-F238E27FC236}">
+                <a16:creationId xmlns:a16="http://schemas.microsoft.com/office/drawing/2014/main" id="{3ECA69A1-7536-43AC-85EF-C7106179F5ED}"/>
+              </a:ext>
+              <a:ext uri="{C183D7F6-B498-43B3-948B-1728B52AA6E4}">
+                <adec:decorative xmlns:adec="http://schemas.microsoft.com/office/drawing/2017/decorative" val="1"/>
+              </a:ext>
+            </a:extLst>
+          </p:cNvPr>
+          <p:cNvSpPr>
+            <a:spLocks noGrp="1" noRot="1" noChangeAspect="1" noMove="1" noResize="1" noEditPoints="1" noAdjustHandles="1" noChangeArrowheads="1" noChangeShapeType="1" noTextEdit="1"/>
+          </p:cNvSpPr>
+          <p:nvPr>
+            <p:extLst>
+              <p:ext uri="{386F3935-93C4-4BCD-93E2-E3B085C9AB24}">
+                <p16:designElem xmlns:p16="http://schemas.microsoft.com/office/powerpoint/2015/main" val="1"/>
+              </p:ext>
+            </p:extLst>
+          </p:nvPr>
+        </p:nvSpPr>
+        <p:spPr>
+          <a:xfrm flipH="1">
+            <a:off x="5703060" y="6453143"/>
+            <a:ext cx="611177" cy="404857"/>
+          </a:xfrm>
+          <a:prstGeom prst="triangle">
+            <a:avLst/>
+          </a:prstGeom>
+          <a:solidFill>
+            <a:schemeClr val="accent1">
+              <a:alpha val="30000"/>
+            </a:schemeClr>
+          </a:solidFill>
+          <a:ln>
+            <a:noFill/>
+          </a:ln>
+        </p:spPr>
+        <p:style>
+          <a:lnRef idx="2">
+            <a:schemeClr val="accent1">
+              <a:shade val="50000"/>
+            </a:schemeClr>
+          </a:lnRef>
+          <a:fillRef idx="1">
+            <a:schemeClr val="accent1"/>
+          </a:fillRef>
+          <a:effectRef idx="0">
+            <a:schemeClr val="accent1"/>
+          </a:effectRef>
+          <a:fontRef idx="minor">
+            <a:schemeClr val="lt1"/>
+          </a:fontRef>
+        </p:style>
+        <p:txBody>
+          <a:bodyPr rtlCol="0" anchor="ctr"/>
+          <a:lstStyle/>
+          <a:p>
+            <a:pPr algn="ctr"/>
+            <a:endParaRPr lang="en-US"/>
+          </a:p>
+        </p:txBody>
+      </p:sp>
+    </p:spTree>
+    <p:extLst>
+      <p:ext uri="{BB962C8B-B14F-4D97-AF65-F5344CB8AC3E}">
+        <p14:creationId xmlns:p14="http://schemas.microsoft.com/office/powerpoint/2010/main" val="3435867686"/>
+      </p:ext>
+    </p:extLst>
+  </p:cSld>
+  <p:clrMapOvr>
+    <a:masterClrMapping/>
+  </p:clrMapOvr>
+</p:sld>
+</file>
+
+<file path=ppt/slides/slide9.xml><?xml version="1.0" encoding="utf-8"?>
 <p:sld xmlns:a="http://schemas.openxmlformats.org/drawingml/2006/main" xmlns:r="http://schemas.openxmlformats.org/officeDocument/2006/relationships" xmlns:p="http://schemas.openxmlformats.org/presentationml/2006/main">
   <p:cSld>
     <p:spTree>
@@ -21783,2797 +25089,6 @@
                                         </p:cTn>
                                         <p:tgtEl>
                                           <p:spTgt spid="26"/>
-                                        </p:tgtEl>
-                                        <p:attrNameLst>
-                                          <p:attrName>style.visibility</p:attrName>
-                                        </p:attrNameLst>
-                                      </p:cBhvr>
-                                      <p:to>
-                                        <p:strVal val="visible"/>
-                                      </p:to>
-                                    </p:set>
-                                  </p:childTnLst>
-                                </p:cTn>
-                              </p:par>
-                            </p:childTnLst>
-                          </p:cTn>
-                        </p:par>
-                      </p:childTnLst>
-                    </p:cTn>
-                  </p:par>
-                </p:childTnLst>
-              </p:cTn>
-              <p:prevCondLst>
-                <p:cond evt="onPrev" delay="0">
-                  <p:tgtEl>
-                    <p:sldTgt/>
-                  </p:tgtEl>
-                </p:cond>
-              </p:prevCondLst>
-              <p:nextCondLst>
-                <p:cond evt="onNext" delay="0">
-                  <p:tgtEl>
-                    <p:sldTgt/>
-                  </p:tgtEl>
-                </p:cond>
-              </p:nextCondLst>
-            </p:seq>
-          </p:childTnLst>
-        </p:cTn>
-      </p:par>
-    </p:tnLst>
-  </p:timing>
-</p:sld>
-</file>
-
-<file path=ppt/slides/slide9.xml><?xml version="1.0" encoding="utf-8"?>
-<p:sld xmlns:a="http://schemas.openxmlformats.org/drawingml/2006/main" xmlns:r="http://schemas.openxmlformats.org/officeDocument/2006/relationships" xmlns:p="http://schemas.openxmlformats.org/presentationml/2006/main">
-  <p:cSld>
-    <p:spTree>
-      <p:nvGrpSpPr>
-        <p:cNvPr id="1" name=""/>
-        <p:cNvGrpSpPr/>
-        <p:nvPr/>
-      </p:nvGrpSpPr>
-      <p:grpSpPr>
-        <a:xfrm>
-          <a:off x="0" y="0"/>
-          <a:ext cx="0" cy="0"/>
-          <a:chOff x="0" y="0"/>
-          <a:chExt cx="0" cy="0"/>
-        </a:xfrm>
-      </p:grpSpPr>
-      <p:grpSp>
-        <p:nvGrpSpPr>
-          <p:cNvPr id="40" name="Group 39"/>
-          <p:cNvGrpSpPr/>
-          <p:nvPr/>
-        </p:nvGrpSpPr>
-        <p:grpSpPr>
-          <a:xfrm>
-            <a:off x="803707" y="3748755"/>
-            <a:ext cx="7610317" cy="2603560"/>
-            <a:chOff x="803707" y="3748755"/>
-            <a:chExt cx="7610317" cy="2603560"/>
-          </a:xfrm>
-        </p:grpSpPr>
-        <p:pic>
-          <p:nvPicPr>
-            <p:cNvPr id="27" name="Picture 26"/>
-            <p:cNvPicPr>
-              <a:picLocks noChangeAspect="1"/>
-            </p:cNvPicPr>
-            <p:nvPr/>
-          </p:nvPicPr>
-          <p:blipFill>
-            <a:blip r:embed="rId2">
-              <a:extLst>
-                <a:ext uri="{28A0092B-C50C-407E-A947-70E740481C1C}">
-                  <a14:useLocalDpi xmlns:a14="http://schemas.microsoft.com/office/drawing/2010/main" val="0"/>
-                </a:ext>
-              </a:extLst>
-            </a:blip>
-            <a:stretch>
-              <a:fillRect/>
-            </a:stretch>
-          </p:blipFill>
-          <p:spPr>
-            <a:xfrm>
-              <a:off x="803707" y="3748755"/>
-              <a:ext cx="3471413" cy="2603560"/>
-            </a:xfrm>
-            <a:prstGeom prst="rect">
-              <a:avLst/>
-            </a:prstGeom>
-          </p:spPr>
-        </p:pic>
-        <p:pic>
-          <p:nvPicPr>
-            <p:cNvPr id="28" name="Picture 27"/>
-            <p:cNvPicPr>
-              <a:picLocks noChangeAspect="1"/>
-            </p:cNvPicPr>
-            <p:nvPr/>
-          </p:nvPicPr>
-          <p:blipFill>
-            <a:blip r:embed="rId3">
-              <a:extLst>
-                <a:ext uri="{28A0092B-C50C-407E-A947-70E740481C1C}">
-                  <a14:useLocalDpi xmlns:a14="http://schemas.microsoft.com/office/drawing/2010/main" val="0"/>
-                </a:ext>
-              </a:extLst>
-            </a:blip>
-            <a:stretch>
-              <a:fillRect/>
-            </a:stretch>
-          </p:blipFill>
-          <p:spPr>
-            <a:xfrm>
-              <a:off x="4942611" y="3748755"/>
-              <a:ext cx="3471413" cy="2603560"/>
-            </a:xfrm>
-            <a:prstGeom prst="rect">
-              <a:avLst/>
-            </a:prstGeom>
-          </p:spPr>
-        </p:pic>
-        <p:sp>
-          <p:nvSpPr>
-            <p:cNvPr id="38" name="TextBox 37"/>
-            <p:cNvSpPr txBox="1"/>
-            <p:nvPr/>
-          </p:nvSpPr>
-          <p:spPr>
-            <a:xfrm>
-              <a:off x="3736058" y="5655675"/>
-              <a:ext cx="458111" cy="584776"/>
-            </a:xfrm>
-            <a:prstGeom prst="rect">
-              <a:avLst/>
-            </a:prstGeom>
-            <a:noFill/>
-          </p:spPr>
-          <p:txBody>
-            <a:bodyPr wrap="none" rtlCol="0">
-              <a:spAutoFit/>
-            </a:bodyPr>
-            <a:lstStyle/>
-            <a:p>
-              <a:r>
-                <a:rPr lang="en-US" sz="3200" dirty="0">
-                  <a:solidFill>
-                    <a:srgbClr val="FFFFFF"/>
-                  </a:solidFill>
-                  <a:latin typeface="Times"/>
-                  <a:cs typeface="Times"/>
-                </a:rPr>
-                <a:t>I</a:t>
-              </a:r>
-              <a:r>
-                <a:rPr lang="en-US" sz="3200" baseline="-25000" dirty="0">
-                  <a:solidFill>
-                    <a:srgbClr val="FFFFFF"/>
-                  </a:solidFill>
-                  <a:latin typeface="Times"/>
-                  <a:cs typeface="Times"/>
-                </a:rPr>
-                <a:t>1</a:t>
-              </a:r>
-            </a:p>
-          </p:txBody>
-        </p:sp>
-        <p:sp>
-          <p:nvSpPr>
-            <p:cNvPr id="39" name="TextBox 38"/>
-            <p:cNvSpPr txBox="1"/>
-            <p:nvPr/>
-          </p:nvSpPr>
-          <p:spPr>
-            <a:xfrm>
-              <a:off x="7901605" y="5640543"/>
-              <a:ext cx="458111" cy="584776"/>
-            </a:xfrm>
-            <a:prstGeom prst="rect">
-              <a:avLst/>
-            </a:prstGeom>
-            <a:noFill/>
-          </p:spPr>
-          <p:txBody>
-            <a:bodyPr wrap="none" rtlCol="0">
-              <a:spAutoFit/>
-            </a:bodyPr>
-            <a:lstStyle/>
-            <a:p>
-              <a:r>
-                <a:rPr lang="en-US" sz="3200" dirty="0">
-                  <a:solidFill>
-                    <a:srgbClr val="FFFFFF"/>
-                  </a:solidFill>
-                  <a:latin typeface="Times"/>
-                  <a:cs typeface="Times"/>
-                </a:rPr>
-                <a:t>I</a:t>
-              </a:r>
-              <a:r>
-                <a:rPr lang="en-US" sz="3200" baseline="-25000" dirty="0">
-                  <a:solidFill>
-                    <a:srgbClr val="FFFFFF"/>
-                  </a:solidFill>
-                  <a:latin typeface="Times"/>
-                  <a:cs typeface="Times"/>
-                </a:rPr>
-                <a:t>2</a:t>
-              </a:r>
-            </a:p>
-          </p:txBody>
-        </p:sp>
-      </p:grpSp>
-      <p:cxnSp>
-        <p:nvCxnSpPr>
-          <p:cNvPr id="8" name="Straight Arrow Connector 7"/>
-          <p:cNvCxnSpPr>
-            <a:endCxn id="6" idx="1"/>
-          </p:cNvCxnSpPr>
-          <p:nvPr/>
-        </p:nvCxnSpPr>
-        <p:spPr>
-          <a:xfrm>
-            <a:off x="3046089" y="2721058"/>
-            <a:ext cx="632862" cy="0"/>
-          </a:xfrm>
-          <a:prstGeom prst="straightConnector1">
-            <a:avLst/>
-          </a:prstGeom>
-          <a:ln>
-            <a:tailEnd type="arrow"/>
-          </a:ln>
-        </p:spPr>
-        <p:style>
-          <a:lnRef idx="2">
-            <a:schemeClr val="accent1"/>
-          </a:lnRef>
-          <a:fillRef idx="0">
-            <a:schemeClr val="accent1"/>
-          </a:fillRef>
-          <a:effectRef idx="1">
-            <a:schemeClr val="accent1"/>
-          </a:effectRef>
-          <a:fontRef idx="minor">
-            <a:schemeClr val="tx1"/>
-          </a:fontRef>
-        </p:style>
-      </p:cxnSp>
-      <p:cxnSp>
-        <p:nvCxnSpPr>
-          <p:cNvPr id="9" name="Straight Arrow Connector 8"/>
-          <p:cNvCxnSpPr>
-            <a:stCxn id="6" idx="3"/>
-          </p:cNvCxnSpPr>
-          <p:nvPr/>
-        </p:nvCxnSpPr>
-        <p:spPr>
-          <a:xfrm>
-            <a:off x="5351204" y="2721058"/>
-            <a:ext cx="596017" cy="0"/>
-          </a:xfrm>
-          <a:prstGeom prst="straightConnector1">
-            <a:avLst/>
-          </a:prstGeom>
-          <a:ln>
-            <a:tailEnd type="arrow"/>
-          </a:ln>
-        </p:spPr>
-        <p:style>
-          <a:lnRef idx="2">
-            <a:schemeClr val="accent1"/>
-          </a:lnRef>
-          <a:fillRef idx="0">
-            <a:schemeClr val="accent1"/>
-          </a:fillRef>
-          <a:effectRef idx="1">
-            <a:schemeClr val="accent1"/>
-          </a:effectRef>
-          <a:fontRef idx="minor">
-            <a:schemeClr val="tx1"/>
-          </a:fontRef>
-        </p:style>
-      </p:cxnSp>
-      <p:sp>
-        <p:nvSpPr>
-          <p:cNvPr id="2" name="TextBox 1"/>
-          <p:cNvSpPr txBox="1"/>
-          <p:nvPr/>
-        </p:nvSpPr>
-        <p:spPr>
-          <a:xfrm>
-            <a:off x="410779" y="275231"/>
-            <a:ext cx="3994553" cy="1015663"/>
-          </a:xfrm>
-          <a:prstGeom prst="rect">
-            <a:avLst/>
-          </a:prstGeom>
-          <a:noFill/>
-        </p:spPr>
-        <p:txBody>
-          <a:bodyPr wrap="none" rtlCol="0">
-            <a:spAutoFit/>
-          </a:bodyPr>
-          <a:lstStyle/>
-          <a:p>
-            <a:r>
-              <a:rPr lang="en-US" sz="3200" b="1" dirty="0" err="1">
-                <a:latin typeface="Trebuchet MS"/>
-                <a:cs typeface="Trebuchet MS"/>
-              </a:rPr>
-              <a:t>Uncalibrated</a:t>
-            </a:r>
-            <a:r>
-              <a:rPr lang="en-US" sz="3200" b="1" dirty="0">
-                <a:latin typeface="Trebuchet MS"/>
-                <a:cs typeface="Trebuchet MS"/>
-              </a:rPr>
-              <a:t> Views</a:t>
-            </a:r>
-          </a:p>
-          <a:p>
-            <a:r>
-              <a:rPr lang="en-US" sz="2800" b="1" dirty="0">
-                <a:latin typeface="Trebuchet MS"/>
-                <a:cs typeface="Trebuchet MS"/>
-              </a:rPr>
-              <a:t>(A and B are unknown)</a:t>
-            </a:r>
-          </a:p>
-        </p:txBody>
-      </p:sp>
-      <p:grpSp>
-        <p:nvGrpSpPr>
-          <p:cNvPr id="24" name="Group 23"/>
-          <p:cNvGrpSpPr/>
-          <p:nvPr/>
-        </p:nvGrpSpPr>
-        <p:grpSpPr>
-          <a:xfrm>
-            <a:off x="520525" y="2105062"/>
-            <a:ext cx="8135386" cy="1210236"/>
-            <a:chOff x="410779" y="2293222"/>
-            <a:chExt cx="8135386" cy="1210236"/>
-          </a:xfrm>
-        </p:grpSpPr>
-        <p:sp>
-          <p:nvSpPr>
-            <p:cNvPr id="12" name="Rectangle 11"/>
-            <p:cNvSpPr/>
-            <p:nvPr/>
-          </p:nvSpPr>
-          <p:spPr>
-            <a:xfrm>
-              <a:off x="3569205" y="2293222"/>
-              <a:ext cx="1672253" cy="1210236"/>
-            </a:xfrm>
-            <a:prstGeom prst="rect">
-              <a:avLst/>
-            </a:prstGeom>
-          </p:spPr>
-          <p:style>
-            <a:lnRef idx="1">
-              <a:schemeClr val="accent1"/>
-            </a:lnRef>
-            <a:fillRef idx="3">
-              <a:schemeClr val="accent1"/>
-            </a:fillRef>
-            <a:effectRef idx="2">
-              <a:schemeClr val="accent1"/>
-            </a:effectRef>
-            <a:fontRef idx="minor">
-              <a:schemeClr val="lt1"/>
-            </a:fontRef>
-          </p:style>
-          <p:txBody>
-            <a:bodyPr rtlCol="0" anchor="ctr"/>
-            <a:lstStyle/>
-            <a:p>
-              <a:pPr algn="ctr"/>
-              <a:endParaRPr lang="en-US"/>
-            </a:p>
-          </p:txBody>
-        </p:sp>
-        <p:sp>
-          <p:nvSpPr>
-            <p:cNvPr id="6" name="TextBox 5"/>
-            <p:cNvSpPr txBox="1"/>
-            <p:nvPr/>
-          </p:nvSpPr>
-          <p:spPr>
-            <a:xfrm>
-              <a:off x="3569205" y="2586052"/>
-              <a:ext cx="1672253" cy="646331"/>
-            </a:xfrm>
-            <a:prstGeom prst="rect">
-              <a:avLst/>
-            </a:prstGeom>
-            <a:noFill/>
-          </p:spPr>
-          <p:txBody>
-            <a:bodyPr wrap="none" rtlCol="0">
-              <a:spAutoFit/>
-            </a:bodyPr>
-            <a:lstStyle/>
-            <a:p>
-              <a:pPr algn="ctr"/>
-              <a:r>
-                <a:rPr lang="en-US" dirty="0">
-                  <a:latin typeface="Trebuchet MS"/>
-                  <a:cs typeface="Trebuchet MS"/>
-                </a:rPr>
-                <a:t>FUNDAMENTAL </a:t>
-              </a:r>
-            </a:p>
-            <a:p>
-              <a:pPr algn="ctr"/>
-              <a:r>
-                <a:rPr lang="en-US" dirty="0">
-                  <a:latin typeface="Trebuchet MS"/>
-                  <a:cs typeface="Trebuchet MS"/>
-                </a:rPr>
-                <a:t>MATRIX</a:t>
-              </a:r>
-            </a:p>
-          </p:txBody>
-        </p:sp>
-        <p:sp>
-          <p:nvSpPr>
-            <p:cNvPr id="7" name="TextBox 6"/>
-            <p:cNvSpPr txBox="1"/>
-            <p:nvPr/>
-          </p:nvSpPr>
-          <p:spPr>
-            <a:xfrm>
-              <a:off x="410779" y="2442312"/>
-              <a:ext cx="2480241" cy="954107"/>
-            </a:xfrm>
-            <a:prstGeom prst="rect">
-              <a:avLst/>
-            </a:prstGeom>
-            <a:noFill/>
-          </p:spPr>
-          <p:txBody>
-            <a:bodyPr wrap="none" rtlCol="0">
-              <a:spAutoFit/>
-            </a:bodyPr>
-            <a:lstStyle/>
-            <a:p>
-              <a:pPr algn="ctr"/>
-              <a:r>
-                <a:rPr lang="en-US" sz="2800" dirty="0">
-                  <a:latin typeface="Trebuchet MS"/>
-                  <a:cs typeface="Trebuchet MS"/>
-                </a:rPr>
-                <a:t>Corresponding </a:t>
-              </a:r>
-            </a:p>
-            <a:p>
-              <a:pPr algn="ctr"/>
-              <a:r>
-                <a:rPr lang="en-US" sz="2800" dirty="0">
-                  <a:latin typeface="Trebuchet MS"/>
-                  <a:cs typeface="Trebuchet MS"/>
-                </a:rPr>
-                <a:t>points </a:t>
-              </a:r>
-            </a:p>
-          </p:txBody>
-        </p:sp>
-        <p:sp>
-          <p:nvSpPr>
-            <p:cNvPr id="25" name="TextBox 24"/>
-            <p:cNvSpPr txBox="1"/>
-            <p:nvPr/>
-          </p:nvSpPr>
-          <p:spPr>
-            <a:xfrm>
-              <a:off x="5924935" y="2646695"/>
-              <a:ext cx="2621230" cy="523220"/>
-            </a:xfrm>
-            <a:prstGeom prst="rect">
-              <a:avLst/>
-            </a:prstGeom>
-            <a:noFill/>
-          </p:spPr>
-          <p:txBody>
-            <a:bodyPr wrap="none" rtlCol="0">
-              <a:spAutoFit/>
-            </a:bodyPr>
-            <a:lstStyle/>
-            <a:p>
-              <a:r>
-                <a:rPr lang="en-US" sz="2800" dirty="0">
-                  <a:latin typeface="Trebuchet MS"/>
-                  <a:cs typeface="Trebuchet MS"/>
-                </a:rPr>
-                <a:t>Estimation of F</a:t>
-              </a:r>
-            </a:p>
-          </p:txBody>
-        </p:sp>
-      </p:grpSp>
-      <p:grpSp>
-        <p:nvGrpSpPr>
-          <p:cNvPr id="41" name="Group 40"/>
-          <p:cNvGrpSpPr/>
-          <p:nvPr/>
-        </p:nvGrpSpPr>
-        <p:grpSpPr>
-          <a:xfrm>
-            <a:off x="2257310" y="4019022"/>
-            <a:ext cx="3896575" cy="533392"/>
-            <a:chOff x="2257310" y="4019022"/>
-            <a:chExt cx="3896575" cy="533392"/>
-          </a:xfrm>
-        </p:grpSpPr>
-        <p:grpSp>
-          <p:nvGrpSpPr>
-            <p:cNvPr id="32" name="Group 31"/>
-            <p:cNvGrpSpPr/>
-            <p:nvPr/>
-          </p:nvGrpSpPr>
-          <p:grpSpPr>
-            <a:xfrm>
-              <a:off x="2257310" y="4163813"/>
-              <a:ext cx="301660" cy="388601"/>
-              <a:chOff x="2370557" y="3070069"/>
-              <a:chExt cx="301660" cy="388601"/>
-            </a:xfrm>
-          </p:grpSpPr>
-          <p:sp>
-            <p:nvSpPr>
-              <p:cNvPr id="33" name="Oval 32"/>
-              <p:cNvSpPr/>
-              <p:nvPr/>
-            </p:nvSpPr>
-            <p:spPr>
-              <a:xfrm>
-                <a:off x="2495534" y="3396506"/>
-                <a:ext cx="61377" cy="62164"/>
-              </a:xfrm>
-              <a:prstGeom prst="ellipse">
-                <a:avLst/>
-              </a:prstGeom>
-              <a:solidFill>
-                <a:srgbClr val="FF0000"/>
-              </a:solidFill>
-              <a:ln>
-                <a:solidFill>
-                  <a:srgbClr val="FF0000"/>
-                </a:solidFill>
-              </a:ln>
-            </p:spPr>
-            <p:style>
-              <a:lnRef idx="1">
-                <a:schemeClr val="accent1"/>
-              </a:lnRef>
-              <a:fillRef idx="3">
-                <a:schemeClr val="accent1"/>
-              </a:fillRef>
-              <a:effectRef idx="2">
-                <a:schemeClr val="accent1"/>
-              </a:effectRef>
-              <a:fontRef idx="minor">
-                <a:schemeClr val="lt1"/>
-              </a:fontRef>
-            </p:style>
-            <p:txBody>
-              <a:bodyPr rtlCol="0" anchor="ctr"/>
-              <a:lstStyle/>
-              <a:p>
-                <a:pPr algn="ctr"/>
-                <a:endParaRPr lang="en-US"/>
-              </a:p>
-            </p:txBody>
-          </p:sp>
-          <p:sp>
-            <p:nvSpPr>
-              <p:cNvPr id="34" name="TextBox 33"/>
-              <p:cNvSpPr txBox="1"/>
-              <p:nvPr/>
-            </p:nvSpPr>
-            <p:spPr>
-              <a:xfrm>
-                <a:off x="2370557" y="3070069"/>
-                <a:ext cx="301660" cy="369332"/>
-              </a:xfrm>
-              <a:prstGeom prst="rect">
-                <a:avLst/>
-              </a:prstGeom>
-              <a:noFill/>
-            </p:spPr>
-            <p:txBody>
-              <a:bodyPr wrap="none" rtlCol="0">
-                <a:spAutoFit/>
-              </a:bodyPr>
-              <a:lstStyle/>
-              <a:p>
-                <a:r>
-                  <a:rPr lang="en-US" dirty="0">
-                    <a:solidFill>
-                      <a:schemeClr val="bg1"/>
-                    </a:solidFill>
-                  </a:rPr>
-                  <a:t>1</a:t>
-                </a:r>
-              </a:p>
-            </p:txBody>
-          </p:sp>
-        </p:grpSp>
-        <p:grpSp>
-          <p:nvGrpSpPr>
-            <p:cNvPr id="35" name="Group 34"/>
-            <p:cNvGrpSpPr/>
-            <p:nvPr/>
-          </p:nvGrpSpPr>
-          <p:grpSpPr>
-            <a:xfrm>
-              <a:off x="5852225" y="4019022"/>
-              <a:ext cx="301660" cy="511753"/>
-              <a:chOff x="2370557" y="2931523"/>
-              <a:chExt cx="301660" cy="511753"/>
-            </a:xfrm>
-          </p:grpSpPr>
-          <p:sp>
-            <p:nvSpPr>
-              <p:cNvPr id="36" name="Oval 35"/>
-              <p:cNvSpPr/>
-              <p:nvPr/>
-            </p:nvSpPr>
-            <p:spPr>
-              <a:xfrm>
-                <a:off x="2503231" y="3381112"/>
-                <a:ext cx="61377" cy="62164"/>
-              </a:xfrm>
-              <a:prstGeom prst="ellipse">
-                <a:avLst/>
-              </a:prstGeom>
-              <a:solidFill>
-                <a:srgbClr val="FF0000"/>
-              </a:solidFill>
-              <a:ln>
-                <a:solidFill>
-                  <a:srgbClr val="FF0000"/>
-                </a:solidFill>
-              </a:ln>
-            </p:spPr>
-            <p:style>
-              <a:lnRef idx="1">
-                <a:schemeClr val="accent1"/>
-              </a:lnRef>
-              <a:fillRef idx="3">
-                <a:schemeClr val="accent1"/>
-              </a:fillRef>
-              <a:effectRef idx="2">
-                <a:schemeClr val="accent1"/>
-              </a:effectRef>
-              <a:fontRef idx="minor">
-                <a:schemeClr val="lt1"/>
-              </a:fontRef>
-            </p:style>
-            <p:txBody>
-              <a:bodyPr rtlCol="0" anchor="ctr"/>
-              <a:lstStyle/>
-              <a:p>
-                <a:pPr algn="ctr"/>
-                <a:endParaRPr lang="en-US"/>
-              </a:p>
-            </p:txBody>
-          </p:sp>
-          <p:sp>
-            <p:nvSpPr>
-              <p:cNvPr id="37" name="TextBox 36"/>
-              <p:cNvSpPr txBox="1"/>
-              <p:nvPr/>
-            </p:nvSpPr>
-            <p:spPr>
-              <a:xfrm>
-                <a:off x="2370557" y="2931523"/>
-                <a:ext cx="301660" cy="369332"/>
-              </a:xfrm>
-              <a:prstGeom prst="rect">
-                <a:avLst/>
-              </a:prstGeom>
-              <a:noFill/>
-            </p:spPr>
-            <p:txBody>
-              <a:bodyPr wrap="none" rtlCol="0">
-                <a:spAutoFit/>
-              </a:bodyPr>
-              <a:lstStyle/>
-              <a:p>
-                <a:r>
-                  <a:rPr lang="en-US" dirty="0">
-                    <a:solidFill>
-                      <a:schemeClr val="bg1"/>
-                    </a:solidFill>
-                  </a:rPr>
-                  <a:t>1</a:t>
-                </a:r>
-              </a:p>
-            </p:txBody>
-          </p:sp>
-        </p:grpSp>
-      </p:grpSp>
-      <p:grpSp>
-        <p:nvGrpSpPr>
-          <p:cNvPr id="49" name="Group 48"/>
-          <p:cNvGrpSpPr/>
-          <p:nvPr/>
-        </p:nvGrpSpPr>
-        <p:grpSpPr>
-          <a:xfrm>
-            <a:off x="1070437" y="3750786"/>
-            <a:ext cx="4443062" cy="579574"/>
-            <a:chOff x="1710823" y="4019022"/>
-            <a:chExt cx="4443062" cy="579574"/>
-          </a:xfrm>
-        </p:grpSpPr>
-        <p:grpSp>
-          <p:nvGrpSpPr>
-            <p:cNvPr id="50" name="Group 49"/>
-            <p:cNvGrpSpPr/>
-            <p:nvPr/>
-          </p:nvGrpSpPr>
-          <p:grpSpPr>
-            <a:xfrm>
-              <a:off x="1710823" y="4048358"/>
-              <a:ext cx="301660" cy="550238"/>
-              <a:chOff x="1824070" y="2954614"/>
-              <a:chExt cx="301660" cy="550238"/>
-            </a:xfrm>
-          </p:grpSpPr>
-          <p:sp>
-            <p:nvSpPr>
-              <p:cNvPr id="54" name="Oval 53"/>
-              <p:cNvSpPr/>
-              <p:nvPr/>
-            </p:nvSpPr>
-            <p:spPr>
-              <a:xfrm>
-                <a:off x="1941350" y="3442688"/>
-                <a:ext cx="61377" cy="62164"/>
-              </a:xfrm>
-              <a:prstGeom prst="ellipse">
-                <a:avLst/>
-              </a:prstGeom>
-              <a:solidFill>
-                <a:srgbClr val="FF0000"/>
-              </a:solidFill>
-              <a:ln>
-                <a:solidFill>
-                  <a:srgbClr val="FF0000"/>
-                </a:solidFill>
-              </a:ln>
-            </p:spPr>
-            <p:style>
-              <a:lnRef idx="1">
-                <a:schemeClr val="accent1"/>
-              </a:lnRef>
-              <a:fillRef idx="3">
-                <a:schemeClr val="accent1"/>
-              </a:fillRef>
-              <a:effectRef idx="2">
-                <a:schemeClr val="accent1"/>
-              </a:effectRef>
-              <a:fontRef idx="minor">
-                <a:schemeClr val="lt1"/>
-              </a:fontRef>
-            </p:style>
-            <p:txBody>
-              <a:bodyPr rtlCol="0" anchor="ctr"/>
-              <a:lstStyle/>
-              <a:p>
-                <a:pPr algn="ctr"/>
-                <a:endParaRPr lang="en-US"/>
-              </a:p>
-            </p:txBody>
-          </p:sp>
-          <p:sp>
-            <p:nvSpPr>
-              <p:cNvPr id="55" name="TextBox 54"/>
-              <p:cNvSpPr txBox="1"/>
-              <p:nvPr/>
-            </p:nvSpPr>
-            <p:spPr>
-              <a:xfrm>
-                <a:off x="1824070" y="2954614"/>
-                <a:ext cx="301660" cy="369332"/>
-              </a:xfrm>
-              <a:prstGeom prst="rect">
-                <a:avLst/>
-              </a:prstGeom>
-              <a:noFill/>
-            </p:spPr>
-            <p:txBody>
-              <a:bodyPr wrap="none" rtlCol="0">
-                <a:spAutoFit/>
-              </a:bodyPr>
-              <a:lstStyle/>
-              <a:p>
-                <a:r>
-                  <a:rPr lang="en-US" dirty="0">
-                    <a:solidFill>
-                      <a:schemeClr val="bg1"/>
-                    </a:solidFill>
-                  </a:rPr>
-                  <a:t>2</a:t>
-                </a:r>
-              </a:p>
-            </p:txBody>
-          </p:sp>
-        </p:grpSp>
-        <p:grpSp>
-          <p:nvGrpSpPr>
-            <p:cNvPr id="51" name="Group 50"/>
-            <p:cNvGrpSpPr/>
-            <p:nvPr/>
-          </p:nvGrpSpPr>
-          <p:grpSpPr>
-            <a:xfrm>
-              <a:off x="5852225" y="4019022"/>
-              <a:ext cx="301660" cy="511753"/>
-              <a:chOff x="2370557" y="2931523"/>
-              <a:chExt cx="301660" cy="511753"/>
-            </a:xfrm>
-          </p:grpSpPr>
-          <p:sp>
-            <p:nvSpPr>
-              <p:cNvPr id="52" name="Oval 51"/>
-              <p:cNvSpPr/>
-              <p:nvPr/>
-            </p:nvSpPr>
-            <p:spPr>
-              <a:xfrm>
-                <a:off x="2503231" y="3381112"/>
-                <a:ext cx="61377" cy="62164"/>
-              </a:xfrm>
-              <a:prstGeom prst="ellipse">
-                <a:avLst/>
-              </a:prstGeom>
-              <a:solidFill>
-                <a:srgbClr val="FF0000"/>
-              </a:solidFill>
-              <a:ln>
-                <a:solidFill>
-                  <a:srgbClr val="FF0000"/>
-                </a:solidFill>
-              </a:ln>
-            </p:spPr>
-            <p:style>
-              <a:lnRef idx="1">
-                <a:schemeClr val="accent1"/>
-              </a:lnRef>
-              <a:fillRef idx="3">
-                <a:schemeClr val="accent1"/>
-              </a:fillRef>
-              <a:effectRef idx="2">
-                <a:schemeClr val="accent1"/>
-              </a:effectRef>
-              <a:fontRef idx="minor">
-                <a:schemeClr val="lt1"/>
-              </a:fontRef>
-            </p:style>
-            <p:txBody>
-              <a:bodyPr rtlCol="0" anchor="ctr"/>
-              <a:lstStyle/>
-              <a:p>
-                <a:pPr algn="ctr"/>
-                <a:endParaRPr lang="en-US"/>
-              </a:p>
-            </p:txBody>
-          </p:sp>
-          <p:sp>
-            <p:nvSpPr>
-              <p:cNvPr id="53" name="TextBox 52"/>
-              <p:cNvSpPr txBox="1"/>
-              <p:nvPr/>
-            </p:nvSpPr>
-            <p:spPr>
-              <a:xfrm>
-                <a:off x="2370557" y="2931523"/>
-                <a:ext cx="301660" cy="369332"/>
-              </a:xfrm>
-              <a:prstGeom prst="rect">
-                <a:avLst/>
-              </a:prstGeom>
-              <a:noFill/>
-            </p:spPr>
-            <p:txBody>
-              <a:bodyPr wrap="none" rtlCol="0">
-                <a:spAutoFit/>
-              </a:bodyPr>
-              <a:lstStyle/>
-              <a:p>
-                <a:r>
-                  <a:rPr lang="en-US" dirty="0">
-                    <a:solidFill>
-                      <a:schemeClr val="bg1"/>
-                    </a:solidFill>
-                  </a:rPr>
-                  <a:t>2</a:t>
-                </a:r>
-              </a:p>
-            </p:txBody>
-          </p:sp>
-        </p:grpSp>
-      </p:grpSp>
-      <p:grpSp>
-        <p:nvGrpSpPr>
-          <p:cNvPr id="58" name="Group 57"/>
-          <p:cNvGrpSpPr/>
-          <p:nvPr/>
-        </p:nvGrpSpPr>
-        <p:grpSpPr>
-          <a:xfrm>
-            <a:off x="3458543" y="3699189"/>
-            <a:ext cx="4427668" cy="659448"/>
-            <a:chOff x="1710823" y="4048358"/>
-            <a:chExt cx="4427668" cy="659448"/>
-          </a:xfrm>
-        </p:grpSpPr>
-        <p:grpSp>
-          <p:nvGrpSpPr>
-            <p:cNvPr id="59" name="Group 58"/>
-            <p:cNvGrpSpPr/>
-            <p:nvPr/>
-          </p:nvGrpSpPr>
-          <p:grpSpPr>
-            <a:xfrm>
-              <a:off x="1710823" y="4048358"/>
-              <a:ext cx="301660" cy="550238"/>
-              <a:chOff x="1824070" y="2954614"/>
-              <a:chExt cx="301660" cy="550238"/>
-            </a:xfrm>
-          </p:grpSpPr>
-          <p:sp>
-            <p:nvSpPr>
-              <p:cNvPr id="63" name="Oval 62"/>
-              <p:cNvSpPr/>
-              <p:nvPr/>
-            </p:nvSpPr>
-            <p:spPr>
-              <a:xfrm>
-                <a:off x="1941350" y="3442688"/>
-                <a:ext cx="61377" cy="62164"/>
-              </a:xfrm>
-              <a:prstGeom prst="ellipse">
-                <a:avLst/>
-              </a:prstGeom>
-              <a:solidFill>
-                <a:srgbClr val="FF0000"/>
-              </a:solidFill>
-              <a:ln>
-                <a:solidFill>
-                  <a:srgbClr val="FF0000"/>
-                </a:solidFill>
-              </a:ln>
-            </p:spPr>
-            <p:style>
-              <a:lnRef idx="1">
-                <a:schemeClr val="accent1"/>
-              </a:lnRef>
-              <a:fillRef idx="3">
-                <a:schemeClr val="accent1"/>
-              </a:fillRef>
-              <a:effectRef idx="2">
-                <a:schemeClr val="accent1"/>
-              </a:effectRef>
-              <a:fontRef idx="minor">
-                <a:schemeClr val="lt1"/>
-              </a:fontRef>
-            </p:style>
-            <p:txBody>
-              <a:bodyPr rtlCol="0" anchor="ctr"/>
-              <a:lstStyle/>
-              <a:p>
-                <a:pPr algn="ctr"/>
-                <a:endParaRPr lang="en-US"/>
-              </a:p>
-            </p:txBody>
-          </p:sp>
-          <p:sp>
-            <p:nvSpPr>
-              <p:cNvPr id="64" name="TextBox 63"/>
-              <p:cNvSpPr txBox="1"/>
-              <p:nvPr/>
-            </p:nvSpPr>
-            <p:spPr>
-              <a:xfrm>
-                <a:off x="1824070" y="2954614"/>
-                <a:ext cx="301660" cy="369332"/>
-              </a:xfrm>
-              <a:prstGeom prst="rect">
-                <a:avLst/>
-              </a:prstGeom>
-              <a:noFill/>
-            </p:spPr>
-            <p:txBody>
-              <a:bodyPr wrap="none" rtlCol="0">
-                <a:spAutoFit/>
-              </a:bodyPr>
-              <a:lstStyle/>
-              <a:p>
-                <a:r>
-                  <a:rPr lang="en-US" dirty="0">
-                    <a:solidFill>
-                      <a:schemeClr val="bg1"/>
-                    </a:solidFill>
-                  </a:rPr>
-                  <a:t>3</a:t>
-                </a:r>
-              </a:p>
-            </p:txBody>
-          </p:sp>
-        </p:grpSp>
-        <p:grpSp>
-          <p:nvGrpSpPr>
-            <p:cNvPr id="60" name="Group 59"/>
-            <p:cNvGrpSpPr/>
-            <p:nvPr/>
-          </p:nvGrpSpPr>
-          <p:grpSpPr>
-            <a:xfrm>
-              <a:off x="5836831" y="4196053"/>
-              <a:ext cx="301660" cy="511753"/>
-              <a:chOff x="2355163" y="3108554"/>
-              <a:chExt cx="301660" cy="511753"/>
-            </a:xfrm>
-          </p:grpSpPr>
-          <p:sp>
-            <p:nvSpPr>
-              <p:cNvPr id="61" name="Oval 60"/>
-              <p:cNvSpPr/>
-              <p:nvPr/>
-            </p:nvSpPr>
-            <p:spPr>
-              <a:xfrm>
-                <a:off x="2487837" y="3558143"/>
-                <a:ext cx="61377" cy="62164"/>
-              </a:xfrm>
-              <a:prstGeom prst="ellipse">
-                <a:avLst/>
-              </a:prstGeom>
-              <a:solidFill>
-                <a:srgbClr val="FF0000"/>
-              </a:solidFill>
-              <a:ln>
-                <a:solidFill>
-                  <a:srgbClr val="FF0000"/>
-                </a:solidFill>
-              </a:ln>
-            </p:spPr>
-            <p:style>
-              <a:lnRef idx="1">
-                <a:schemeClr val="accent1"/>
-              </a:lnRef>
-              <a:fillRef idx="3">
-                <a:schemeClr val="accent1"/>
-              </a:fillRef>
-              <a:effectRef idx="2">
-                <a:schemeClr val="accent1"/>
-              </a:effectRef>
-              <a:fontRef idx="minor">
-                <a:schemeClr val="lt1"/>
-              </a:fontRef>
-            </p:style>
-            <p:txBody>
-              <a:bodyPr rtlCol="0" anchor="ctr"/>
-              <a:lstStyle/>
-              <a:p>
-                <a:pPr algn="ctr"/>
-                <a:endParaRPr lang="en-US"/>
-              </a:p>
-            </p:txBody>
-          </p:sp>
-          <p:sp>
-            <p:nvSpPr>
-              <p:cNvPr id="62" name="TextBox 61"/>
-              <p:cNvSpPr txBox="1"/>
-              <p:nvPr/>
-            </p:nvSpPr>
-            <p:spPr>
-              <a:xfrm>
-                <a:off x="2355163" y="3108554"/>
-                <a:ext cx="301660" cy="369332"/>
-              </a:xfrm>
-              <a:prstGeom prst="rect">
-                <a:avLst/>
-              </a:prstGeom>
-              <a:noFill/>
-            </p:spPr>
-            <p:txBody>
-              <a:bodyPr wrap="none" rtlCol="0">
-                <a:spAutoFit/>
-              </a:bodyPr>
-              <a:lstStyle/>
-              <a:p>
-                <a:r>
-                  <a:rPr lang="en-US" dirty="0">
-                    <a:solidFill>
-                      <a:schemeClr val="bg1"/>
-                    </a:solidFill>
-                  </a:rPr>
-                  <a:t>3</a:t>
-                </a:r>
-              </a:p>
-            </p:txBody>
-          </p:sp>
-        </p:grpSp>
-      </p:grpSp>
-      <p:grpSp>
-        <p:nvGrpSpPr>
-          <p:cNvPr id="65" name="Group 64"/>
-          <p:cNvGrpSpPr/>
-          <p:nvPr/>
-        </p:nvGrpSpPr>
-        <p:grpSpPr>
-          <a:xfrm>
-            <a:off x="1281038" y="4194997"/>
-            <a:ext cx="4317601" cy="547824"/>
-            <a:chOff x="1710823" y="4050772"/>
-            <a:chExt cx="4317601" cy="547824"/>
-          </a:xfrm>
-        </p:grpSpPr>
-        <p:grpSp>
-          <p:nvGrpSpPr>
-            <p:cNvPr id="66" name="Group 65"/>
-            <p:cNvGrpSpPr/>
-            <p:nvPr/>
-          </p:nvGrpSpPr>
-          <p:grpSpPr>
-            <a:xfrm>
-              <a:off x="1710823" y="4109934"/>
-              <a:ext cx="301660" cy="488662"/>
-              <a:chOff x="1824070" y="3016190"/>
-              <a:chExt cx="301660" cy="488662"/>
-            </a:xfrm>
-          </p:grpSpPr>
-          <p:sp>
-            <p:nvSpPr>
-              <p:cNvPr id="70" name="Oval 69"/>
-              <p:cNvSpPr/>
-              <p:nvPr/>
-            </p:nvSpPr>
-            <p:spPr>
-              <a:xfrm>
-                <a:off x="1941350" y="3442688"/>
-                <a:ext cx="61377" cy="62164"/>
-              </a:xfrm>
-              <a:prstGeom prst="ellipse">
-                <a:avLst/>
-              </a:prstGeom>
-              <a:solidFill>
-                <a:srgbClr val="FF0000"/>
-              </a:solidFill>
-              <a:ln>
-                <a:solidFill>
-                  <a:srgbClr val="FF0000"/>
-                </a:solidFill>
-              </a:ln>
-            </p:spPr>
-            <p:style>
-              <a:lnRef idx="1">
-                <a:schemeClr val="accent1"/>
-              </a:lnRef>
-              <a:fillRef idx="3">
-                <a:schemeClr val="accent1"/>
-              </a:fillRef>
-              <a:effectRef idx="2">
-                <a:schemeClr val="accent1"/>
-              </a:effectRef>
-              <a:fontRef idx="minor">
-                <a:schemeClr val="lt1"/>
-              </a:fontRef>
-            </p:style>
-            <p:txBody>
-              <a:bodyPr rtlCol="0" anchor="ctr"/>
-              <a:lstStyle/>
-              <a:p>
-                <a:pPr algn="ctr"/>
-                <a:endParaRPr lang="en-US"/>
-              </a:p>
-            </p:txBody>
-          </p:sp>
-          <p:sp>
-            <p:nvSpPr>
-              <p:cNvPr id="71" name="TextBox 70"/>
-              <p:cNvSpPr txBox="1"/>
-              <p:nvPr/>
-            </p:nvSpPr>
-            <p:spPr>
-              <a:xfrm>
-                <a:off x="1824070" y="3016190"/>
-                <a:ext cx="301660" cy="369332"/>
-              </a:xfrm>
-              <a:prstGeom prst="rect">
-                <a:avLst/>
-              </a:prstGeom>
-              <a:noFill/>
-            </p:spPr>
-            <p:txBody>
-              <a:bodyPr wrap="none" rtlCol="0">
-                <a:spAutoFit/>
-              </a:bodyPr>
-              <a:lstStyle/>
-              <a:p>
-                <a:r>
-                  <a:rPr lang="en-US" dirty="0">
-                    <a:solidFill>
-                      <a:schemeClr val="bg1"/>
-                    </a:solidFill>
-                  </a:rPr>
-                  <a:t>4</a:t>
-                </a:r>
-              </a:p>
-            </p:txBody>
-          </p:sp>
-        </p:grpSp>
-        <p:grpSp>
-          <p:nvGrpSpPr>
-            <p:cNvPr id="67" name="Group 66"/>
-            <p:cNvGrpSpPr/>
-            <p:nvPr/>
-          </p:nvGrpSpPr>
-          <p:grpSpPr>
-            <a:xfrm>
-              <a:off x="5726764" y="4050772"/>
-              <a:ext cx="301660" cy="448253"/>
-              <a:chOff x="2245096" y="2963273"/>
-              <a:chExt cx="301660" cy="448253"/>
-            </a:xfrm>
-          </p:grpSpPr>
-          <p:sp>
-            <p:nvSpPr>
-              <p:cNvPr id="68" name="Oval 67"/>
-              <p:cNvSpPr/>
-              <p:nvPr/>
-            </p:nvSpPr>
-            <p:spPr>
-              <a:xfrm>
-                <a:off x="2377770" y="3349362"/>
-                <a:ext cx="61377" cy="62164"/>
-              </a:xfrm>
-              <a:prstGeom prst="ellipse">
-                <a:avLst/>
-              </a:prstGeom>
-              <a:solidFill>
-                <a:srgbClr val="FF0000"/>
-              </a:solidFill>
-              <a:ln>
-                <a:solidFill>
-                  <a:srgbClr val="FF0000"/>
-                </a:solidFill>
-              </a:ln>
-            </p:spPr>
-            <p:style>
-              <a:lnRef idx="1">
-                <a:schemeClr val="accent1"/>
-              </a:lnRef>
-              <a:fillRef idx="3">
-                <a:schemeClr val="accent1"/>
-              </a:fillRef>
-              <a:effectRef idx="2">
-                <a:schemeClr val="accent1"/>
-              </a:effectRef>
-              <a:fontRef idx="minor">
-                <a:schemeClr val="lt1"/>
-              </a:fontRef>
-            </p:style>
-            <p:txBody>
-              <a:bodyPr rtlCol="0" anchor="ctr"/>
-              <a:lstStyle/>
-              <a:p>
-                <a:pPr algn="ctr"/>
-                <a:endParaRPr lang="en-US"/>
-              </a:p>
-            </p:txBody>
-          </p:sp>
-          <p:sp>
-            <p:nvSpPr>
-              <p:cNvPr id="69" name="TextBox 68"/>
-              <p:cNvSpPr txBox="1"/>
-              <p:nvPr/>
-            </p:nvSpPr>
-            <p:spPr>
-              <a:xfrm>
-                <a:off x="2245096" y="2963273"/>
-                <a:ext cx="301660" cy="369332"/>
-              </a:xfrm>
-              <a:prstGeom prst="rect">
-                <a:avLst/>
-              </a:prstGeom>
-              <a:noFill/>
-            </p:spPr>
-            <p:txBody>
-              <a:bodyPr wrap="none" rtlCol="0">
-                <a:spAutoFit/>
-              </a:bodyPr>
-              <a:lstStyle/>
-              <a:p>
-                <a:r>
-                  <a:rPr lang="en-US" dirty="0">
-                    <a:solidFill>
-                      <a:schemeClr val="bg1"/>
-                    </a:solidFill>
-                  </a:rPr>
-                  <a:t>4</a:t>
-                </a:r>
-              </a:p>
-            </p:txBody>
-          </p:sp>
-        </p:grpSp>
-      </p:grpSp>
-      <p:grpSp>
-        <p:nvGrpSpPr>
-          <p:cNvPr id="72" name="Group 71"/>
-          <p:cNvGrpSpPr/>
-          <p:nvPr/>
-        </p:nvGrpSpPr>
-        <p:grpSpPr>
-          <a:xfrm>
-            <a:off x="1517871" y="4723677"/>
-            <a:ext cx="4237473" cy="616118"/>
-            <a:chOff x="1724535" y="3982478"/>
-            <a:chExt cx="4237473" cy="616118"/>
-          </a:xfrm>
-        </p:grpSpPr>
-        <p:grpSp>
-          <p:nvGrpSpPr>
-            <p:cNvPr id="73" name="Group 72"/>
-            <p:cNvGrpSpPr/>
-            <p:nvPr/>
-          </p:nvGrpSpPr>
-          <p:grpSpPr>
-            <a:xfrm>
-              <a:off x="1724535" y="4048358"/>
-              <a:ext cx="301660" cy="550238"/>
-              <a:chOff x="1837782" y="2954614"/>
-              <a:chExt cx="301660" cy="550238"/>
-            </a:xfrm>
-          </p:grpSpPr>
-          <p:sp>
-            <p:nvSpPr>
-              <p:cNvPr id="77" name="Oval 76"/>
-              <p:cNvSpPr/>
-              <p:nvPr/>
-            </p:nvSpPr>
-            <p:spPr>
-              <a:xfrm>
-                <a:off x="1941350" y="3442688"/>
-                <a:ext cx="61377" cy="62164"/>
-              </a:xfrm>
-              <a:prstGeom prst="ellipse">
-                <a:avLst/>
-              </a:prstGeom>
-              <a:solidFill>
-                <a:srgbClr val="FF0000"/>
-              </a:solidFill>
-              <a:ln>
-                <a:solidFill>
-                  <a:srgbClr val="FF0000"/>
-                </a:solidFill>
-              </a:ln>
-            </p:spPr>
-            <p:style>
-              <a:lnRef idx="1">
-                <a:schemeClr val="accent1"/>
-              </a:lnRef>
-              <a:fillRef idx="3">
-                <a:schemeClr val="accent1"/>
-              </a:fillRef>
-              <a:effectRef idx="2">
-                <a:schemeClr val="accent1"/>
-              </a:effectRef>
-              <a:fontRef idx="minor">
-                <a:schemeClr val="lt1"/>
-              </a:fontRef>
-            </p:style>
-            <p:txBody>
-              <a:bodyPr rtlCol="0" anchor="ctr"/>
-              <a:lstStyle/>
-              <a:p>
-                <a:pPr algn="ctr"/>
-                <a:endParaRPr lang="en-US"/>
-              </a:p>
-            </p:txBody>
-          </p:sp>
-          <p:sp>
-            <p:nvSpPr>
-              <p:cNvPr id="78" name="TextBox 77"/>
-              <p:cNvSpPr txBox="1"/>
-              <p:nvPr/>
-            </p:nvSpPr>
-            <p:spPr>
-              <a:xfrm>
-                <a:off x="1837782" y="2954614"/>
-                <a:ext cx="301660" cy="369332"/>
-              </a:xfrm>
-              <a:prstGeom prst="rect">
-                <a:avLst/>
-              </a:prstGeom>
-              <a:noFill/>
-            </p:spPr>
-            <p:txBody>
-              <a:bodyPr wrap="none" rtlCol="0">
-                <a:spAutoFit/>
-              </a:bodyPr>
-              <a:lstStyle/>
-              <a:p>
-                <a:r>
-                  <a:rPr lang="en-US" dirty="0">
-                    <a:solidFill>
-                      <a:schemeClr val="bg1"/>
-                    </a:solidFill>
-                  </a:rPr>
-                  <a:t>5</a:t>
-                </a:r>
-              </a:p>
-            </p:txBody>
-          </p:sp>
-        </p:grpSp>
-        <p:grpSp>
-          <p:nvGrpSpPr>
-            <p:cNvPr id="74" name="Group 73"/>
-            <p:cNvGrpSpPr/>
-            <p:nvPr/>
-          </p:nvGrpSpPr>
-          <p:grpSpPr>
-            <a:xfrm>
-              <a:off x="5660348" y="3982478"/>
-              <a:ext cx="301660" cy="511753"/>
-              <a:chOff x="2178680" y="2894979"/>
-              <a:chExt cx="301660" cy="511753"/>
-            </a:xfrm>
-          </p:grpSpPr>
-          <p:sp>
-            <p:nvSpPr>
-              <p:cNvPr id="75" name="Oval 74"/>
-              <p:cNvSpPr/>
-              <p:nvPr/>
-            </p:nvSpPr>
-            <p:spPr>
-              <a:xfrm>
-                <a:off x="2311354" y="3344568"/>
-                <a:ext cx="61377" cy="62164"/>
-              </a:xfrm>
-              <a:prstGeom prst="ellipse">
-                <a:avLst/>
-              </a:prstGeom>
-              <a:solidFill>
-                <a:srgbClr val="FF0000"/>
-              </a:solidFill>
-              <a:ln>
-                <a:solidFill>
-                  <a:srgbClr val="FF0000"/>
-                </a:solidFill>
-              </a:ln>
-            </p:spPr>
-            <p:style>
-              <a:lnRef idx="1">
-                <a:schemeClr val="accent1"/>
-              </a:lnRef>
-              <a:fillRef idx="3">
-                <a:schemeClr val="accent1"/>
-              </a:fillRef>
-              <a:effectRef idx="2">
-                <a:schemeClr val="accent1"/>
-              </a:effectRef>
-              <a:fontRef idx="minor">
-                <a:schemeClr val="lt1"/>
-              </a:fontRef>
-            </p:style>
-            <p:txBody>
-              <a:bodyPr rtlCol="0" anchor="ctr"/>
-              <a:lstStyle/>
-              <a:p>
-                <a:pPr algn="ctr"/>
-                <a:endParaRPr lang="en-US"/>
-              </a:p>
-            </p:txBody>
-          </p:sp>
-          <p:sp>
-            <p:nvSpPr>
-              <p:cNvPr id="76" name="TextBox 75"/>
-              <p:cNvSpPr txBox="1"/>
-              <p:nvPr/>
-            </p:nvSpPr>
-            <p:spPr>
-              <a:xfrm>
-                <a:off x="2178680" y="2894979"/>
-                <a:ext cx="301660" cy="369332"/>
-              </a:xfrm>
-              <a:prstGeom prst="rect">
-                <a:avLst/>
-              </a:prstGeom>
-              <a:noFill/>
-            </p:spPr>
-            <p:txBody>
-              <a:bodyPr wrap="none" rtlCol="0">
-                <a:spAutoFit/>
-              </a:bodyPr>
-              <a:lstStyle/>
-              <a:p>
-                <a:r>
-                  <a:rPr lang="en-US" dirty="0">
-                    <a:solidFill>
-                      <a:schemeClr val="bg1"/>
-                    </a:solidFill>
-                  </a:rPr>
-                  <a:t>5</a:t>
-                </a:r>
-              </a:p>
-            </p:txBody>
-          </p:sp>
-        </p:grpSp>
-      </p:grpSp>
-      <p:grpSp>
-        <p:nvGrpSpPr>
-          <p:cNvPr id="79" name="Group 78"/>
-          <p:cNvGrpSpPr/>
-          <p:nvPr/>
-        </p:nvGrpSpPr>
-        <p:grpSpPr>
-          <a:xfrm>
-            <a:off x="1070437" y="5456372"/>
-            <a:ext cx="4443062" cy="579574"/>
-            <a:chOff x="1710823" y="4019022"/>
-            <a:chExt cx="4443062" cy="579574"/>
-          </a:xfrm>
-        </p:grpSpPr>
-        <p:grpSp>
-          <p:nvGrpSpPr>
-            <p:cNvPr id="80" name="Group 79"/>
-            <p:cNvGrpSpPr/>
-            <p:nvPr/>
-          </p:nvGrpSpPr>
-          <p:grpSpPr>
-            <a:xfrm>
-              <a:off x="1710823" y="4048358"/>
-              <a:ext cx="301660" cy="550238"/>
-              <a:chOff x="1824070" y="2954614"/>
-              <a:chExt cx="301660" cy="550238"/>
-            </a:xfrm>
-          </p:grpSpPr>
-          <p:sp>
-            <p:nvSpPr>
-              <p:cNvPr id="84" name="Oval 83"/>
-              <p:cNvSpPr/>
-              <p:nvPr/>
-            </p:nvSpPr>
-            <p:spPr>
-              <a:xfrm>
-                <a:off x="1941350" y="3442688"/>
-                <a:ext cx="61377" cy="62164"/>
-              </a:xfrm>
-              <a:prstGeom prst="ellipse">
-                <a:avLst/>
-              </a:prstGeom>
-              <a:solidFill>
-                <a:srgbClr val="FF0000"/>
-              </a:solidFill>
-              <a:ln>
-                <a:solidFill>
-                  <a:srgbClr val="FF0000"/>
-                </a:solidFill>
-              </a:ln>
-            </p:spPr>
-            <p:style>
-              <a:lnRef idx="1">
-                <a:schemeClr val="accent1"/>
-              </a:lnRef>
-              <a:fillRef idx="3">
-                <a:schemeClr val="accent1"/>
-              </a:fillRef>
-              <a:effectRef idx="2">
-                <a:schemeClr val="accent1"/>
-              </a:effectRef>
-              <a:fontRef idx="minor">
-                <a:schemeClr val="lt1"/>
-              </a:fontRef>
-            </p:style>
-            <p:txBody>
-              <a:bodyPr rtlCol="0" anchor="ctr"/>
-              <a:lstStyle/>
-              <a:p>
-                <a:pPr algn="ctr"/>
-                <a:endParaRPr lang="en-US"/>
-              </a:p>
-            </p:txBody>
-          </p:sp>
-          <p:sp>
-            <p:nvSpPr>
-              <p:cNvPr id="85" name="TextBox 84"/>
-              <p:cNvSpPr txBox="1"/>
-              <p:nvPr/>
-            </p:nvSpPr>
-            <p:spPr>
-              <a:xfrm>
-                <a:off x="1824070" y="2954614"/>
-                <a:ext cx="301660" cy="369332"/>
-              </a:xfrm>
-              <a:prstGeom prst="rect">
-                <a:avLst/>
-              </a:prstGeom>
-              <a:noFill/>
-            </p:spPr>
-            <p:txBody>
-              <a:bodyPr wrap="none" rtlCol="0">
-                <a:spAutoFit/>
-              </a:bodyPr>
-              <a:lstStyle/>
-              <a:p>
-                <a:r>
-                  <a:rPr lang="en-US" dirty="0">
-                    <a:solidFill>
-                      <a:schemeClr val="bg1"/>
-                    </a:solidFill>
-                  </a:rPr>
-                  <a:t>6</a:t>
-                </a:r>
-              </a:p>
-            </p:txBody>
-          </p:sp>
-        </p:grpSp>
-        <p:grpSp>
-          <p:nvGrpSpPr>
-            <p:cNvPr id="81" name="Group 80"/>
-            <p:cNvGrpSpPr/>
-            <p:nvPr/>
-          </p:nvGrpSpPr>
-          <p:grpSpPr>
-            <a:xfrm>
-              <a:off x="5852225" y="4019022"/>
-              <a:ext cx="301660" cy="511753"/>
-              <a:chOff x="2370557" y="2931523"/>
-              <a:chExt cx="301660" cy="511753"/>
-            </a:xfrm>
-          </p:grpSpPr>
-          <p:sp>
-            <p:nvSpPr>
-              <p:cNvPr id="82" name="Oval 81"/>
-              <p:cNvSpPr/>
-              <p:nvPr/>
-            </p:nvSpPr>
-            <p:spPr>
-              <a:xfrm>
-                <a:off x="2503231" y="3381112"/>
-                <a:ext cx="61377" cy="62164"/>
-              </a:xfrm>
-              <a:prstGeom prst="ellipse">
-                <a:avLst/>
-              </a:prstGeom>
-              <a:solidFill>
-                <a:srgbClr val="FF0000"/>
-              </a:solidFill>
-              <a:ln>
-                <a:solidFill>
-                  <a:srgbClr val="FF0000"/>
-                </a:solidFill>
-              </a:ln>
-            </p:spPr>
-            <p:style>
-              <a:lnRef idx="1">
-                <a:schemeClr val="accent1"/>
-              </a:lnRef>
-              <a:fillRef idx="3">
-                <a:schemeClr val="accent1"/>
-              </a:fillRef>
-              <a:effectRef idx="2">
-                <a:schemeClr val="accent1"/>
-              </a:effectRef>
-              <a:fontRef idx="minor">
-                <a:schemeClr val="lt1"/>
-              </a:fontRef>
-            </p:style>
-            <p:txBody>
-              <a:bodyPr rtlCol="0" anchor="ctr"/>
-              <a:lstStyle/>
-              <a:p>
-                <a:pPr algn="ctr"/>
-                <a:endParaRPr lang="en-US"/>
-              </a:p>
-            </p:txBody>
-          </p:sp>
-          <p:sp>
-            <p:nvSpPr>
-              <p:cNvPr id="83" name="TextBox 82"/>
-              <p:cNvSpPr txBox="1"/>
-              <p:nvPr/>
-            </p:nvSpPr>
-            <p:spPr>
-              <a:xfrm>
-                <a:off x="2370557" y="2931523"/>
-                <a:ext cx="301660" cy="369332"/>
-              </a:xfrm>
-              <a:prstGeom prst="rect">
-                <a:avLst/>
-              </a:prstGeom>
-              <a:noFill/>
-            </p:spPr>
-            <p:txBody>
-              <a:bodyPr wrap="none" rtlCol="0">
-                <a:spAutoFit/>
-              </a:bodyPr>
-              <a:lstStyle/>
-              <a:p>
-                <a:r>
-                  <a:rPr lang="en-US" dirty="0">
-                    <a:solidFill>
-                      <a:schemeClr val="bg1"/>
-                    </a:solidFill>
-                  </a:rPr>
-                  <a:t>6</a:t>
-                </a:r>
-              </a:p>
-            </p:txBody>
-          </p:sp>
-        </p:grpSp>
-      </p:grpSp>
-      <p:grpSp>
-        <p:nvGrpSpPr>
-          <p:cNvPr id="86" name="Group 85"/>
-          <p:cNvGrpSpPr/>
-          <p:nvPr/>
-        </p:nvGrpSpPr>
-        <p:grpSpPr>
-          <a:xfrm>
-            <a:off x="2257310" y="5685011"/>
-            <a:ext cx="3867431" cy="550238"/>
-            <a:chOff x="1710823" y="4048358"/>
-            <a:chExt cx="3867431" cy="550238"/>
-          </a:xfrm>
-        </p:grpSpPr>
-        <p:grpSp>
-          <p:nvGrpSpPr>
-            <p:cNvPr id="87" name="Group 86"/>
-            <p:cNvGrpSpPr/>
-            <p:nvPr/>
-          </p:nvGrpSpPr>
-          <p:grpSpPr>
-            <a:xfrm>
-              <a:off x="1710823" y="4048358"/>
-              <a:ext cx="301660" cy="550238"/>
-              <a:chOff x="1824070" y="2954614"/>
-              <a:chExt cx="301660" cy="550238"/>
-            </a:xfrm>
-          </p:grpSpPr>
-          <p:sp>
-            <p:nvSpPr>
-              <p:cNvPr id="91" name="Oval 90"/>
-              <p:cNvSpPr/>
-              <p:nvPr/>
-            </p:nvSpPr>
-            <p:spPr>
-              <a:xfrm>
-                <a:off x="1941350" y="3442688"/>
-                <a:ext cx="61377" cy="62164"/>
-              </a:xfrm>
-              <a:prstGeom prst="ellipse">
-                <a:avLst/>
-              </a:prstGeom>
-              <a:solidFill>
-                <a:srgbClr val="FF0000"/>
-              </a:solidFill>
-              <a:ln>
-                <a:solidFill>
-                  <a:srgbClr val="FF0000"/>
-                </a:solidFill>
-              </a:ln>
-            </p:spPr>
-            <p:style>
-              <a:lnRef idx="1">
-                <a:schemeClr val="accent1"/>
-              </a:lnRef>
-              <a:fillRef idx="3">
-                <a:schemeClr val="accent1"/>
-              </a:fillRef>
-              <a:effectRef idx="2">
-                <a:schemeClr val="accent1"/>
-              </a:effectRef>
-              <a:fontRef idx="minor">
-                <a:schemeClr val="lt1"/>
-              </a:fontRef>
-            </p:style>
-            <p:txBody>
-              <a:bodyPr rtlCol="0" anchor="ctr"/>
-              <a:lstStyle/>
-              <a:p>
-                <a:pPr algn="ctr"/>
-                <a:endParaRPr lang="en-US"/>
-              </a:p>
-            </p:txBody>
-          </p:sp>
-          <p:sp>
-            <p:nvSpPr>
-              <p:cNvPr id="92" name="TextBox 91"/>
-              <p:cNvSpPr txBox="1"/>
-              <p:nvPr/>
-            </p:nvSpPr>
-            <p:spPr>
-              <a:xfrm>
-                <a:off x="1824070" y="2954614"/>
-                <a:ext cx="301660" cy="369332"/>
-              </a:xfrm>
-              <a:prstGeom prst="rect">
-                <a:avLst/>
-              </a:prstGeom>
-              <a:noFill/>
-            </p:spPr>
-            <p:txBody>
-              <a:bodyPr wrap="none" rtlCol="0">
-                <a:spAutoFit/>
-              </a:bodyPr>
-              <a:lstStyle/>
-              <a:p>
-                <a:r>
-                  <a:rPr lang="en-US" dirty="0">
-                    <a:solidFill>
-                      <a:schemeClr val="bg1"/>
-                    </a:solidFill>
-                  </a:rPr>
-                  <a:t>7</a:t>
-                </a:r>
-              </a:p>
-            </p:txBody>
-          </p:sp>
-        </p:grpSp>
-        <p:grpSp>
-          <p:nvGrpSpPr>
-            <p:cNvPr id="88" name="Group 87"/>
-            <p:cNvGrpSpPr/>
-            <p:nvPr/>
-          </p:nvGrpSpPr>
-          <p:grpSpPr>
-            <a:xfrm>
-              <a:off x="5276594" y="4055566"/>
-              <a:ext cx="301660" cy="511753"/>
-              <a:chOff x="1794926" y="2968067"/>
-              <a:chExt cx="301660" cy="511753"/>
-            </a:xfrm>
-          </p:grpSpPr>
-          <p:sp>
-            <p:nvSpPr>
-              <p:cNvPr id="89" name="Oval 88"/>
-              <p:cNvSpPr/>
-              <p:nvPr/>
-            </p:nvSpPr>
-            <p:spPr>
-              <a:xfrm>
-                <a:off x="1927600" y="3417656"/>
-                <a:ext cx="61377" cy="62164"/>
-              </a:xfrm>
-              <a:prstGeom prst="ellipse">
-                <a:avLst/>
-              </a:prstGeom>
-              <a:solidFill>
-                <a:srgbClr val="FF0000"/>
-              </a:solidFill>
-              <a:ln>
-                <a:solidFill>
-                  <a:srgbClr val="FF0000"/>
-                </a:solidFill>
-              </a:ln>
-            </p:spPr>
-            <p:style>
-              <a:lnRef idx="1">
-                <a:schemeClr val="accent1"/>
-              </a:lnRef>
-              <a:fillRef idx="3">
-                <a:schemeClr val="accent1"/>
-              </a:fillRef>
-              <a:effectRef idx="2">
-                <a:schemeClr val="accent1"/>
-              </a:effectRef>
-              <a:fontRef idx="minor">
-                <a:schemeClr val="lt1"/>
-              </a:fontRef>
-            </p:style>
-            <p:txBody>
-              <a:bodyPr rtlCol="0" anchor="ctr"/>
-              <a:lstStyle/>
-              <a:p>
-                <a:pPr algn="ctr"/>
-                <a:endParaRPr lang="en-US"/>
-              </a:p>
-            </p:txBody>
-          </p:sp>
-          <p:sp>
-            <p:nvSpPr>
-              <p:cNvPr id="90" name="TextBox 89"/>
-              <p:cNvSpPr txBox="1"/>
-              <p:nvPr/>
-            </p:nvSpPr>
-            <p:spPr>
-              <a:xfrm>
-                <a:off x="1794926" y="2968067"/>
-                <a:ext cx="301660" cy="369332"/>
-              </a:xfrm>
-              <a:prstGeom prst="rect">
-                <a:avLst/>
-              </a:prstGeom>
-              <a:noFill/>
-            </p:spPr>
-            <p:txBody>
-              <a:bodyPr wrap="none" rtlCol="0">
-                <a:spAutoFit/>
-              </a:bodyPr>
-              <a:lstStyle/>
-              <a:p>
-                <a:r>
-                  <a:rPr lang="en-US" dirty="0">
-                    <a:solidFill>
-                      <a:schemeClr val="bg1"/>
-                    </a:solidFill>
-                  </a:rPr>
-                  <a:t>7</a:t>
-                </a:r>
-              </a:p>
-            </p:txBody>
-          </p:sp>
-        </p:grpSp>
-      </p:grpSp>
-      <p:grpSp>
-        <p:nvGrpSpPr>
-          <p:cNvPr id="93" name="Group 92"/>
-          <p:cNvGrpSpPr/>
-          <p:nvPr/>
-        </p:nvGrpSpPr>
-        <p:grpSpPr>
-          <a:xfrm>
-            <a:off x="3426204" y="5395224"/>
-            <a:ext cx="4433925" cy="637729"/>
-            <a:chOff x="1710823" y="4048358"/>
-            <a:chExt cx="4433925" cy="637729"/>
-          </a:xfrm>
-        </p:grpSpPr>
-        <p:grpSp>
-          <p:nvGrpSpPr>
-            <p:cNvPr id="94" name="Group 93"/>
-            <p:cNvGrpSpPr/>
-            <p:nvPr/>
-          </p:nvGrpSpPr>
-          <p:grpSpPr>
-            <a:xfrm>
-              <a:off x="1710823" y="4048358"/>
-              <a:ext cx="301660" cy="550238"/>
-              <a:chOff x="1824070" y="2954614"/>
-              <a:chExt cx="301660" cy="550238"/>
-            </a:xfrm>
-          </p:grpSpPr>
-          <p:sp>
-            <p:nvSpPr>
-              <p:cNvPr id="98" name="Oval 97"/>
-              <p:cNvSpPr/>
-              <p:nvPr/>
-            </p:nvSpPr>
-            <p:spPr>
-              <a:xfrm>
-                <a:off x="1941350" y="3442688"/>
-                <a:ext cx="61377" cy="62164"/>
-              </a:xfrm>
-              <a:prstGeom prst="ellipse">
-                <a:avLst/>
-              </a:prstGeom>
-              <a:solidFill>
-                <a:srgbClr val="FF0000"/>
-              </a:solidFill>
-              <a:ln>
-                <a:solidFill>
-                  <a:srgbClr val="FF0000"/>
-                </a:solidFill>
-              </a:ln>
-            </p:spPr>
-            <p:style>
-              <a:lnRef idx="1">
-                <a:schemeClr val="accent1"/>
-              </a:lnRef>
-              <a:fillRef idx="3">
-                <a:schemeClr val="accent1"/>
-              </a:fillRef>
-              <a:effectRef idx="2">
-                <a:schemeClr val="accent1"/>
-              </a:effectRef>
-              <a:fontRef idx="minor">
-                <a:schemeClr val="lt1"/>
-              </a:fontRef>
-            </p:style>
-            <p:txBody>
-              <a:bodyPr rtlCol="0" anchor="ctr"/>
-              <a:lstStyle/>
-              <a:p>
-                <a:pPr algn="ctr"/>
-                <a:endParaRPr lang="en-US"/>
-              </a:p>
-            </p:txBody>
-          </p:sp>
-          <p:sp>
-            <p:nvSpPr>
-              <p:cNvPr id="99" name="TextBox 98"/>
-              <p:cNvSpPr txBox="1"/>
-              <p:nvPr/>
-            </p:nvSpPr>
-            <p:spPr>
-              <a:xfrm>
-                <a:off x="1824070" y="2954614"/>
-                <a:ext cx="301660" cy="369332"/>
-              </a:xfrm>
-              <a:prstGeom prst="rect">
-                <a:avLst/>
-              </a:prstGeom>
-              <a:noFill/>
-            </p:spPr>
-            <p:txBody>
-              <a:bodyPr wrap="none" rtlCol="0">
-                <a:spAutoFit/>
-              </a:bodyPr>
-              <a:lstStyle/>
-              <a:p>
-                <a:r>
-                  <a:rPr lang="en-US" dirty="0">
-                    <a:solidFill>
-                      <a:schemeClr val="bg1"/>
-                    </a:solidFill>
-                  </a:rPr>
-                  <a:t>8</a:t>
-                </a:r>
-              </a:p>
-            </p:txBody>
-          </p:sp>
-        </p:grpSp>
-        <p:grpSp>
-          <p:nvGrpSpPr>
-            <p:cNvPr id="95" name="Group 94"/>
-            <p:cNvGrpSpPr/>
-            <p:nvPr/>
-          </p:nvGrpSpPr>
-          <p:grpSpPr>
-            <a:xfrm>
-              <a:off x="5843088" y="4174334"/>
-              <a:ext cx="301660" cy="511753"/>
-              <a:chOff x="2361420" y="3086835"/>
-              <a:chExt cx="301660" cy="511753"/>
-            </a:xfrm>
-          </p:grpSpPr>
-          <p:sp>
-            <p:nvSpPr>
-              <p:cNvPr id="96" name="Oval 95"/>
-              <p:cNvSpPr/>
-              <p:nvPr/>
-            </p:nvSpPr>
-            <p:spPr>
-              <a:xfrm>
-                <a:off x="2494094" y="3536424"/>
-                <a:ext cx="61377" cy="62164"/>
-              </a:xfrm>
-              <a:prstGeom prst="ellipse">
-                <a:avLst/>
-              </a:prstGeom>
-              <a:solidFill>
-                <a:srgbClr val="FF0000"/>
-              </a:solidFill>
-              <a:ln>
-                <a:solidFill>
-                  <a:srgbClr val="FF0000"/>
-                </a:solidFill>
-              </a:ln>
-            </p:spPr>
-            <p:style>
-              <a:lnRef idx="1">
-                <a:schemeClr val="accent1"/>
-              </a:lnRef>
-              <a:fillRef idx="3">
-                <a:schemeClr val="accent1"/>
-              </a:fillRef>
-              <a:effectRef idx="2">
-                <a:schemeClr val="accent1"/>
-              </a:effectRef>
-              <a:fontRef idx="minor">
-                <a:schemeClr val="lt1"/>
-              </a:fontRef>
-            </p:style>
-            <p:txBody>
-              <a:bodyPr rtlCol="0" anchor="ctr"/>
-              <a:lstStyle/>
-              <a:p>
-                <a:pPr algn="ctr"/>
-                <a:endParaRPr lang="en-US"/>
-              </a:p>
-            </p:txBody>
-          </p:sp>
-          <p:sp>
-            <p:nvSpPr>
-              <p:cNvPr id="97" name="TextBox 96"/>
-              <p:cNvSpPr txBox="1"/>
-              <p:nvPr/>
-            </p:nvSpPr>
-            <p:spPr>
-              <a:xfrm>
-                <a:off x="2361420" y="3086835"/>
-                <a:ext cx="301660" cy="369332"/>
-              </a:xfrm>
-              <a:prstGeom prst="rect">
-                <a:avLst/>
-              </a:prstGeom>
-              <a:noFill/>
-            </p:spPr>
-            <p:txBody>
-              <a:bodyPr wrap="none" rtlCol="0">
-                <a:spAutoFit/>
-              </a:bodyPr>
-              <a:lstStyle/>
-              <a:p>
-                <a:r>
-                  <a:rPr lang="en-US" dirty="0">
-                    <a:solidFill>
-                      <a:schemeClr val="bg1"/>
-                    </a:solidFill>
-                  </a:rPr>
-                  <a:t>8</a:t>
-                </a:r>
-              </a:p>
-            </p:txBody>
-          </p:sp>
-        </p:grpSp>
-      </p:grpSp>
-      <p:grpSp>
-        <p:nvGrpSpPr>
-          <p:cNvPr id="100" name="Group 99"/>
-          <p:cNvGrpSpPr/>
-          <p:nvPr/>
-        </p:nvGrpSpPr>
-        <p:grpSpPr>
-          <a:xfrm>
-            <a:off x="2858387" y="4818893"/>
-            <a:ext cx="4114130" cy="550238"/>
-            <a:chOff x="1710823" y="4048358"/>
-            <a:chExt cx="4114130" cy="550238"/>
-          </a:xfrm>
-        </p:grpSpPr>
-        <p:grpSp>
-          <p:nvGrpSpPr>
-            <p:cNvPr id="101" name="Group 100"/>
-            <p:cNvGrpSpPr/>
-            <p:nvPr/>
-          </p:nvGrpSpPr>
-          <p:grpSpPr>
-            <a:xfrm>
-              <a:off x="1710823" y="4048358"/>
-              <a:ext cx="301660" cy="550238"/>
-              <a:chOff x="1824070" y="2954614"/>
-              <a:chExt cx="301660" cy="550238"/>
-            </a:xfrm>
-          </p:grpSpPr>
-          <p:sp>
-            <p:nvSpPr>
-              <p:cNvPr id="105" name="Oval 104"/>
-              <p:cNvSpPr/>
-              <p:nvPr/>
-            </p:nvSpPr>
-            <p:spPr>
-              <a:xfrm>
-                <a:off x="1941350" y="3442688"/>
-                <a:ext cx="61377" cy="62164"/>
-              </a:xfrm>
-              <a:prstGeom prst="ellipse">
-                <a:avLst/>
-              </a:prstGeom>
-              <a:solidFill>
-                <a:srgbClr val="FF0000"/>
-              </a:solidFill>
-              <a:ln>
-                <a:solidFill>
-                  <a:srgbClr val="FF0000"/>
-                </a:solidFill>
-              </a:ln>
-            </p:spPr>
-            <p:style>
-              <a:lnRef idx="1">
-                <a:schemeClr val="accent1"/>
-              </a:lnRef>
-              <a:fillRef idx="3">
-                <a:schemeClr val="accent1"/>
-              </a:fillRef>
-              <a:effectRef idx="2">
-                <a:schemeClr val="accent1"/>
-              </a:effectRef>
-              <a:fontRef idx="minor">
-                <a:schemeClr val="lt1"/>
-              </a:fontRef>
-            </p:style>
-            <p:txBody>
-              <a:bodyPr rtlCol="0" anchor="ctr"/>
-              <a:lstStyle/>
-              <a:p>
-                <a:pPr algn="ctr"/>
-                <a:endParaRPr lang="en-US"/>
-              </a:p>
-            </p:txBody>
-          </p:sp>
-          <p:sp>
-            <p:nvSpPr>
-              <p:cNvPr id="106" name="TextBox 105"/>
-              <p:cNvSpPr txBox="1"/>
-              <p:nvPr/>
-            </p:nvSpPr>
-            <p:spPr>
-              <a:xfrm>
-                <a:off x="1824070" y="2954614"/>
-                <a:ext cx="301660" cy="369332"/>
-              </a:xfrm>
-              <a:prstGeom prst="rect">
-                <a:avLst/>
-              </a:prstGeom>
-              <a:noFill/>
-            </p:spPr>
-            <p:txBody>
-              <a:bodyPr wrap="none" rtlCol="0">
-                <a:spAutoFit/>
-              </a:bodyPr>
-              <a:lstStyle/>
-              <a:p>
-                <a:r>
-                  <a:rPr lang="en-US" dirty="0">
-                    <a:solidFill>
-                      <a:schemeClr val="bg1"/>
-                    </a:solidFill>
-                  </a:rPr>
-                  <a:t>9</a:t>
-                </a:r>
-              </a:p>
-            </p:txBody>
-          </p:sp>
-        </p:grpSp>
-        <p:grpSp>
-          <p:nvGrpSpPr>
-            <p:cNvPr id="102" name="Group 101"/>
-            <p:cNvGrpSpPr/>
-            <p:nvPr/>
-          </p:nvGrpSpPr>
-          <p:grpSpPr>
-            <a:xfrm>
-              <a:off x="5523293" y="4082974"/>
-              <a:ext cx="301660" cy="511753"/>
-              <a:chOff x="2041625" y="2995475"/>
-              <a:chExt cx="301660" cy="511753"/>
-            </a:xfrm>
-          </p:grpSpPr>
-          <p:sp>
-            <p:nvSpPr>
-              <p:cNvPr id="103" name="Oval 102"/>
-              <p:cNvSpPr/>
-              <p:nvPr/>
-            </p:nvSpPr>
-            <p:spPr>
-              <a:xfrm>
-                <a:off x="2174299" y="3445064"/>
-                <a:ext cx="61377" cy="62164"/>
-              </a:xfrm>
-              <a:prstGeom prst="ellipse">
-                <a:avLst/>
-              </a:prstGeom>
-              <a:solidFill>
-                <a:srgbClr val="FF0000"/>
-              </a:solidFill>
-              <a:ln>
-                <a:solidFill>
-                  <a:srgbClr val="FF0000"/>
-                </a:solidFill>
-              </a:ln>
-            </p:spPr>
-            <p:style>
-              <a:lnRef idx="1">
-                <a:schemeClr val="accent1"/>
-              </a:lnRef>
-              <a:fillRef idx="3">
-                <a:schemeClr val="accent1"/>
-              </a:fillRef>
-              <a:effectRef idx="2">
-                <a:schemeClr val="accent1"/>
-              </a:effectRef>
-              <a:fontRef idx="minor">
-                <a:schemeClr val="lt1"/>
-              </a:fontRef>
-            </p:style>
-            <p:txBody>
-              <a:bodyPr rtlCol="0" anchor="ctr"/>
-              <a:lstStyle/>
-              <a:p>
-                <a:pPr algn="ctr"/>
-                <a:endParaRPr lang="en-US"/>
-              </a:p>
-            </p:txBody>
-          </p:sp>
-          <p:sp>
-            <p:nvSpPr>
-              <p:cNvPr id="104" name="TextBox 103"/>
-              <p:cNvSpPr txBox="1"/>
-              <p:nvPr/>
-            </p:nvSpPr>
-            <p:spPr>
-              <a:xfrm>
-                <a:off x="2041625" y="2995475"/>
-                <a:ext cx="301660" cy="369332"/>
-              </a:xfrm>
-              <a:prstGeom prst="rect">
-                <a:avLst/>
-              </a:prstGeom>
-              <a:noFill/>
-            </p:spPr>
-            <p:txBody>
-              <a:bodyPr wrap="none" rtlCol="0">
-                <a:spAutoFit/>
-              </a:bodyPr>
-              <a:lstStyle/>
-              <a:p>
-                <a:r>
-                  <a:rPr lang="en-US" dirty="0">
-                    <a:solidFill>
-                      <a:schemeClr val="bg1"/>
-                    </a:solidFill>
-                  </a:rPr>
-                  <a:t>9</a:t>
-                </a:r>
-              </a:p>
-            </p:txBody>
-          </p:sp>
-        </p:grpSp>
-      </p:grpSp>
-    </p:spTree>
-    <p:extLst>
-      <p:ext uri="{BB962C8B-B14F-4D97-AF65-F5344CB8AC3E}">
-        <p14:creationId xmlns:p14="http://schemas.microsoft.com/office/powerpoint/2010/main" val="29341850"/>
-      </p:ext>
-    </p:extLst>
-  </p:cSld>
-  <p:clrMapOvr>
-    <a:masterClrMapping/>
-  </p:clrMapOvr>
-  <p:timing>
-    <p:tnLst>
-      <p:par>
-        <p:cTn id="1" dur="indefinite" restart="never" nodeType="tmRoot">
-          <p:childTnLst>
-            <p:seq concurrent="1" nextAc="seek">
-              <p:cTn id="2" dur="indefinite" nodeType="mainSeq">
-                <p:childTnLst>
-                  <p:par>
-                    <p:cTn id="3" fill="hold">
-                      <p:stCondLst>
-                        <p:cond delay="indefinite"/>
-                      </p:stCondLst>
-                      <p:childTnLst>
-                        <p:par>
-                          <p:cTn id="4" fill="hold">
-                            <p:stCondLst>
-                              <p:cond delay="0"/>
-                            </p:stCondLst>
-                            <p:childTnLst>
-                              <p:par>
-                                <p:cTn id="5" presetID="1" presetClass="entr" presetSubtype="0" fill="hold" nodeType="clickEffect">
-                                  <p:stCondLst>
-                                    <p:cond delay="0"/>
-                                  </p:stCondLst>
-                                  <p:childTnLst>
-                                    <p:set>
-                                      <p:cBhvr>
-                                        <p:cTn id="6" dur="1" fill="hold">
-                                          <p:stCondLst>
-                                            <p:cond delay="0"/>
-                                          </p:stCondLst>
-                                        </p:cTn>
-                                        <p:tgtEl>
-                                          <p:spTgt spid="40"/>
-                                        </p:tgtEl>
-                                        <p:attrNameLst>
-                                          <p:attrName>style.visibility</p:attrName>
-                                        </p:attrNameLst>
-                                      </p:cBhvr>
-                                      <p:to>
-                                        <p:strVal val="visible"/>
-                                      </p:to>
-                                    </p:set>
-                                  </p:childTnLst>
-                                </p:cTn>
-                              </p:par>
-                            </p:childTnLst>
-                          </p:cTn>
-                        </p:par>
-                      </p:childTnLst>
-                    </p:cTn>
-                  </p:par>
-                  <p:par>
-                    <p:cTn id="7" fill="hold">
-                      <p:stCondLst>
-                        <p:cond delay="indefinite"/>
-                      </p:stCondLst>
-                      <p:childTnLst>
-                        <p:par>
-                          <p:cTn id="8" fill="hold">
-                            <p:stCondLst>
-                              <p:cond delay="0"/>
-                            </p:stCondLst>
-                            <p:childTnLst>
-                              <p:par>
-                                <p:cTn id="9" presetID="1" presetClass="entr" presetSubtype="0" fill="hold" nodeType="clickEffect">
-                                  <p:stCondLst>
-                                    <p:cond delay="0"/>
-                                  </p:stCondLst>
-                                  <p:childTnLst>
-                                    <p:set>
-                                      <p:cBhvr>
-                                        <p:cTn id="10" dur="1" fill="hold">
-                                          <p:stCondLst>
-                                            <p:cond delay="0"/>
-                                          </p:stCondLst>
-                                        </p:cTn>
-                                        <p:tgtEl>
-                                          <p:spTgt spid="41"/>
-                                        </p:tgtEl>
-                                        <p:attrNameLst>
-                                          <p:attrName>style.visibility</p:attrName>
-                                        </p:attrNameLst>
-                                      </p:cBhvr>
-                                      <p:to>
-                                        <p:strVal val="visible"/>
-                                      </p:to>
-                                    </p:set>
-                                  </p:childTnLst>
-                                </p:cTn>
-                              </p:par>
-                            </p:childTnLst>
-                          </p:cTn>
-                        </p:par>
-                      </p:childTnLst>
-                    </p:cTn>
-                  </p:par>
-                  <p:par>
-                    <p:cTn id="11" fill="hold">
-                      <p:stCondLst>
-                        <p:cond delay="indefinite"/>
-                      </p:stCondLst>
-                      <p:childTnLst>
-                        <p:par>
-                          <p:cTn id="12" fill="hold">
-                            <p:stCondLst>
-                              <p:cond delay="0"/>
-                            </p:stCondLst>
-                            <p:childTnLst>
-                              <p:par>
-                                <p:cTn id="13" presetID="1" presetClass="entr" presetSubtype="0" fill="hold" nodeType="clickEffect">
-                                  <p:stCondLst>
-                                    <p:cond delay="0"/>
-                                  </p:stCondLst>
-                                  <p:childTnLst>
-                                    <p:set>
-                                      <p:cBhvr>
-                                        <p:cTn id="14" dur="1" fill="hold">
-                                          <p:stCondLst>
-                                            <p:cond delay="0"/>
-                                          </p:stCondLst>
-                                        </p:cTn>
-                                        <p:tgtEl>
-                                          <p:spTgt spid="49"/>
-                                        </p:tgtEl>
-                                        <p:attrNameLst>
-                                          <p:attrName>style.visibility</p:attrName>
-                                        </p:attrNameLst>
-                                      </p:cBhvr>
-                                      <p:to>
-                                        <p:strVal val="visible"/>
-                                      </p:to>
-                                    </p:set>
-                                  </p:childTnLst>
-                                </p:cTn>
-                              </p:par>
-                            </p:childTnLst>
-                          </p:cTn>
-                        </p:par>
-                      </p:childTnLst>
-                    </p:cTn>
-                  </p:par>
-                  <p:par>
-                    <p:cTn id="15" fill="hold">
-                      <p:stCondLst>
-                        <p:cond delay="indefinite"/>
-                      </p:stCondLst>
-                      <p:childTnLst>
-                        <p:par>
-                          <p:cTn id="16" fill="hold">
-                            <p:stCondLst>
-                              <p:cond delay="0"/>
-                            </p:stCondLst>
-                            <p:childTnLst>
-                              <p:par>
-                                <p:cTn id="17" presetID="1" presetClass="entr" presetSubtype="0" fill="hold" nodeType="clickEffect">
-                                  <p:stCondLst>
-                                    <p:cond delay="0"/>
-                                  </p:stCondLst>
-                                  <p:childTnLst>
-                                    <p:set>
-                                      <p:cBhvr>
-                                        <p:cTn id="18" dur="1" fill="hold">
-                                          <p:stCondLst>
-                                            <p:cond delay="0"/>
-                                          </p:stCondLst>
-                                        </p:cTn>
-                                        <p:tgtEl>
-                                          <p:spTgt spid="58"/>
-                                        </p:tgtEl>
-                                        <p:attrNameLst>
-                                          <p:attrName>style.visibility</p:attrName>
-                                        </p:attrNameLst>
-                                      </p:cBhvr>
-                                      <p:to>
-                                        <p:strVal val="visible"/>
-                                      </p:to>
-                                    </p:set>
-                                  </p:childTnLst>
-                                </p:cTn>
-                              </p:par>
-                            </p:childTnLst>
-                          </p:cTn>
-                        </p:par>
-                      </p:childTnLst>
-                    </p:cTn>
-                  </p:par>
-                  <p:par>
-                    <p:cTn id="19" fill="hold">
-                      <p:stCondLst>
-                        <p:cond delay="indefinite"/>
-                      </p:stCondLst>
-                      <p:childTnLst>
-                        <p:par>
-                          <p:cTn id="20" fill="hold">
-                            <p:stCondLst>
-                              <p:cond delay="0"/>
-                            </p:stCondLst>
-                            <p:childTnLst>
-                              <p:par>
-                                <p:cTn id="21" presetID="1" presetClass="entr" presetSubtype="0" fill="hold" nodeType="clickEffect">
-                                  <p:stCondLst>
-                                    <p:cond delay="0"/>
-                                  </p:stCondLst>
-                                  <p:childTnLst>
-                                    <p:set>
-                                      <p:cBhvr>
-                                        <p:cTn id="22" dur="1" fill="hold">
-                                          <p:stCondLst>
-                                            <p:cond delay="0"/>
-                                          </p:stCondLst>
-                                        </p:cTn>
-                                        <p:tgtEl>
-                                          <p:spTgt spid="65"/>
-                                        </p:tgtEl>
-                                        <p:attrNameLst>
-                                          <p:attrName>style.visibility</p:attrName>
-                                        </p:attrNameLst>
-                                      </p:cBhvr>
-                                      <p:to>
-                                        <p:strVal val="visible"/>
-                                      </p:to>
-                                    </p:set>
-                                  </p:childTnLst>
-                                </p:cTn>
-                              </p:par>
-                            </p:childTnLst>
-                          </p:cTn>
-                        </p:par>
-                      </p:childTnLst>
-                    </p:cTn>
-                  </p:par>
-                  <p:par>
-                    <p:cTn id="23" fill="hold">
-                      <p:stCondLst>
-                        <p:cond delay="indefinite"/>
-                      </p:stCondLst>
-                      <p:childTnLst>
-                        <p:par>
-                          <p:cTn id="24" fill="hold">
-                            <p:stCondLst>
-                              <p:cond delay="0"/>
-                            </p:stCondLst>
-                            <p:childTnLst>
-                              <p:par>
-                                <p:cTn id="25" presetID="1" presetClass="entr" presetSubtype="0" fill="hold" nodeType="clickEffect">
-                                  <p:stCondLst>
-                                    <p:cond delay="0"/>
-                                  </p:stCondLst>
-                                  <p:childTnLst>
-                                    <p:set>
-                                      <p:cBhvr>
-                                        <p:cTn id="26" dur="1" fill="hold">
-                                          <p:stCondLst>
-                                            <p:cond delay="0"/>
-                                          </p:stCondLst>
-                                        </p:cTn>
-                                        <p:tgtEl>
-                                          <p:spTgt spid="72"/>
-                                        </p:tgtEl>
-                                        <p:attrNameLst>
-                                          <p:attrName>style.visibility</p:attrName>
-                                        </p:attrNameLst>
-                                      </p:cBhvr>
-                                      <p:to>
-                                        <p:strVal val="visible"/>
-                                      </p:to>
-                                    </p:set>
-                                  </p:childTnLst>
-                                </p:cTn>
-                              </p:par>
-                            </p:childTnLst>
-                          </p:cTn>
-                        </p:par>
-                      </p:childTnLst>
-                    </p:cTn>
-                  </p:par>
-                  <p:par>
-                    <p:cTn id="27" fill="hold">
-                      <p:stCondLst>
-                        <p:cond delay="indefinite"/>
-                      </p:stCondLst>
-                      <p:childTnLst>
-                        <p:par>
-                          <p:cTn id="28" fill="hold">
-                            <p:stCondLst>
-                              <p:cond delay="0"/>
-                            </p:stCondLst>
-                            <p:childTnLst>
-                              <p:par>
-                                <p:cTn id="29" presetID="1" presetClass="entr" presetSubtype="0" fill="hold" nodeType="clickEffect">
-                                  <p:stCondLst>
-                                    <p:cond delay="0"/>
-                                  </p:stCondLst>
-                                  <p:childTnLst>
-                                    <p:set>
-                                      <p:cBhvr>
-                                        <p:cTn id="30" dur="1" fill="hold">
-                                          <p:stCondLst>
-                                            <p:cond delay="0"/>
-                                          </p:stCondLst>
-                                        </p:cTn>
-                                        <p:tgtEl>
-                                          <p:spTgt spid="79"/>
-                                        </p:tgtEl>
-                                        <p:attrNameLst>
-                                          <p:attrName>style.visibility</p:attrName>
-                                        </p:attrNameLst>
-                                      </p:cBhvr>
-                                      <p:to>
-                                        <p:strVal val="visible"/>
-                                      </p:to>
-                                    </p:set>
-                                  </p:childTnLst>
-                                </p:cTn>
-                              </p:par>
-                            </p:childTnLst>
-                          </p:cTn>
-                        </p:par>
-                      </p:childTnLst>
-                    </p:cTn>
-                  </p:par>
-                  <p:par>
-                    <p:cTn id="31" fill="hold">
-                      <p:stCondLst>
-                        <p:cond delay="indefinite"/>
-                      </p:stCondLst>
-                      <p:childTnLst>
-                        <p:par>
-                          <p:cTn id="32" fill="hold">
-                            <p:stCondLst>
-                              <p:cond delay="0"/>
-                            </p:stCondLst>
-                            <p:childTnLst>
-                              <p:par>
-                                <p:cTn id="33" presetID="1" presetClass="entr" presetSubtype="0" fill="hold" nodeType="clickEffect">
-                                  <p:stCondLst>
-                                    <p:cond delay="0"/>
-                                  </p:stCondLst>
-                                  <p:childTnLst>
-                                    <p:set>
-                                      <p:cBhvr>
-                                        <p:cTn id="34" dur="1" fill="hold">
-                                          <p:stCondLst>
-                                            <p:cond delay="0"/>
-                                          </p:stCondLst>
-                                        </p:cTn>
-                                        <p:tgtEl>
-                                          <p:spTgt spid="86"/>
-                                        </p:tgtEl>
-                                        <p:attrNameLst>
-                                          <p:attrName>style.visibility</p:attrName>
-                                        </p:attrNameLst>
-                                      </p:cBhvr>
-                                      <p:to>
-                                        <p:strVal val="visible"/>
-                                      </p:to>
-                                    </p:set>
-                                  </p:childTnLst>
-                                </p:cTn>
-                              </p:par>
-                            </p:childTnLst>
-                          </p:cTn>
-                        </p:par>
-                      </p:childTnLst>
-                    </p:cTn>
-                  </p:par>
-                  <p:par>
-                    <p:cTn id="35" fill="hold">
-                      <p:stCondLst>
-                        <p:cond delay="indefinite"/>
-                      </p:stCondLst>
-                      <p:childTnLst>
-                        <p:par>
-                          <p:cTn id="36" fill="hold">
-                            <p:stCondLst>
-                              <p:cond delay="0"/>
-                            </p:stCondLst>
-                            <p:childTnLst>
-                              <p:par>
-                                <p:cTn id="37" presetID="1" presetClass="entr" presetSubtype="0" fill="hold" nodeType="clickEffect">
-                                  <p:stCondLst>
-                                    <p:cond delay="0"/>
-                                  </p:stCondLst>
-                                  <p:childTnLst>
-                                    <p:set>
-                                      <p:cBhvr>
-                                        <p:cTn id="38" dur="1" fill="hold">
-                                          <p:stCondLst>
-                                            <p:cond delay="0"/>
-                                          </p:stCondLst>
-                                        </p:cTn>
-                                        <p:tgtEl>
-                                          <p:spTgt spid="93"/>
-                                        </p:tgtEl>
-                                        <p:attrNameLst>
-                                          <p:attrName>style.visibility</p:attrName>
-                                        </p:attrNameLst>
-                                      </p:cBhvr>
-                                      <p:to>
-                                        <p:strVal val="visible"/>
-                                      </p:to>
-                                    </p:set>
-                                  </p:childTnLst>
-                                </p:cTn>
-                              </p:par>
-                            </p:childTnLst>
-                          </p:cTn>
-                        </p:par>
-                      </p:childTnLst>
-                    </p:cTn>
-                  </p:par>
-                  <p:par>
-                    <p:cTn id="39" fill="hold">
-                      <p:stCondLst>
-                        <p:cond delay="indefinite"/>
-                      </p:stCondLst>
-                      <p:childTnLst>
-                        <p:par>
-                          <p:cTn id="40" fill="hold">
-                            <p:stCondLst>
-                              <p:cond delay="0"/>
-                            </p:stCondLst>
-                            <p:childTnLst>
-                              <p:par>
-                                <p:cTn id="41" presetID="1" presetClass="entr" presetSubtype="0" fill="hold" nodeType="clickEffect">
-                                  <p:stCondLst>
-                                    <p:cond delay="0"/>
-                                  </p:stCondLst>
-                                  <p:childTnLst>
-                                    <p:set>
-                                      <p:cBhvr>
-                                        <p:cTn id="42" dur="1" fill="hold">
-                                          <p:stCondLst>
-                                            <p:cond delay="0"/>
-                                          </p:stCondLst>
-                                        </p:cTn>
-                                        <p:tgtEl>
-                                          <p:spTgt spid="100"/>
                                         </p:tgtEl>
                                         <p:attrNameLst>
                                           <p:attrName>style.visibility</p:attrName>
